--- a/RA-L/pictures/pdf/PositionNrobots.pptx
+++ b/RA-L/pictures/pdf/PositionNrobots.pptx
@@ -7,7 +7,7 @@
   <p:sldIdLst>
     <p:sldId id="256" r:id="rId2"/>
   </p:sldIdLst>
-  <p:sldSz cx="24688800" cy="32004000"/>
+  <p:sldSz cx="24688800" cy="30632400"/>
   <p:notesSz cx="6858000" cy="9144000"/>
   <p:defaultTextStyle>
     <a:defPPr>
@@ -136,8 +136,8 @@
         </p:nvSpPr>
         <p:spPr>
           <a:xfrm>
-            <a:off x="1851660" y="9941990"/>
-            <a:ext cx="20985480" cy="6860116"/>
+            <a:off x="1851660" y="9515904"/>
+            <a:ext cx="20985480" cy="6566112"/>
           </a:xfrm>
         </p:spPr>
         <p:txBody>
@@ -164,8 +164,8 @@
         </p:nvSpPr>
         <p:spPr>
           <a:xfrm>
-            <a:off x="3703320" y="18135600"/>
-            <a:ext cx="17282160" cy="8178800"/>
+            <a:off x="3703320" y="17358360"/>
+            <a:ext cx="17282160" cy="7828280"/>
           </a:xfrm>
         </p:spPr>
         <p:txBody>
@@ -288,7 +288,7 @@
           <a:p>
             <a:fld id="{D9007BAF-787B-5B4F-8632-C84DCD7706EC}" type="datetimeFigureOut">
               <a:rPr lang="en-US" smtClean="0"/>
-              <a:t>1/29/16</a:t>
+              <a:t>8/31/16</a:t>
             </a:fld>
             <a:endParaRPr lang="en-US"/>
           </a:p>
@@ -458,7 +458,7 @@
           <a:p>
             <a:fld id="{D9007BAF-787B-5B4F-8632-C84DCD7706EC}" type="datetimeFigureOut">
               <a:rPr lang="en-US" smtClean="0"/>
-              <a:t>1/29/16</a:t>
+              <a:t>8/31/16</a:t>
             </a:fld>
             <a:endParaRPr lang="en-US"/>
           </a:p>
@@ -548,8 +548,8 @@
         </p:nvSpPr>
         <p:spPr>
           <a:xfrm>
-            <a:off x="17899380" y="1281650"/>
-            <a:ext cx="5554980" cy="27307116"/>
+            <a:off x="17899380" y="1226722"/>
+            <a:ext cx="5554980" cy="26136812"/>
           </a:xfrm>
         </p:spPr>
         <p:txBody>
@@ -576,8 +576,8 @@
         </p:nvSpPr>
         <p:spPr>
           <a:xfrm>
-            <a:off x="1234440" y="1281650"/>
-            <a:ext cx="16253460" cy="27307116"/>
+            <a:off x="1234440" y="1226722"/>
+            <a:ext cx="16253460" cy="26136812"/>
           </a:xfrm>
         </p:spPr>
         <p:txBody>
@@ -638,7 +638,7 @@
           <a:p>
             <a:fld id="{D9007BAF-787B-5B4F-8632-C84DCD7706EC}" type="datetimeFigureOut">
               <a:rPr lang="en-US" smtClean="0"/>
-              <a:t>1/29/16</a:t>
+              <a:t>8/31/16</a:t>
             </a:fld>
             <a:endParaRPr lang="en-US"/>
           </a:p>
@@ -808,7 +808,7 @@
           <a:p>
             <a:fld id="{D9007BAF-787B-5B4F-8632-C84DCD7706EC}" type="datetimeFigureOut">
               <a:rPr lang="en-US" smtClean="0"/>
-              <a:t>1/29/16</a:t>
+              <a:t>8/31/16</a:t>
             </a:fld>
             <a:endParaRPr lang="en-US"/>
           </a:p>
@@ -898,8 +898,8 @@
         </p:nvSpPr>
         <p:spPr>
           <a:xfrm>
-            <a:off x="1950246" y="20565536"/>
-            <a:ext cx="20985480" cy="6356350"/>
+            <a:off x="1950246" y="19684155"/>
+            <a:ext cx="20985480" cy="6083935"/>
           </a:xfrm>
         </p:spPr>
         <p:txBody>
@@ -930,8 +930,8 @@
         </p:nvSpPr>
         <p:spPr>
           <a:xfrm>
-            <a:off x="1950246" y="13564665"/>
-            <a:ext cx="20985480" cy="7000871"/>
+            <a:off x="1950246" y="12983324"/>
+            <a:ext cx="20985480" cy="6700833"/>
           </a:xfrm>
         </p:spPr>
         <p:txBody>
@@ -1054,7 +1054,7 @@
           <a:p>
             <a:fld id="{D9007BAF-787B-5B4F-8632-C84DCD7706EC}" type="datetimeFigureOut">
               <a:rPr lang="en-US" smtClean="0"/>
-              <a:t>1/29/16</a:t>
+              <a:t>8/31/16</a:t>
             </a:fld>
             <a:endParaRPr lang="en-US"/>
           </a:p>
@@ -1167,8 +1167,8 @@
         </p:nvSpPr>
         <p:spPr>
           <a:xfrm>
-            <a:off x="1234440" y="7467606"/>
-            <a:ext cx="10904220" cy="21121161"/>
+            <a:off x="1234440" y="7147567"/>
+            <a:ext cx="10904220" cy="20215968"/>
           </a:xfrm>
         </p:spPr>
         <p:txBody>
@@ -1252,8 +1252,8 @@
         </p:nvSpPr>
         <p:spPr>
           <a:xfrm>
-            <a:off x="12550140" y="7467606"/>
-            <a:ext cx="10904220" cy="21121161"/>
+            <a:off x="12550140" y="7147567"/>
+            <a:ext cx="10904220" cy="20215968"/>
           </a:xfrm>
         </p:spPr>
         <p:txBody>
@@ -1342,7 +1342,7 @@
           <a:p>
             <a:fld id="{D9007BAF-787B-5B4F-8632-C84DCD7706EC}" type="datetimeFigureOut">
               <a:rPr lang="en-US" smtClean="0"/>
-              <a:t>1/29/16</a:t>
+              <a:t>8/31/16</a:t>
             </a:fld>
             <a:endParaRPr lang="en-US"/>
           </a:p>
@@ -1459,8 +1459,8 @@
         </p:nvSpPr>
         <p:spPr>
           <a:xfrm>
-            <a:off x="1234441" y="7163860"/>
-            <a:ext cx="10908508" cy="2985556"/>
+            <a:off x="1234441" y="6856837"/>
+            <a:ext cx="10908508" cy="2857603"/>
           </a:xfrm>
         </p:spPr>
         <p:txBody>
@@ -1524,8 +1524,8 @@
         </p:nvSpPr>
         <p:spPr>
           <a:xfrm>
-            <a:off x="1234441" y="10149416"/>
-            <a:ext cx="10908508" cy="18439344"/>
+            <a:off x="1234441" y="9714441"/>
+            <a:ext cx="10908508" cy="17649087"/>
           </a:xfrm>
         </p:spPr>
         <p:txBody>
@@ -1609,8 +1609,8 @@
         </p:nvSpPr>
         <p:spPr>
           <a:xfrm>
-            <a:off x="12541569" y="7163860"/>
-            <a:ext cx="10912793" cy="2985556"/>
+            <a:off x="12541572" y="6856837"/>
+            <a:ext cx="10912793" cy="2857603"/>
           </a:xfrm>
         </p:spPr>
         <p:txBody>
@@ -1674,8 +1674,8 @@
         </p:nvSpPr>
         <p:spPr>
           <a:xfrm>
-            <a:off x="12541569" y="10149416"/>
-            <a:ext cx="10912793" cy="18439344"/>
+            <a:off x="12541572" y="9714441"/>
+            <a:ext cx="10912793" cy="17649087"/>
           </a:xfrm>
         </p:spPr>
         <p:txBody>
@@ -1764,7 +1764,7 @@
           <a:p>
             <a:fld id="{D9007BAF-787B-5B4F-8632-C84DCD7706EC}" type="datetimeFigureOut">
               <a:rPr lang="en-US" smtClean="0"/>
-              <a:t>1/29/16</a:t>
+              <a:t>8/31/16</a:t>
             </a:fld>
             <a:endParaRPr lang="en-US"/>
           </a:p>
@@ -1882,7 +1882,7 @@
           <a:p>
             <a:fld id="{D9007BAF-787B-5B4F-8632-C84DCD7706EC}" type="datetimeFigureOut">
               <a:rPr lang="en-US" smtClean="0"/>
-              <a:t>1/29/16</a:t>
+              <a:t>8/31/16</a:t>
             </a:fld>
             <a:endParaRPr lang="en-US"/>
           </a:p>
@@ -1977,7 +1977,7 @@
           <a:p>
             <a:fld id="{D9007BAF-787B-5B4F-8632-C84DCD7706EC}" type="datetimeFigureOut">
               <a:rPr lang="en-US" smtClean="0"/>
-              <a:t>1/29/16</a:t>
+              <a:t>8/31/16</a:t>
             </a:fld>
             <a:endParaRPr lang="en-US"/>
           </a:p>
@@ -2067,8 +2067,8 @@
         </p:nvSpPr>
         <p:spPr>
           <a:xfrm>
-            <a:off x="1234442" y="1274234"/>
-            <a:ext cx="8122446" cy="5422900"/>
+            <a:off x="1234442" y="1219623"/>
+            <a:ext cx="8122446" cy="5190490"/>
           </a:xfrm>
         </p:spPr>
         <p:txBody>
@@ -2099,8 +2099,8 @@
         </p:nvSpPr>
         <p:spPr>
           <a:xfrm>
-            <a:off x="9652635" y="1274236"/>
-            <a:ext cx="13801725" cy="27314529"/>
+            <a:off x="9652638" y="1219627"/>
+            <a:ext cx="13801725" cy="26143907"/>
           </a:xfrm>
         </p:spPr>
         <p:txBody>
@@ -2184,8 +2184,8 @@
         </p:nvSpPr>
         <p:spPr>
           <a:xfrm>
-            <a:off x="1234442" y="6697136"/>
-            <a:ext cx="8122446" cy="21891629"/>
+            <a:off x="1234442" y="6410117"/>
+            <a:ext cx="8122446" cy="20953417"/>
           </a:xfrm>
         </p:spPr>
         <p:txBody>
@@ -2254,7 +2254,7 @@
           <a:p>
             <a:fld id="{D9007BAF-787B-5B4F-8632-C84DCD7706EC}" type="datetimeFigureOut">
               <a:rPr lang="en-US" smtClean="0"/>
-              <a:t>1/29/16</a:t>
+              <a:t>8/31/16</a:t>
             </a:fld>
             <a:endParaRPr lang="en-US"/>
           </a:p>
@@ -2344,8 +2344,8 @@
         </p:nvSpPr>
         <p:spPr>
           <a:xfrm>
-            <a:off x="4839178" y="22402802"/>
-            <a:ext cx="14813280" cy="2644779"/>
+            <a:off x="4839178" y="21442682"/>
+            <a:ext cx="14813280" cy="2531432"/>
           </a:xfrm>
         </p:spPr>
         <p:txBody>
@@ -2376,8 +2376,8 @@
         </p:nvSpPr>
         <p:spPr>
           <a:xfrm>
-            <a:off x="4839178" y="2859616"/>
-            <a:ext cx="14813280" cy="19202400"/>
+            <a:off x="4839178" y="2737062"/>
+            <a:ext cx="14813280" cy="18379440"/>
           </a:xfrm>
         </p:spPr>
         <p:txBody>
@@ -2437,8 +2437,8 @@
         </p:nvSpPr>
         <p:spPr>
           <a:xfrm>
-            <a:off x="4839178" y="25047581"/>
-            <a:ext cx="14813280" cy="3756021"/>
+            <a:off x="4839178" y="23974114"/>
+            <a:ext cx="14813280" cy="3595048"/>
           </a:xfrm>
         </p:spPr>
         <p:txBody>
@@ -2507,7 +2507,7 @@
           <a:p>
             <a:fld id="{D9007BAF-787B-5B4F-8632-C84DCD7706EC}" type="datetimeFigureOut">
               <a:rPr lang="en-US" smtClean="0"/>
-              <a:t>1/29/16</a:t>
+              <a:t>8/31/16</a:t>
             </a:fld>
             <a:endParaRPr lang="en-US"/>
           </a:p>
@@ -2602,8 +2602,8 @@
         </p:nvSpPr>
         <p:spPr>
           <a:xfrm>
-            <a:off x="1234440" y="1281644"/>
-            <a:ext cx="22219920" cy="5334000"/>
+            <a:off x="1234440" y="1226717"/>
+            <a:ext cx="22219920" cy="5105400"/>
           </a:xfrm>
           <a:prstGeom prst="rect">
             <a:avLst/>
@@ -2635,8 +2635,8 @@
         </p:nvSpPr>
         <p:spPr>
           <a:xfrm>
-            <a:off x="1234440" y="7467606"/>
-            <a:ext cx="22219920" cy="21121161"/>
+            <a:off x="1234440" y="7147567"/>
+            <a:ext cx="22219920" cy="20215968"/>
           </a:xfrm>
           <a:prstGeom prst="rect">
             <a:avLst/>
@@ -2697,8 +2697,8 @@
         </p:nvSpPr>
         <p:spPr>
           <a:xfrm>
-            <a:off x="1234440" y="29662972"/>
-            <a:ext cx="5760720" cy="1703916"/>
+            <a:off x="1234440" y="28391702"/>
+            <a:ext cx="5760720" cy="1630892"/>
           </a:xfrm>
           <a:prstGeom prst="rect">
             <a:avLst/>
@@ -2720,7 +2720,7 @@
           <a:p>
             <a:fld id="{D9007BAF-787B-5B4F-8632-C84DCD7706EC}" type="datetimeFigureOut">
               <a:rPr lang="en-US" smtClean="0"/>
-              <a:t>1/29/16</a:t>
+              <a:t>8/31/16</a:t>
             </a:fld>
             <a:endParaRPr lang="en-US"/>
           </a:p>
@@ -2738,8 +2738,8 @@
         </p:nvSpPr>
         <p:spPr>
           <a:xfrm>
-            <a:off x="8435340" y="29662972"/>
-            <a:ext cx="7818120" cy="1703916"/>
+            <a:off x="8435340" y="28391702"/>
+            <a:ext cx="7818120" cy="1630892"/>
           </a:xfrm>
           <a:prstGeom prst="rect">
             <a:avLst/>
@@ -2775,8 +2775,8 @@
         </p:nvSpPr>
         <p:spPr>
           <a:xfrm>
-            <a:off x="17693640" y="29662972"/>
-            <a:ext cx="5760720" cy="1703916"/>
+            <a:off x="17693640" y="28391702"/>
+            <a:ext cx="5760720" cy="1630892"/>
           </a:xfrm>
           <a:prstGeom prst="rect">
             <a:avLst/>
@@ -3097,13 +3097,13 @@
       </p:grpSpPr>
       <p:grpSp>
         <p:nvGrpSpPr>
-          <p:cNvPr id="3280" name="Group 3279"/>
+          <p:cNvPr id="1919" name="Group 1918"/>
           <p:cNvGrpSpPr/>
           <p:nvPr/>
         </p:nvGrpSpPr>
         <p:grpSpPr>
           <a:xfrm>
-            <a:off x="212230" y="10684875"/>
+            <a:off x="212230" y="10223067"/>
             <a:ext cx="3698875" cy="5957455"/>
             <a:chOff x="1071713" y="323272"/>
             <a:chExt cx="3698875" cy="5957455"/>
@@ -3111,7 +3111,7 @@
         </p:grpSpPr>
         <p:grpSp>
           <p:nvGrpSpPr>
-            <p:cNvPr id="3281" name="Group 3280"/>
+            <p:cNvPr id="1920" name="Group 1919"/>
             <p:cNvGrpSpPr/>
             <p:nvPr/>
           </p:nvGrpSpPr>
@@ -3125,7 +3125,7 @@
           </p:grpSpPr>
           <p:sp>
             <p:nvSpPr>
-              <p:cNvPr id="3287" name="Rectangle 3286"/>
+              <p:cNvPr id="1926" name="Rectangle 1925"/>
               <p:cNvSpPr/>
               <p:nvPr/>
             </p:nvSpPr>
@@ -3175,7 +3175,7 @@
           </p:sp>
           <p:sp>
             <p:nvSpPr>
-              <p:cNvPr id="3288" name="Rectangle 3287"/>
+              <p:cNvPr id="1927" name="Rectangle 1926"/>
               <p:cNvSpPr/>
               <p:nvPr/>
             </p:nvSpPr>
@@ -3225,7 +3225,7 @@
           </p:sp>
           <p:sp>
             <p:nvSpPr>
-              <p:cNvPr id="3289" name="Octagon 3288"/>
+              <p:cNvPr id="1928" name="Octagon 1927"/>
               <p:cNvSpPr/>
               <p:nvPr/>
             </p:nvSpPr>
@@ -3285,7 +3285,7 @@
           </p:sp>
           <p:sp>
             <p:nvSpPr>
-              <p:cNvPr id="3290" name="Octagon 3289"/>
+              <p:cNvPr id="1929" name="Octagon 1928"/>
               <p:cNvSpPr/>
               <p:nvPr/>
             </p:nvSpPr>
@@ -3345,7 +3345,7 @@
           </p:sp>
           <p:sp>
             <p:nvSpPr>
-              <p:cNvPr id="3291" name="Octagon 3290"/>
+              <p:cNvPr id="1930" name="Octagon 1929"/>
               <p:cNvSpPr/>
               <p:nvPr/>
             </p:nvSpPr>
@@ -3405,7 +3405,7 @@
           </p:sp>
           <p:sp>
             <p:nvSpPr>
-              <p:cNvPr id="3292" name="Octagon 3291"/>
+              <p:cNvPr id="1931" name="Octagon 1930"/>
               <p:cNvSpPr/>
               <p:nvPr/>
             </p:nvSpPr>
@@ -3465,7 +3465,7 @@
           </p:sp>
           <p:sp>
             <p:nvSpPr>
-              <p:cNvPr id="3293" name="Octagon 3292"/>
+              <p:cNvPr id="1932" name="Octagon 1931"/>
               <p:cNvSpPr/>
               <p:nvPr/>
             </p:nvSpPr>
@@ -3525,7 +3525,7 @@
           </p:sp>
           <p:sp>
             <p:nvSpPr>
-              <p:cNvPr id="3294" name="Frame 3293"/>
+              <p:cNvPr id="1933" name="Frame 1932"/>
               <p:cNvSpPr/>
               <p:nvPr/>
             </p:nvSpPr>
@@ -3540,7 +3540,7 @@
                 </a:avLst>
               </a:prstGeom>
               <a:solidFill>
-                <a:schemeClr val="accent2"/>
+                <a:srgbClr val="FC028B"/>
               </a:solidFill>
               <a:ln>
                 <a:noFill/>
@@ -3579,7 +3579,7 @@
         </p:grpSp>
         <p:sp>
           <p:nvSpPr>
-            <p:cNvPr id="3282" name="Octagon 3281"/>
+            <p:cNvPr id="1921" name="Octagon 1920"/>
             <p:cNvSpPr/>
             <p:nvPr/>
           </p:nvSpPr>
@@ -3636,7 +3636,7 @@
         </p:sp>
         <p:sp>
           <p:nvSpPr>
-            <p:cNvPr id="3283" name="Octagon 3282"/>
+            <p:cNvPr id="1922" name="Octagon 1921"/>
             <p:cNvSpPr/>
             <p:nvPr/>
           </p:nvSpPr>
@@ -3693,7 +3693,7 @@
         </p:sp>
         <p:sp>
           <p:nvSpPr>
-            <p:cNvPr id="3284" name="Octagon 3283"/>
+            <p:cNvPr id="1923" name="Octagon 1922"/>
             <p:cNvSpPr/>
             <p:nvPr/>
           </p:nvSpPr>
@@ -3750,7 +3750,7 @@
         </p:sp>
         <p:sp>
           <p:nvSpPr>
-            <p:cNvPr id="3285" name="Octagon 3284"/>
+            <p:cNvPr id="1924" name="Octagon 1923"/>
             <p:cNvSpPr/>
             <p:nvPr/>
           </p:nvSpPr>
@@ -3807,7 +3807,7 @@
         </p:sp>
         <p:sp>
           <p:nvSpPr>
-            <p:cNvPr id="3286" name="Octagon 3285"/>
+            <p:cNvPr id="1925" name="Octagon 1924"/>
             <p:cNvSpPr/>
             <p:nvPr/>
           </p:nvSpPr>
@@ -3865,13 +3865,13 @@
       </p:grpSp>
       <p:grpSp>
         <p:nvGrpSpPr>
-          <p:cNvPr id="3295" name="Group 3294"/>
+          <p:cNvPr id="1934" name="Group 1933"/>
           <p:cNvGrpSpPr/>
           <p:nvPr/>
         </p:nvGrpSpPr>
         <p:grpSpPr>
           <a:xfrm>
-            <a:off x="4320349" y="10684875"/>
+            <a:off x="4320349" y="10223067"/>
             <a:ext cx="3698875" cy="5957455"/>
             <a:chOff x="5060850" y="323272"/>
             <a:chExt cx="3698875" cy="5957455"/>
@@ -3879,7 +3879,7 @@
         </p:grpSpPr>
         <p:grpSp>
           <p:nvGrpSpPr>
-            <p:cNvPr id="3296" name="Group 3295"/>
+            <p:cNvPr id="1935" name="Group 1934"/>
             <p:cNvGrpSpPr/>
             <p:nvPr/>
           </p:nvGrpSpPr>
@@ -3893,7 +3893,7 @@
           </p:grpSpPr>
           <p:sp>
             <p:nvSpPr>
-              <p:cNvPr id="3302" name="Rectangle 3301"/>
+              <p:cNvPr id="1941" name="Rectangle 1940"/>
               <p:cNvSpPr/>
               <p:nvPr/>
             </p:nvSpPr>
@@ -3943,7 +3943,7 @@
           </p:sp>
           <p:sp>
             <p:nvSpPr>
-              <p:cNvPr id="3303" name="Rectangle 3302"/>
+              <p:cNvPr id="1942" name="Rectangle 1941"/>
               <p:cNvSpPr/>
               <p:nvPr/>
             </p:nvSpPr>
@@ -3993,7 +3993,7 @@
           </p:sp>
           <p:sp>
             <p:nvSpPr>
-              <p:cNvPr id="3304" name="Octagon 3303"/>
+              <p:cNvPr id="1943" name="Octagon 1942"/>
               <p:cNvSpPr/>
               <p:nvPr/>
             </p:nvSpPr>
@@ -4053,7 +4053,7 @@
           </p:sp>
           <p:sp>
             <p:nvSpPr>
-              <p:cNvPr id="3305" name="Octagon 3304"/>
+              <p:cNvPr id="1944" name="Octagon 1943"/>
               <p:cNvSpPr/>
               <p:nvPr/>
             </p:nvSpPr>
@@ -4113,7 +4113,7 @@
           </p:sp>
           <p:sp>
             <p:nvSpPr>
-              <p:cNvPr id="3306" name="Octagon 3305"/>
+              <p:cNvPr id="1945" name="Octagon 1944"/>
               <p:cNvSpPr/>
               <p:nvPr/>
             </p:nvSpPr>
@@ -4173,7 +4173,7 @@
           </p:sp>
           <p:sp>
             <p:nvSpPr>
-              <p:cNvPr id="3307" name="Octagon 3306"/>
+              <p:cNvPr id="1946" name="Octagon 1945"/>
               <p:cNvSpPr/>
               <p:nvPr/>
             </p:nvSpPr>
@@ -4233,7 +4233,7 @@
           </p:sp>
           <p:sp>
             <p:nvSpPr>
-              <p:cNvPr id="3308" name="Octagon 3307"/>
+              <p:cNvPr id="1947" name="Octagon 1946"/>
               <p:cNvSpPr/>
               <p:nvPr/>
             </p:nvSpPr>
@@ -4293,7 +4293,7 @@
           </p:sp>
           <p:sp>
             <p:nvSpPr>
-              <p:cNvPr id="3309" name="Frame 3308"/>
+              <p:cNvPr id="1948" name="Frame 1947"/>
               <p:cNvSpPr/>
               <p:nvPr/>
             </p:nvSpPr>
@@ -4308,7 +4308,7 @@
                 </a:avLst>
               </a:prstGeom>
               <a:solidFill>
-                <a:schemeClr val="accent2"/>
+                <a:srgbClr val="FC028B"/>
               </a:solidFill>
               <a:ln>
                 <a:noFill/>
@@ -4347,7 +4347,7 @@
         </p:grpSp>
         <p:sp>
           <p:nvSpPr>
-            <p:cNvPr id="3297" name="Octagon 3296"/>
+            <p:cNvPr id="1936" name="Octagon 1935"/>
             <p:cNvSpPr/>
             <p:nvPr/>
           </p:nvSpPr>
@@ -4404,7 +4404,7 @@
         </p:sp>
         <p:sp>
           <p:nvSpPr>
-            <p:cNvPr id="3298" name="Octagon 3297"/>
+            <p:cNvPr id="1937" name="Octagon 1936"/>
             <p:cNvSpPr/>
             <p:nvPr/>
           </p:nvSpPr>
@@ -4461,7 +4461,7 @@
         </p:sp>
         <p:sp>
           <p:nvSpPr>
-            <p:cNvPr id="3299" name="Octagon 3298"/>
+            <p:cNvPr id="1938" name="Octagon 1937"/>
             <p:cNvSpPr/>
             <p:nvPr/>
           </p:nvSpPr>
@@ -4518,7 +4518,7 @@
         </p:sp>
         <p:sp>
           <p:nvSpPr>
-            <p:cNvPr id="3300" name="Octagon 3299"/>
+            <p:cNvPr id="1939" name="Octagon 1938"/>
             <p:cNvSpPr/>
             <p:nvPr/>
           </p:nvSpPr>
@@ -4575,7 +4575,7 @@
         </p:sp>
         <p:sp>
           <p:nvSpPr>
-            <p:cNvPr id="3301" name="Octagon 3300"/>
+            <p:cNvPr id="1940" name="Octagon 1939"/>
             <p:cNvSpPr/>
             <p:nvPr/>
           </p:nvSpPr>
@@ -4633,13 +4633,13 @@
       </p:grpSp>
       <p:grpSp>
         <p:nvGrpSpPr>
-          <p:cNvPr id="3310" name="Group 3309"/>
+          <p:cNvPr id="1949" name="Group 1948"/>
           <p:cNvGrpSpPr/>
           <p:nvPr/>
         </p:nvGrpSpPr>
         <p:grpSpPr>
           <a:xfrm>
-            <a:off x="8428468" y="10684875"/>
+            <a:off x="8428468" y="10223067"/>
             <a:ext cx="3698875" cy="5957455"/>
             <a:chOff x="9109075" y="323272"/>
             <a:chExt cx="3698875" cy="5957455"/>
@@ -4647,7 +4647,7 @@
         </p:grpSpPr>
         <p:grpSp>
           <p:nvGrpSpPr>
-            <p:cNvPr id="3311" name="Group 3310"/>
+            <p:cNvPr id="1950" name="Group 1949"/>
             <p:cNvGrpSpPr/>
             <p:nvPr/>
           </p:nvGrpSpPr>
@@ -4661,7 +4661,7 @@
           </p:grpSpPr>
           <p:sp>
             <p:nvSpPr>
-              <p:cNvPr id="3317" name="Rectangle 3316"/>
+              <p:cNvPr id="1956" name="Rectangle 1955"/>
               <p:cNvSpPr/>
               <p:nvPr/>
             </p:nvSpPr>
@@ -4711,7 +4711,7 @@
           </p:sp>
           <p:sp>
             <p:nvSpPr>
-              <p:cNvPr id="3318" name="Rectangle 3317"/>
+              <p:cNvPr id="1957" name="Rectangle 1956"/>
               <p:cNvSpPr/>
               <p:nvPr/>
             </p:nvSpPr>
@@ -4766,7 +4766,7 @@
           </p:sp>
           <p:sp>
             <p:nvSpPr>
-              <p:cNvPr id="3319" name="Octagon 3318"/>
+              <p:cNvPr id="1958" name="Octagon 1957"/>
               <p:cNvSpPr/>
               <p:nvPr/>
             </p:nvSpPr>
@@ -4826,7 +4826,7 @@
           </p:sp>
           <p:sp>
             <p:nvSpPr>
-              <p:cNvPr id="3320" name="Octagon 3319"/>
+              <p:cNvPr id="1959" name="Octagon 1958"/>
               <p:cNvSpPr/>
               <p:nvPr/>
             </p:nvSpPr>
@@ -4886,7 +4886,7 @@
           </p:sp>
           <p:sp>
             <p:nvSpPr>
-              <p:cNvPr id="3321" name="Octagon 3320"/>
+              <p:cNvPr id="1960" name="Octagon 1959"/>
               <p:cNvSpPr/>
               <p:nvPr/>
             </p:nvSpPr>
@@ -4946,7 +4946,7 @@
           </p:sp>
           <p:sp>
             <p:nvSpPr>
-              <p:cNvPr id="3322" name="Octagon 3321"/>
+              <p:cNvPr id="1961" name="Octagon 1960"/>
               <p:cNvSpPr/>
               <p:nvPr/>
             </p:nvSpPr>
@@ -5006,7 +5006,7 @@
           </p:sp>
           <p:sp>
             <p:nvSpPr>
-              <p:cNvPr id="3323" name="Octagon 3322"/>
+              <p:cNvPr id="1962" name="Octagon 1961"/>
               <p:cNvSpPr/>
               <p:nvPr/>
             </p:nvSpPr>
@@ -5066,7 +5066,7 @@
           </p:sp>
           <p:sp>
             <p:nvSpPr>
-              <p:cNvPr id="3324" name="Frame 3323"/>
+              <p:cNvPr id="1963" name="Frame 1962"/>
               <p:cNvSpPr/>
               <p:nvPr/>
             </p:nvSpPr>
@@ -5081,7 +5081,7 @@
                 </a:avLst>
               </a:prstGeom>
               <a:solidFill>
-                <a:schemeClr val="accent2"/>
+                <a:srgbClr val="FC028B"/>
               </a:solidFill>
               <a:ln>
                 <a:noFill/>
@@ -5120,7 +5120,7 @@
         </p:grpSp>
         <p:sp>
           <p:nvSpPr>
-            <p:cNvPr id="3312" name="Octagon 3311"/>
+            <p:cNvPr id="1951" name="Octagon 1950"/>
             <p:cNvSpPr/>
             <p:nvPr/>
           </p:nvSpPr>
@@ -5177,7 +5177,7 @@
         </p:sp>
         <p:sp>
           <p:nvSpPr>
-            <p:cNvPr id="3313" name="Octagon 3312"/>
+            <p:cNvPr id="1952" name="Octagon 1951"/>
             <p:cNvSpPr/>
             <p:nvPr/>
           </p:nvSpPr>
@@ -5234,7 +5234,7 @@
         </p:sp>
         <p:sp>
           <p:nvSpPr>
-            <p:cNvPr id="3314" name="Octagon 3313"/>
+            <p:cNvPr id="1953" name="Octagon 1952"/>
             <p:cNvSpPr/>
             <p:nvPr/>
           </p:nvSpPr>
@@ -5291,7 +5291,7 @@
         </p:sp>
         <p:sp>
           <p:nvSpPr>
-            <p:cNvPr id="3315" name="Octagon 3314"/>
+            <p:cNvPr id="1954" name="Octagon 1953"/>
             <p:cNvSpPr/>
             <p:nvPr/>
           </p:nvSpPr>
@@ -5348,7 +5348,7 @@
         </p:sp>
         <p:sp>
           <p:nvSpPr>
-            <p:cNvPr id="3316" name="Octagon 3315"/>
+            <p:cNvPr id="1955" name="Octagon 1954"/>
             <p:cNvSpPr/>
             <p:nvPr/>
           </p:nvSpPr>
@@ -5406,13 +5406,13 @@
       </p:grpSp>
       <p:grpSp>
         <p:nvGrpSpPr>
-          <p:cNvPr id="3325" name="Group 3324"/>
+          <p:cNvPr id="1964" name="Group 1963"/>
           <p:cNvGrpSpPr/>
           <p:nvPr/>
         </p:nvGrpSpPr>
         <p:grpSpPr>
           <a:xfrm>
-            <a:off x="12536587" y="10684875"/>
+            <a:off x="12536587" y="10223067"/>
             <a:ext cx="3698875" cy="5957455"/>
             <a:chOff x="13227783" y="323272"/>
             <a:chExt cx="3698875" cy="5957455"/>
@@ -5420,7 +5420,7 @@
         </p:grpSpPr>
         <p:grpSp>
           <p:nvGrpSpPr>
-            <p:cNvPr id="3326" name="Group 3325"/>
+            <p:cNvPr id="1965" name="Group 1964"/>
             <p:cNvGrpSpPr/>
             <p:nvPr/>
           </p:nvGrpSpPr>
@@ -5434,7 +5434,7 @@
           </p:grpSpPr>
           <p:sp>
             <p:nvSpPr>
-              <p:cNvPr id="3332" name="Rectangle 3331"/>
+              <p:cNvPr id="1971" name="Rectangle 1970"/>
               <p:cNvSpPr/>
               <p:nvPr/>
             </p:nvSpPr>
@@ -5484,7 +5484,7 @@
           </p:sp>
           <p:sp>
             <p:nvSpPr>
-              <p:cNvPr id="3333" name="Rectangle 3332"/>
+              <p:cNvPr id="1972" name="Rectangle 1971"/>
               <p:cNvSpPr/>
               <p:nvPr/>
             </p:nvSpPr>
@@ -5534,7 +5534,7 @@
           </p:sp>
           <p:sp>
             <p:nvSpPr>
-              <p:cNvPr id="3334" name="Octagon 3333"/>
+              <p:cNvPr id="1973" name="Octagon 1972"/>
               <p:cNvSpPr/>
               <p:nvPr/>
             </p:nvSpPr>
@@ -5594,7 +5594,7 @@
           </p:sp>
           <p:sp>
             <p:nvSpPr>
-              <p:cNvPr id="3335" name="Octagon 3334"/>
+              <p:cNvPr id="1974" name="Octagon 1973"/>
               <p:cNvSpPr/>
               <p:nvPr/>
             </p:nvSpPr>
@@ -5654,7 +5654,7 @@
           </p:sp>
           <p:sp>
             <p:nvSpPr>
-              <p:cNvPr id="3336" name="Octagon 3335"/>
+              <p:cNvPr id="1975" name="Octagon 1974"/>
               <p:cNvSpPr/>
               <p:nvPr/>
             </p:nvSpPr>
@@ -5714,7 +5714,7 @@
           </p:sp>
           <p:sp>
             <p:nvSpPr>
-              <p:cNvPr id="3337" name="Octagon 3336"/>
+              <p:cNvPr id="1976" name="Octagon 1975"/>
               <p:cNvSpPr/>
               <p:nvPr/>
             </p:nvSpPr>
@@ -5774,7 +5774,7 @@
           </p:sp>
           <p:sp>
             <p:nvSpPr>
-              <p:cNvPr id="3338" name="Octagon 3337"/>
+              <p:cNvPr id="1977" name="Octagon 1976"/>
               <p:cNvSpPr/>
               <p:nvPr/>
             </p:nvSpPr>
@@ -5834,7 +5834,7 @@
           </p:sp>
           <p:sp>
             <p:nvSpPr>
-              <p:cNvPr id="3339" name="Frame 3338"/>
+              <p:cNvPr id="1978" name="Frame 1977"/>
               <p:cNvSpPr/>
               <p:nvPr/>
             </p:nvSpPr>
@@ -5849,7 +5849,7 @@
                 </a:avLst>
               </a:prstGeom>
               <a:solidFill>
-                <a:schemeClr val="accent2"/>
+                <a:srgbClr val="FC028B"/>
               </a:solidFill>
               <a:ln>
                 <a:noFill/>
@@ -5888,7 +5888,7 @@
         </p:grpSp>
         <p:sp>
           <p:nvSpPr>
-            <p:cNvPr id="3327" name="Octagon 3326"/>
+            <p:cNvPr id="1966" name="Octagon 1965"/>
             <p:cNvSpPr/>
             <p:nvPr/>
           </p:nvSpPr>
@@ -5945,7 +5945,7 @@
         </p:sp>
         <p:sp>
           <p:nvSpPr>
-            <p:cNvPr id="3328" name="Octagon 3327"/>
+            <p:cNvPr id="1967" name="Octagon 1966"/>
             <p:cNvSpPr/>
             <p:nvPr/>
           </p:nvSpPr>
@@ -6002,7 +6002,7 @@
         </p:sp>
         <p:sp>
           <p:nvSpPr>
-            <p:cNvPr id="3329" name="Octagon 3328"/>
+            <p:cNvPr id="1968" name="Octagon 1967"/>
             <p:cNvSpPr/>
             <p:nvPr/>
           </p:nvSpPr>
@@ -6059,7 +6059,7 @@
         </p:sp>
         <p:sp>
           <p:nvSpPr>
-            <p:cNvPr id="3330" name="Octagon 3329"/>
+            <p:cNvPr id="1969" name="Octagon 1968"/>
             <p:cNvSpPr/>
             <p:nvPr/>
           </p:nvSpPr>
@@ -6116,7 +6116,7 @@
         </p:sp>
         <p:sp>
           <p:nvSpPr>
-            <p:cNvPr id="3331" name="Octagon 3330"/>
+            <p:cNvPr id="1970" name="Octagon 1969"/>
             <p:cNvSpPr/>
             <p:nvPr/>
           </p:nvSpPr>
@@ -6174,13 +6174,13 @@
       </p:grpSp>
       <p:grpSp>
         <p:nvGrpSpPr>
-          <p:cNvPr id="3340" name="Group 3339"/>
+          <p:cNvPr id="1979" name="Group 1978"/>
           <p:cNvGrpSpPr/>
           <p:nvPr/>
         </p:nvGrpSpPr>
         <p:grpSpPr>
           <a:xfrm>
-            <a:off x="16644706" y="10684875"/>
+            <a:off x="16644706" y="10223067"/>
             <a:ext cx="3698875" cy="5957455"/>
             <a:chOff x="17483259" y="323272"/>
             <a:chExt cx="3698875" cy="5957455"/>
@@ -6188,7 +6188,7 @@
         </p:grpSpPr>
         <p:grpSp>
           <p:nvGrpSpPr>
-            <p:cNvPr id="3341" name="Group 3340"/>
+            <p:cNvPr id="1980" name="Group 1979"/>
             <p:cNvGrpSpPr/>
             <p:nvPr/>
           </p:nvGrpSpPr>
@@ -6202,7 +6202,7 @@
           </p:grpSpPr>
           <p:sp>
             <p:nvSpPr>
-              <p:cNvPr id="3347" name="Rectangle 3346"/>
+              <p:cNvPr id="1986" name="Rectangle 1985"/>
               <p:cNvSpPr/>
               <p:nvPr/>
             </p:nvSpPr>
@@ -6252,7 +6252,7 @@
           </p:sp>
           <p:sp>
             <p:nvSpPr>
-              <p:cNvPr id="3348" name="Rectangle 3347"/>
+              <p:cNvPr id="1987" name="Rectangle 1986"/>
               <p:cNvSpPr/>
               <p:nvPr/>
             </p:nvSpPr>
@@ -6302,7 +6302,7 @@
           </p:sp>
           <p:sp>
             <p:nvSpPr>
-              <p:cNvPr id="3349" name="Octagon 3348"/>
+              <p:cNvPr id="1988" name="Octagon 1987"/>
               <p:cNvSpPr/>
               <p:nvPr/>
             </p:nvSpPr>
@@ -6362,7 +6362,7 @@
           </p:sp>
           <p:sp>
             <p:nvSpPr>
-              <p:cNvPr id="3350" name="Octagon 3349"/>
+              <p:cNvPr id="1989" name="Octagon 1988"/>
               <p:cNvSpPr/>
               <p:nvPr/>
             </p:nvSpPr>
@@ -6422,7 +6422,7 @@
           </p:sp>
           <p:sp>
             <p:nvSpPr>
-              <p:cNvPr id="3351" name="Octagon 3350"/>
+              <p:cNvPr id="1990" name="Octagon 1989"/>
               <p:cNvSpPr/>
               <p:nvPr/>
             </p:nvSpPr>
@@ -6482,7 +6482,7 @@
           </p:sp>
           <p:sp>
             <p:nvSpPr>
-              <p:cNvPr id="3352" name="Octagon 3351"/>
+              <p:cNvPr id="1991" name="Octagon 1990"/>
               <p:cNvSpPr/>
               <p:nvPr/>
             </p:nvSpPr>
@@ -6542,7 +6542,7 @@
           </p:sp>
           <p:sp>
             <p:nvSpPr>
-              <p:cNvPr id="3353" name="Octagon 3352"/>
+              <p:cNvPr id="1992" name="Octagon 1991"/>
               <p:cNvSpPr/>
               <p:nvPr/>
             </p:nvSpPr>
@@ -6602,7 +6602,7 @@
           </p:sp>
           <p:sp>
             <p:nvSpPr>
-              <p:cNvPr id="3354" name="Frame 3353"/>
+              <p:cNvPr id="1993" name="Frame 1992"/>
               <p:cNvSpPr/>
               <p:nvPr/>
             </p:nvSpPr>
@@ -6617,7 +6617,7 @@
                 </a:avLst>
               </a:prstGeom>
               <a:solidFill>
-                <a:schemeClr val="accent2"/>
+                <a:srgbClr val="FC028B"/>
               </a:solidFill>
               <a:ln>
                 <a:noFill/>
@@ -6656,7 +6656,7 @@
         </p:grpSp>
         <p:sp>
           <p:nvSpPr>
-            <p:cNvPr id="3342" name="Octagon 3341"/>
+            <p:cNvPr id="1981" name="Octagon 1980"/>
             <p:cNvSpPr/>
             <p:nvPr/>
           </p:nvSpPr>
@@ -6713,7 +6713,7 @@
         </p:sp>
         <p:sp>
           <p:nvSpPr>
-            <p:cNvPr id="3343" name="Octagon 3342"/>
+            <p:cNvPr id="1982" name="Octagon 1981"/>
             <p:cNvSpPr/>
             <p:nvPr/>
           </p:nvSpPr>
@@ -6770,7 +6770,7 @@
         </p:sp>
         <p:sp>
           <p:nvSpPr>
-            <p:cNvPr id="3344" name="Octagon 3343"/>
+            <p:cNvPr id="1983" name="Octagon 1982"/>
             <p:cNvSpPr/>
             <p:nvPr/>
           </p:nvSpPr>
@@ -6827,7 +6827,7 @@
         </p:sp>
         <p:sp>
           <p:nvSpPr>
-            <p:cNvPr id="3345" name="Octagon 3344"/>
+            <p:cNvPr id="1984" name="Octagon 1983"/>
             <p:cNvSpPr/>
             <p:nvPr/>
           </p:nvSpPr>
@@ -6884,7 +6884,7 @@
         </p:sp>
         <p:sp>
           <p:nvSpPr>
-            <p:cNvPr id="3346" name="Octagon 3345"/>
+            <p:cNvPr id="1985" name="Octagon 1984"/>
             <p:cNvSpPr/>
             <p:nvPr/>
           </p:nvSpPr>
@@ -6942,13 +6942,13 @@
       </p:grpSp>
       <p:grpSp>
         <p:nvGrpSpPr>
-          <p:cNvPr id="3355" name="Group 3354"/>
+          <p:cNvPr id="1994" name="Group 1993"/>
           <p:cNvGrpSpPr/>
           <p:nvPr/>
         </p:nvGrpSpPr>
         <p:grpSpPr>
           <a:xfrm>
-            <a:off x="20752826" y="10684875"/>
+            <a:off x="20752826" y="10223067"/>
             <a:ext cx="3698875" cy="5957455"/>
             <a:chOff x="21612309" y="323272"/>
             <a:chExt cx="3698875" cy="5957455"/>
@@ -6956,7 +6956,7 @@
         </p:grpSpPr>
         <p:grpSp>
           <p:nvGrpSpPr>
-            <p:cNvPr id="3356" name="Group 3355"/>
+            <p:cNvPr id="1995" name="Group 1994"/>
             <p:cNvGrpSpPr/>
             <p:nvPr/>
           </p:nvGrpSpPr>
@@ -6970,7 +6970,7 @@
           </p:grpSpPr>
           <p:sp>
             <p:nvSpPr>
-              <p:cNvPr id="3362" name="Rectangle 3361"/>
+              <p:cNvPr id="2001" name="Rectangle 2000"/>
               <p:cNvSpPr/>
               <p:nvPr/>
             </p:nvSpPr>
@@ -7020,7 +7020,7 @@
           </p:sp>
           <p:sp>
             <p:nvSpPr>
-              <p:cNvPr id="3363" name="Rectangle 3362"/>
+              <p:cNvPr id="2002" name="Rectangle 2001"/>
               <p:cNvSpPr/>
               <p:nvPr/>
             </p:nvSpPr>
@@ -7070,7 +7070,7 @@
           </p:sp>
           <p:sp>
             <p:nvSpPr>
-              <p:cNvPr id="3364" name="Octagon 3363"/>
+              <p:cNvPr id="2003" name="Octagon 2002"/>
               <p:cNvSpPr/>
               <p:nvPr/>
             </p:nvSpPr>
@@ -7130,7 +7130,7 @@
           </p:sp>
           <p:sp>
             <p:nvSpPr>
-              <p:cNvPr id="3365" name="Octagon 3364"/>
+              <p:cNvPr id="2004" name="Octagon 2003"/>
               <p:cNvSpPr/>
               <p:nvPr/>
             </p:nvSpPr>
@@ -7190,7 +7190,7 @@
           </p:sp>
           <p:sp>
             <p:nvSpPr>
-              <p:cNvPr id="3366" name="Octagon 3365"/>
+              <p:cNvPr id="2005" name="Octagon 2004"/>
               <p:cNvSpPr/>
               <p:nvPr/>
             </p:nvSpPr>
@@ -7250,7 +7250,7 @@
           </p:sp>
           <p:sp>
             <p:nvSpPr>
-              <p:cNvPr id="3367" name="Octagon 3366"/>
+              <p:cNvPr id="2006" name="Octagon 2005"/>
               <p:cNvSpPr/>
               <p:nvPr/>
             </p:nvSpPr>
@@ -7310,7 +7310,7 @@
           </p:sp>
           <p:sp>
             <p:nvSpPr>
-              <p:cNvPr id="3368" name="Octagon 3367"/>
+              <p:cNvPr id="2007" name="Octagon 2006"/>
               <p:cNvSpPr/>
               <p:nvPr/>
             </p:nvSpPr>
@@ -7370,7 +7370,7 @@
           </p:sp>
           <p:sp>
             <p:nvSpPr>
-              <p:cNvPr id="3369" name="Frame 3368"/>
+              <p:cNvPr id="2008" name="Frame 2007"/>
               <p:cNvSpPr/>
               <p:nvPr/>
             </p:nvSpPr>
@@ -7385,7 +7385,7 @@
                 </a:avLst>
               </a:prstGeom>
               <a:solidFill>
-                <a:schemeClr val="accent2"/>
+                <a:srgbClr val="FC028B"/>
               </a:solidFill>
               <a:ln>
                 <a:noFill/>
@@ -7424,7 +7424,7 @@
         </p:grpSp>
         <p:sp>
           <p:nvSpPr>
-            <p:cNvPr id="3357" name="Octagon 3356"/>
+            <p:cNvPr id="1996" name="Octagon 1995"/>
             <p:cNvSpPr/>
             <p:nvPr/>
           </p:nvSpPr>
@@ -7481,13 +7481,13 @@
         </p:sp>
         <p:sp>
           <p:nvSpPr>
-            <p:cNvPr id="3358" name="Octagon 3357"/>
+            <p:cNvPr id="1997" name="Octagon 1996"/>
             <p:cNvSpPr/>
             <p:nvPr/>
           </p:nvSpPr>
           <p:spPr>
             <a:xfrm>
-              <a:off x="22851516" y="4918364"/>
+              <a:off x="24340662" y="4922216"/>
               <a:ext cx="738909" cy="738909"/>
             </a:xfrm>
             <a:prstGeom prst="octagon">
@@ -7538,7 +7538,7 @@
         </p:sp>
         <p:sp>
           <p:nvSpPr>
-            <p:cNvPr id="3359" name="Octagon 3358"/>
+            <p:cNvPr id="1998" name="Octagon 1997"/>
             <p:cNvSpPr/>
             <p:nvPr/>
           </p:nvSpPr>
@@ -7595,7 +7595,7 @@
         </p:sp>
         <p:sp>
           <p:nvSpPr>
-            <p:cNvPr id="3360" name="Octagon 3359"/>
+            <p:cNvPr id="1999" name="Octagon 1998"/>
             <p:cNvSpPr/>
             <p:nvPr/>
           </p:nvSpPr>
@@ -7652,7 +7652,7 @@
         </p:sp>
         <p:sp>
           <p:nvSpPr>
-            <p:cNvPr id="3361" name="Octagon 3360"/>
+            <p:cNvPr id="2000" name="Octagon 1999"/>
             <p:cNvSpPr/>
             <p:nvPr/>
           </p:nvSpPr>
@@ -7710,13 +7710,13 @@
       </p:grpSp>
       <p:grpSp>
         <p:nvGrpSpPr>
-          <p:cNvPr id="3370" name="Group 3369"/>
+          <p:cNvPr id="2009" name="Group 2008"/>
           <p:cNvGrpSpPr/>
           <p:nvPr/>
         </p:nvGrpSpPr>
         <p:grpSpPr>
           <a:xfrm>
-            <a:off x="212230" y="18076275"/>
+            <a:off x="212230" y="17306595"/>
             <a:ext cx="3698875" cy="5957455"/>
             <a:chOff x="1025470" y="323272"/>
             <a:chExt cx="3698875" cy="5957455"/>
@@ -7724,7 +7724,7 @@
         </p:grpSpPr>
         <p:sp>
           <p:nvSpPr>
-            <p:cNvPr id="3371" name="Rectangle 3370"/>
+            <p:cNvPr id="2010" name="Rectangle 2009"/>
             <p:cNvSpPr/>
             <p:nvPr/>
           </p:nvSpPr>
@@ -7774,7 +7774,7 @@
         </p:sp>
         <p:sp>
           <p:nvSpPr>
-            <p:cNvPr id="3372" name="Rectangle 3371"/>
+            <p:cNvPr id="2011" name="Rectangle 2010"/>
             <p:cNvSpPr/>
             <p:nvPr/>
           </p:nvSpPr>
@@ -7824,7 +7824,7 @@
         </p:sp>
         <p:sp>
           <p:nvSpPr>
-            <p:cNvPr id="3373" name="Octagon 3372"/>
+            <p:cNvPr id="2012" name="Octagon 2011"/>
             <p:cNvSpPr/>
             <p:nvPr/>
           </p:nvSpPr>
@@ -7884,7 +7884,7 @@
         </p:sp>
         <p:sp>
           <p:nvSpPr>
-            <p:cNvPr id="3374" name="Octagon 3373"/>
+            <p:cNvPr id="2013" name="Octagon 2012"/>
             <p:cNvSpPr/>
             <p:nvPr/>
           </p:nvSpPr>
@@ -7944,7 +7944,7 @@
         </p:sp>
         <p:sp>
           <p:nvSpPr>
-            <p:cNvPr id="3375" name="Octagon 3374"/>
+            <p:cNvPr id="2014" name="Octagon 2013"/>
             <p:cNvSpPr/>
             <p:nvPr/>
           </p:nvSpPr>
@@ -8004,7 +8004,7 @@
         </p:sp>
         <p:sp>
           <p:nvSpPr>
-            <p:cNvPr id="3376" name="Octagon 3375"/>
+            <p:cNvPr id="2015" name="Octagon 2014"/>
             <p:cNvSpPr/>
             <p:nvPr/>
           </p:nvSpPr>
@@ -8064,7 +8064,7 @@
         </p:sp>
         <p:sp>
           <p:nvSpPr>
-            <p:cNvPr id="3377" name="Octagon 3376"/>
+            <p:cNvPr id="2016" name="Octagon 2015"/>
             <p:cNvSpPr/>
             <p:nvPr/>
           </p:nvSpPr>
@@ -8124,7 +8124,7 @@
         </p:sp>
         <p:sp>
           <p:nvSpPr>
-            <p:cNvPr id="3378" name="Frame 3377"/>
+            <p:cNvPr id="2017" name="Frame 2016"/>
             <p:cNvSpPr/>
             <p:nvPr/>
           </p:nvSpPr>
@@ -8139,7 +8139,7 @@
               </a:avLst>
             </a:prstGeom>
             <a:solidFill>
-              <a:schemeClr val="accent2"/>
+              <a:srgbClr val="FC028B"/>
             </a:solidFill>
             <a:ln>
               <a:noFill/>
@@ -8178,13 +8178,13 @@
       </p:grpSp>
       <p:sp>
         <p:nvSpPr>
-          <p:cNvPr id="3379" name="Octagon 3378"/>
+          <p:cNvPr id="2018" name="Octagon 2017"/>
           <p:cNvSpPr/>
           <p:nvPr/>
         </p:nvSpPr>
         <p:spPr>
           <a:xfrm>
-            <a:off x="2980885" y="18667404"/>
+            <a:off x="2980885" y="17897724"/>
             <a:ext cx="738909" cy="738909"/>
           </a:xfrm>
           <a:prstGeom prst="octagon">
@@ -8235,13 +8235,13 @@
       </p:sp>
       <p:sp>
         <p:nvSpPr>
-          <p:cNvPr id="3380" name="Octagon 3379"/>
+          <p:cNvPr id="2019" name="Octagon 2018"/>
           <p:cNvSpPr/>
           <p:nvPr/>
         </p:nvSpPr>
         <p:spPr>
           <a:xfrm>
-            <a:off x="1451437" y="22671367"/>
+            <a:off x="2921119" y="21901687"/>
             <a:ext cx="738909" cy="738909"/>
           </a:xfrm>
           <a:prstGeom prst="octagon">
@@ -8292,13 +8292,13 @@
       </p:sp>
       <p:sp>
         <p:nvSpPr>
-          <p:cNvPr id="3381" name="Octagon 3380"/>
+          <p:cNvPr id="2020" name="Octagon 2019"/>
           <p:cNvSpPr/>
           <p:nvPr/>
         </p:nvSpPr>
         <p:spPr>
           <a:xfrm>
-            <a:off x="1458507" y="21932458"/>
+            <a:off x="1458507" y="21162778"/>
             <a:ext cx="738909" cy="738909"/>
           </a:xfrm>
           <a:prstGeom prst="octagon">
@@ -8349,13 +8349,13 @@
       </p:sp>
       <p:sp>
         <p:nvSpPr>
-          <p:cNvPr id="3382" name="Octagon 3381"/>
+          <p:cNvPr id="2021" name="Octagon 2020"/>
           <p:cNvSpPr/>
           <p:nvPr/>
         </p:nvSpPr>
         <p:spPr>
           <a:xfrm>
-            <a:off x="2197416" y="21932458"/>
+            <a:off x="2197416" y="21162778"/>
             <a:ext cx="738909" cy="738909"/>
           </a:xfrm>
           <a:prstGeom prst="octagon">
@@ -8406,13 +8406,13 @@
       </p:sp>
       <p:sp>
         <p:nvSpPr>
-          <p:cNvPr id="3383" name="Octagon 3382"/>
+          <p:cNvPr id="2022" name="Octagon 2021"/>
           <p:cNvSpPr/>
           <p:nvPr/>
         </p:nvSpPr>
         <p:spPr>
           <a:xfrm>
-            <a:off x="2936325" y="21932458"/>
+            <a:off x="2936325" y="21162778"/>
             <a:ext cx="738909" cy="738909"/>
           </a:xfrm>
           <a:prstGeom prst="octagon">
@@ -8463,13 +8463,13 @@
       </p:sp>
       <p:grpSp>
         <p:nvGrpSpPr>
-          <p:cNvPr id="3384" name="Group 3383"/>
+          <p:cNvPr id="2023" name="Group 2022"/>
           <p:cNvGrpSpPr/>
           <p:nvPr/>
         </p:nvGrpSpPr>
         <p:grpSpPr>
           <a:xfrm>
-            <a:off x="4320349" y="18076275"/>
+            <a:off x="4320349" y="17306595"/>
             <a:ext cx="3698875" cy="5957455"/>
             <a:chOff x="1025470" y="323272"/>
             <a:chExt cx="3698875" cy="5957455"/>
@@ -8477,7 +8477,7 @@
         </p:grpSpPr>
         <p:sp>
           <p:nvSpPr>
-            <p:cNvPr id="3385" name="Rectangle 3384"/>
+            <p:cNvPr id="2024" name="Rectangle 2023"/>
             <p:cNvSpPr/>
             <p:nvPr/>
           </p:nvSpPr>
@@ -8527,7 +8527,7 @@
         </p:sp>
         <p:sp>
           <p:nvSpPr>
-            <p:cNvPr id="3386" name="Rectangle 3385"/>
+            <p:cNvPr id="2025" name="Rectangle 2024"/>
             <p:cNvSpPr/>
             <p:nvPr/>
           </p:nvSpPr>
@@ -8577,7 +8577,7 @@
         </p:sp>
         <p:sp>
           <p:nvSpPr>
-            <p:cNvPr id="3387" name="Octagon 3386"/>
+            <p:cNvPr id="2026" name="Octagon 2025"/>
             <p:cNvSpPr/>
             <p:nvPr/>
           </p:nvSpPr>
@@ -8637,7 +8637,7 @@
         </p:sp>
         <p:sp>
           <p:nvSpPr>
-            <p:cNvPr id="3388" name="Octagon 3387"/>
+            <p:cNvPr id="2027" name="Octagon 2026"/>
             <p:cNvSpPr/>
             <p:nvPr/>
           </p:nvSpPr>
@@ -8697,7 +8697,7 @@
         </p:sp>
         <p:sp>
           <p:nvSpPr>
-            <p:cNvPr id="3389" name="Octagon 3388"/>
+            <p:cNvPr id="2028" name="Octagon 2027"/>
             <p:cNvSpPr/>
             <p:nvPr/>
           </p:nvSpPr>
@@ -8757,7 +8757,7 @@
         </p:sp>
         <p:sp>
           <p:nvSpPr>
-            <p:cNvPr id="3390" name="Octagon 3389"/>
+            <p:cNvPr id="2029" name="Octagon 2028"/>
             <p:cNvSpPr/>
             <p:nvPr/>
           </p:nvSpPr>
@@ -8817,7 +8817,7 @@
         </p:sp>
         <p:sp>
           <p:nvSpPr>
-            <p:cNvPr id="3391" name="Octagon 3390"/>
+            <p:cNvPr id="2030" name="Octagon 2029"/>
             <p:cNvSpPr/>
             <p:nvPr/>
           </p:nvSpPr>
@@ -8877,7 +8877,7 @@
         </p:sp>
         <p:sp>
           <p:nvSpPr>
-            <p:cNvPr id="3392" name="Frame 3391"/>
+            <p:cNvPr id="2031" name="Frame 2030"/>
             <p:cNvSpPr/>
             <p:nvPr/>
           </p:nvSpPr>
@@ -8892,7 +8892,7 @@
               </a:avLst>
             </a:prstGeom>
             <a:solidFill>
-              <a:schemeClr val="accent2"/>
+              <a:srgbClr val="FC028B"/>
             </a:solidFill>
             <a:ln>
               <a:noFill/>
@@ -8931,13 +8931,13 @@
       </p:grpSp>
       <p:sp>
         <p:nvSpPr>
-          <p:cNvPr id="3393" name="Octagon 3392"/>
+          <p:cNvPr id="2032" name="Octagon 2031"/>
           <p:cNvSpPr/>
           <p:nvPr/>
         </p:nvSpPr>
         <p:spPr>
           <a:xfrm>
-            <a:off x="6840837" y="19036858"/>
+            <a:off x="6840837" y="18267178"/>
             <a:ext cx="738909" cy="738909"/>
           </a:xfrm>
           <a:prstGeom prst="octagon">
@@ -8988,13 +8988,13 @@
       </p:sp>
       <p:sp>
         <p:nvSpPr>
-          <p:cNvPr id="3394" name="Octagon 3393"/>
+          <p:cNvPr id="2033" name="Octagon 2032"/>
           <p:cNvSpPr/>
           <p:nvPr/>
         </p:nvSpPr>
         <p:spPr>
           <a:xfrm>
-            <a:off x="5311389" y="23040821"/>
+            <a:off x="6775352" y="22286239"/>
             <a:ext cx="738909" cy="738909"/>
           </a:xfrm>
           <a:prstGeom prst="octagon">
@@ -9045,13 +9045,13 @@
       </p:sp>
       <p:sp>
         <p:nvSpPr>
-          <p:cNvPr id="3395" name="Octagon 3394"/>
+          <p:cNvPr id="2034" name="Octagon 2033"/>
           <p:cNvSpPr/>
           <p:nvPr/>
         </p:nvSpPr>
         <p:spPr>
           <a:xfrm>
-            <a:off x="5318459" y="22301912"/>
+            <a:off x="5318459" y="21532232"/>
             <a:ext cx="738909" cy="738909"/>
           </a:xfrm>
           <a:prstGeom prst="octagon">
@@ -9102,13 +9102,13 @@
       </p:sp>
       <p:sp>
         <p:nvSpPr>
-          <p:cNvPr id="3396" name="Octagon 3395"/>
+          <p:cNvPr id="2035" name="Octagon 2034"/>
           <p:cNvSpPr/>
           <p:nvPr/>
         </p:nvSpPr>
         <p:spPr>
           <a:xfrm>
-            <a:off x="6057368" y="22301912"/>
+            <a:off x="6057368" y="21532232"/>
             <a:ext cx="738909" cy="738909"/>
           </a:xfrm>
           <a:prstGeom prst="octagon">
@@ -9159,13 +9159,13 @@
       </p:sp>
       <p:sp>
         <p:nvSpPr>
-          <p:cNvPr id="3397" name="Octagon 3396"/>
+          <p:cNvPr id="2036" name="Octagon 2035"/>
           <p:cNvSpPr/>
           <p:nvPr/>
         </p:nvSpPr>
         <p:spPr>
           <a:xfrm>
-            <a:off x="6796277" y="22301912"/>
+            <a:off x="6796277" y="21532232"/>
             <a:ext cx="738909" cy="738909"/>
           </a:xfrm>
           <a:prstGeom prst="octagon">
@@ -9216,13 +9216,13 @@
       </p:sp>
       <p:grpSp>
         <p:nvGrpSpPr>
-          <p:cNvPr id="3398" name="Group 3397"/>
+          <p:cNvPr id="2037" name="Group 2036"/>
           <p:cNvGrpSpPr/>
           <p:nvPr/>
         </p:nvGrpSpPr>
         <p:grpSpPr>
           <a:xfrm>
-            <a:off x="8428468" y="18090130"/>
+            <a:off x="8428468" y="17320450"/>
             <a:ext cx="3698875" cy="5957455"/>
             <a:chOff x="1025470" y="323272"/>
             <a:chExt cx="3698875" cy="5957455"/>
@@ -9230,7 +9230,7 @@
         </p:grpSpPr>
         <p:sp>
           <p:nvSpPr>
-            <p:cNvPr id="3399" name="Rectangle 3398"/>
+            <p:cNvPr id="2038" name="Rectangle 2037"/>
             <p:cNvSpPr/>
             <p:nvPr/>
           </p:nvSpPr>
@@ -9280,7 +9280,7 @@
         </p:sp>
         <p:sp>
           <p:nvSpPr>
-            <p:cNvPr id="3400" name="Rectangle 3399"/>
+            <p:cNvPr id="2039" name="Rectangle 2038"/>
             <p:cNvSpPr/>
             <p:nvPr/>
           </p:nvSpPr>
@@ -9330,7 +9330,7 @@
         </p:sp>
         <p:sp>
           <p:nvSpPr>
-            <p:cNvPr id="3401" name="Octagon 3400"/>
+            <p:cNvPr id="2040" name="Octagon 2039"/>
             <p:cNvSpPr/>
             <p:nvPr/>
           </p:nvSpPr>
@@ -9390,7 +9390,7 @@
         </p:sp>
         <p:sp>
           <p:nvSpPr>
-            <p:cNvPr id="3402" name="Octagon 3401"/>
+            <p:cNvPr id="2041" name="Octagon 2040"/>
             <p:cNvSpPr/>
             <p:nvPr/>
           </p:nvSpPr>
@@ -9450,7 +9450,7 @@
         </p:sp>
         <p:sp>
           <p:nvSpPr>
-            <p:cNvPr id="3403" name="Octagon 3402"/>
+            <p:cNvPr id="2042" name="Octagon 2041"/>
             <p:cNvSpPr/>
             <p:nvPr/>
           </p:nvSpPr>
@@ -9510,7 +9510,7 @@
         </p:sp>
         <p:sp>
           <p:nvSpPr>
-            <p:cNvPr id="3404" name="Octagon 3403"/>
+            <p:cNvPr id="2043" name="Octagon 2042"/>
             <p:cNvSpPr/>
             <p:nvPr/>
           </p:nvSpPr>
@@ -9570,7 +9570,7 @@
         </p:sp>
         <p:sp>
           <p:nvSpPr>
-            <p:cNvPr id="3405" name="Octagon 3404"/>
+            <p:cNvPr id="2044" name="Octagon 2043"/>
             <p:cNvSpPr/>
             <p:nvPr/>
           </p:nvSpPr>
@@ -9630,7 +9630,7 @@
         </p:sp>
         <p:sp>
           <p:nvSpPr>
-            <p:cNvPr id="3406" name="Frame 3405"/>
+            <p:cNvPr id="2045" name="Frame 2044"/>
             <p:cNvSpPr/>
             <p:nvPr/>
           </p:nvSpPr>
@@ -9645,7 +9645,7 @@
               </a:avLst>
             </a:prstGeom>
             <a:solidFill>
-              <a:schemeClr val="accent2"/>
+              <a:srgbClr val="FC028B"/>
             </a:solidFill>
             <a:ln>
               <a:noFill/>
@@ -9684,13 +9684,13 @@
       </p:grpSp>
       <p:sp>
         <p:nvSpPr>
-          <p:cNvPr id="3407" name="Octagon 3406"/>
+          <p:cNvPr id="2046" name="Octagon 2045"/>
           <p:cNvSpPr/>
           <p:nvPr/>
         </p:nvSpPr>
         <p:spPr>
           <a:xfrm>
-            <a:off x="10948956" y="19050713"/>
+            <a:off x="10948956" y="18281033"/>
             <a:ext cx="738909" cy="738909"/>
           </a:xfrm>
           <a:prstGeom prst="octagon">
@@ -9741,13 +9741,13 @@
       </p:sp>
       <p:sp>
         <p:nvSpPr>
-          <p:cNvPr id="3408" name="Octagon 3407"/>
+          <p:cNvPr id="2047" name="Octagon 2046"/>
           <p:cNvSpPr/>
           <p:nvPr/>
         </p:nvSpPr>
         <p:spPr>
           <a:xfrm>
-            <a:off x="8682908" y="23054676"/>
+            <a:off x="8682908" y="22284996"/>
             <a:ext cx="738909" cy="738909"/>
           </a:xfrm>
           <a:prstGeom prst="octagon">
@@ -9798,13 +9798,13 @@
       </p:sp>
       <p:sp>
         <p:nvSpPr>
-          <p:cNvPr id="3409" name="Octagon 3408"/>
+          <p:cNvPr id="2048" name="Octagon 2047"/>
           <p:cNvSpPr/>
           <p:nvPr/>
         </p:nvSpPr>
         <p:spPr>
           <a:xfrm>
-            <a:off x="9426578" y="22315767"/>
+            <a:off x="9426578" y="21546087"/>
             <a:ext cx="738909" cy="738909"/>
           </a:xfrm>
           <a:prstGeom prst="octagon">
@@ -9855,13 +9855,13 @@
       </p:sp>
       <p:sp>
         <p:nvSpPr>
-          <p:cNvPr id="3410" name="Octagon 3409"/>
+          <p:cNvPr id="2049" name="Octagon 2048"/>
           <p:cNvSpPr/>
           <p:nvPr/>
         </p:nvSpPr>
         <p:spPr>
           <a:xfrm>
-            <a:off x="10165487" y="22315767"/>
+            <a:off x="10165487" y="21546087"/>
             <a:ext cx="738909" cy="738909"/>
           </a:xfrm>
           <a:prstGeom prst="octagon">
@@ -9912,13 +9912,13 @@
       </p:sp>
       <p:sp>
         <p:nvSpPr>
-          <p:cNvPr id="3411" name="Octagon 3410"/>
+          <p:cNvPr id="2050" name="Octagon 2049"/>
           <p:cNvSpPr/>
           <p:nvPr/>
         </p:nvSpPr>
         <p:spPr>
           <a:xfrm>
-            <a:off x="10904396" y="22315767"/>
+            <a:off x="10904396" y="21546087"/>
             <a:ext cx="738909" cy="738909"/>
           </a:xfrm>
           <a:prstGeom prst="octagon">
@@ -9969,13 +9969,13 @@
       </p:sp>
       <p:grpSp>
         <p:nvGrpSpPr>
-          <p:cNvPr id="3412" name="Group 3411"/>
+          <p:cNvPr id="2051" name="Group 2050"/>
           <p:cNvGrpSpPr/>
           <p:nvPr/>
         </p:nvGrpSpPr>
         <p:grpSpPr>
           <a:xfrm>
-            <a:off x="12536587" y="18106295"/>
+            <a:off x="12536587" y="17336615"/>
             <a:ext cx="3698875" cy="5957455"/>
             <a:chOff x="1025470" y="323272"/>
             <a:chExt cx="3698875" cy="5957455"/>
@@ -9983,7 +9983,7 @@
         </p:grpSpPr>
         <p:sp>
           <p:nvSpPr>
-            <p:cNvPr id="3413" name="Rectangle 3412"/>
+            <p:cNvPr id="2052" name="Rectangle 2051"/>
             <p:cNvSpPr/>
             <p:nvPr/>
           </p:nvSpPr>
@@ -10033,7 +10033,7 @@
         </p:sp>
         <p:sp>
           <p:nvSpPr>
-            <p:cNvPr id="3414" name="Rectangle 3413"/>
+            <p:cNvPr id="2053" name="Rectangle 2052"/>
             <p:cNvSpPr/>
             <p:nvPr/>
           </p:nvSpPr>
@@ -10083,7 +10083,7 @@
         </p:sp>
         <p:sp>
           <p:nvSpPr>
-            <p:cNvPr id="3415" name="Octagon 3414"/>
+            <p:cNvPr id="2054" name="Octagon 2053"/>
             <p:cNvSpPr/>
             <p:nvPr/>
           </p:nvSpPr>
@@ -10143,7 +10143,7 @@
         </p:sp>
         <p:sp>
           <p:nvSpPr>
-            <p:cNvPr id="3416" name="Octagon 3415"/>
+            <p:cNvPr id="2055" name="Octagon 2054"/>
             <p:cNvSpPr/>
             <p:nvPr/>
           </p:nvSpPr>
@@ -10203,7 +10203,7 @@
         </p:sp>
         <p:sp>
           <p:nvSpPr>
-            <p:cNvPr id="3417" name="Octagon 3416"/>
+            <p:cNvPr id="2056" name="Octagon 2055"/>
             <p:cNvSpPr/>
             <p:nvPr/>
           </p:nvSpPr>
@@ -10263,7 +10263,7 @@
         </p:sp>
         <p:sp>
           <p:nvSpPr>
-            <p:cNvPr id="3418" name="Octagon 3417"/>
+            <p:cNvPr id="2057" name="Octagon 2056"/>
             <p:cNvSpPr/>
             <p:nvPr/>
           </p:nvSpPr>
@@ -10323,7 +10323,7 @@
         </p:sp>
         <p:sp>
           <p:nvSpPr>
-            <p:cNvPr id="3419" name="Octagon 3418"/>
+            <p:cNvPr id="2058" name="Octagon 2057"/>
             <p:cNvSpPr/>
             <p:nvPr/>
           </p:nvSpPr>
@@ -10383,7 +10383,7 @@
         </p:sp>
         <p:sp>
           <p:nvSpPr>
-            <p:cNvPr id="3420" name="Frame 3419"/>
+            <p:cNvPr id="2059" name="Frame 2058"/>
             <p:cNvSpPr/>
             <p:nvPr/>
           </p:nvSpPr>
@@ -10398,7 +10398,7 @@
               </a:avLst>
             </a:prstGeom>
             <a:solidFill>
-              <a:schemeClr val="accent2"/>
+              <a:srgbClr val="FC028B"/>
             </a:solidFill>
             <a:ln>
               <a:noFill/>
@@ -10437,13 +10437,13 @@
       </p:grpSp>
       <p:sp>
         <p:nvSpPr>
-          <p:cNvPr id="3421" name="Octagon 3420"/>
+          <p:cNvPr id="2060" name="Octagon 2059"/>
           <p:cNvSpPr/>
           <p:nvPr/>
         </p:nvSpPr>
         <p:spPr>
           <a:xfrm>
-            <a:off x="15115075" y="18697424"/>
+            <a:off x="15115075" y="17927744"/>
             <a:ext cx="738909" cy="738909"/>
           </a:xfrm>
           <a:prstGeom prst="octagon">
@@ -10494,13 +10494,13 @@
       </p:sp>
       <p:sp>
         <p:nvSpPr>
-          <p:cNvPr id="3422" name="Octagon 3421"/>
+          <p:cNvPr id="2061" name="Octagon 2060"/>
           <p:cNvSpPr/>
           <p:nvPr/>
         </p:nvSpPr>
         <p:spPr>
           <a:xfrm>
-            <a:off x="12756759" y="19406313"/>
+            <a:off x="12756759" y="18636633"/>
             <a:ext cx="738909" cy="738909"/>
           </a:xfrm>
           <a:prstGeom prst="octagon">
@@ -10551,13 +10551,13 @@
       </p:sp>
       <p:sp>
         <p:nvSpPr>
-          <p:cNvPr id="3423" name="Octagon 3422"/>
+          <p:cNvPr id="2062" name="Octagon 2061"/>
           <p:cNvSpPr/>
           <p:nvPr/>
         </p:nvSpPr>
         <p:spPr>
           <a:xfrm>
-            <a:off x="13559105" y="21980447"/>
+            <a:off x="13559105" y="21210767"/>
             <a:ext cx="738909" cy="738909"/>
           </a:xfrm>
           <a:prstGeom prst="octagon">
@@ -10608,13 +10608,13 @@
       </p:sp>
       <p:sp>
         <p:nvSpPr>
-          <p:cNvPr id="3424" name="Octagon 3423"/>
+          <p:cNvPr id="2063" name="Octagon 2062"/>
           <p:cNvSpPr/>
           <p:nvPr/>
         </p:nvSpPr>
         <p:spPr>
           <a:xfrm>
-            <a:off x="14298014" y="21980447"/>
+            <a:off x="14298014" y="21210767"/>
             <a:ext cx="738909" cy="738909"/>
           </a:xfrm>
           <a:prstGeom prst="octagon">
@@ -10665,13 +10665,13 @@
       </p:sp>
       <p:sp>
         <p:nvSpPr>
-          <p:cNvPr id="3425" name="Octagon 3424"/>
+          <p:cNvPr id="2064" name="Octagon 2063"/>
           <p:cNvSpPr/>
           <p:nvPr/>
         </p:nvSpPr>
         <p:spPr>
           <a:xfrm>
-            <a:off x="15036923" y="21980447"/>
+            <a:off x="15036923" y="21210767"/>
             <a:ext cx="738909" cy="738909"/>
           </a:xfrm>
           <a:prstGeom prst="octagon">
@@ -10722,13 +10722,13 @@
       </p:sp>
       <p:grpSp>
         <p:nvGrpSpPr>
-          <p:cNvPr id="3426" name="Group 3425"/>
+          <p:cNvPr id="2065" name="Group 2064"/>
           <p:cNvGrpSpPr/>
           <p:nvPr/>
         </p:nvGrpSpPr>
         <p:grpSpPr>
           <a:xfrm>
-            <a:off x="16644706" y="18106295"/>
+            <a:off x="16644706" y="17336615"/>
             <a:ext cx="3698875" cy="5957455"/>
             <a:chOff x="1025470" y="323272"/>
             <a:chExt cx="3698875" cy="5957455"/>
@@ -10736,7 +10736,7 @@
         </p:grpSpPr>
         <p:sp>
           <p:nvSpPr>
-            <p:cNvPr id="3427" name="Rectangle 3426"/>
+            <p:cNvPr id="2066" name="Rectangle 2065"/>
             <p:cNvSpPr/>
             <p:nvPr/>
           </p:nvSpPr>
@@ -10786,7 +10786,7 @@
         </p:sp>
         <p:sp>
           <p:nvSpPr>
-            <p:cNvPr id="3428" name="Rectangle 3427"/>
+            <p:cNvPr id="2067" name="Rectangle 2066"/>
             <p:cNvSpPr/>
             <p:nvPr/>
           </p:nvSpPr>
@@ -10836,7 +10836,7 @@
         </p:sp>
         <p:sp>
           <p:nvSpPr>
-            <p:cNvPr id="3429" name="Octagon 3428"/>
+            <p:cNvPr id="2068" name="Octagon 2067"/>
             <p:cNvSpPr/>
             <p:nvPr/>
           </p:nvSpPr>
@@ -10896,7 +10896,7 @@
         </p:sp>
         <p:sp>
           <p:nvSpPr>
-            <p:cNvPr id="3430" name="Octagon 3429"/>
+            <p:cNvPr id="2069" name="Octagon 2068"/>
             <p:cNvSpPr/>
             <p:nvPr/>
           </p:nvSpPr>
@@ -10956,7 +10956,7 @@
         </p:sp>
         <p:sp>
           <p:nvSpPr>
-            <p:cNvPr id="3431" name="Octagon 3430"/>
+            <p:cNvPr id="2070" name="Octagon 2069"/>
             <p:cNvSpPr/>
             <p:nvPr/>
           </p:nvSpPr>
@@ -11016,7 +11016,7 @@
         </p:sp>
         <p:sp>
           <p:nvSpPr>
-            <p:cNvPr id="3432" name="Octagon 3431"/>
+            <p:cNvPr id="2071" name="Octagon 2070"/>
             <p:cNvSpPr/>
             <p:nvPr/>
           </p:nvSpPr>
@@ -11076,7 +11076,7 @@
         </p:sp>
         <p:sp>
           <p:nvSpPr>
-            <p:cNvPr id="3433" name="Octagon 3432"/>
+            <p:cNvPr id="2072" name="Octagon 2071"/>
             <p:cNvSpPr/>
             <p:nvPr/>
           </p:nvSpPr>
@@ -11136,7 +11136,7 @@
         </p:sp>
         <p:sp>
           <p:nvSpPr>
-            <p:cNvPr id="3434" name="Frame 3433"/>
+            <p:cNvPr id="2073" name="Frame 2072"/>
             <p:cNvSpPr/>
             <p:nvPr/>
           </p:nvSpPr>
@@ -11151,7 +11151,7 @@
               </a:avLst>
             </a:prstGeom>
             <a:solidFill>
-              <a:schemeClr val="accent2"/>
+              <a:srgbClr val="FC028B"/>
             </a:solidFill>
             <a:ln>
               <a:noFill/>
@@ -11190,13 +11190,13 @@
       </p:grpSp>
       <p:sp>
         <p:nvSpPr>
-          <p:cNvPr id="3435" name="Octagon 3434"/>
+          <p:cNvPr id="2074" name="Octagon 2073"/>
           <p:cNvSpPr/>
           <p:nvPr/>
         </p:nvSpPr>
         <p:spPr>
           <a:xfrm>
-            <a:off x="17011957" y="18667404"/>
+            <a:off x="17011957" y="17897724"/>
             <a:ext cx="738909" cy="738909"/>
           </a:xfrm>
           <a:prstGeom prst="octagon">
@@ -11247,13 +11247,13 @@
       </p:sp>
       <p:sp>
         <p:nvSpPr>
-          <p:cNvPr id="3436" name="Octagon 3435"/>
+          <p:cNvPr id="2075" name="Octagon 2074"/>
           <p:cNvSpPr/>
           <p:nvPr/>
         </p:nvSpPr>
         <p:spPr>
           <a:xfrm>
-            <a:off x="16864878" y="19406313"/>
+            <a:off x="16864878" y="18636633"/>
             <a:ext cx="738909" cy="738909"/>
           </a:xfrm>
           <a:prstGeom prst="octagon">
@@ -11304,13 +11304,13 @@
       </p:sp>
       <p:sp>
         <p:nvSpPr>
-          <p:cNvPr id="3437" name="Octagon 3436"/>
+          <p:cNvPr id="2076" name="Octagon 2075"/>
           <p:cNvSpPr/>
           <p:nvPr/>
         </p:nvSpPr>
         <p:spPr>
           <a:xfrm>
-            <a:off x="16864878" y="21980447"/>
+            <a:off x="16864878" y="21210767"/>
             <a:ext cx="738909" cy="738909"/>
           </a:xfrm>
           <a:prstGeom prst="octagon">
@@ -11361,13 +11361,13 @@
       </p:sp>
       <p:sp>
         <p:nvSpPr>
-          <p:cNvPr id="3438" name="Octagon 3437"/>
+          <p:cNvPr id="2077" name="Octagon 2076"/>
           <p:cNvSpPr/>
           <p:nvPr/>
         </p:nvSpPr>
         <p:spPr>
           <a:xfrm>
-            <a:off x="17603787" y="21980447"/>
+            <a:off x="17603787" y="21210767"/>
             <a:ext cx="738909" cy="738909"/>
           </a:xfrm>
           <a:prstGeom prst="octagon">
@@ -11418,13 +11418,13 @@
       </p:sp>
       <p:sp>
         <p:nvSpPr>
-          <p:cNvPr id="3439" name="Octagon 3438"/>
+          <p:cNvPr id="2078" name="Octagon 2077"/>
           <p:cNvSpPr/>
           <p:nvPr/>
         </p:nvSpPr>
         <p:spPr>
           <a:xfrm>
-            <a:off x="18342696" y="21980447"/>
+            <a:off x="18342696" y="21210767"/>
             <a:ext cx="738909" cy="738909"/>
           </a:xfrm>
           <a:prstGeom prst="octagon">
@@ -11475,13 +11475,13 @@
       </p:sp>
       <p:grpSp>
         <p:nvGrpSpPr>
-          <p:cNvPr id="3440" name="Group 3439"/>
+          <p:cNvPr id="2079" name="Group 2078"/>
           <p:cNvGrpSpPr/>
           <p:nvPr/>
         </p:nvGrpSpPr>
         <p:grpSpPr>
           <a:xfrm>
-            <a:off x="20772290" y="18106295"/>
+            <a:off x="20772290" y="17336615"/>
             <a:ext cx="3698875" cy="5957455"/>
             <a:chOff x="1025470" y="323272"/>
             <a:chExt cx="3698875" cy="5957455"/>
@@ -11489,7 +11489,7 @@
         </p:grpSpPr>
         <p:sp>
           <p:nvSpPr>
-            <p:cNvPr id="3441" name="Rectangle 3440"/>
+            <p:cNvPr id="2080" name="Rectangle 2079"/>
             <p:cNvSpPr/>
             <p:nvPr/>
           </p:nvSpPr>
@@ -11539,7 +11539,7 @@
         </p:sp>
         <p:sp>
           <p:nvSpPr>
-            <p:cNvPr id="3442" name="Rectangle 3441"/>
+            <p:cNvPr id="2081" name="Rectangle 2080"/>
             <p:cNvSpPr/>
             <p:nvPr/>
           </p:nvSpPr>
@@ -11589,7 +11589,7 @@
         </p:sp>
         <p:sp>
           <p:nvSpPr>
-            <p:cNvPr id="3443" name="Octagon 3442"/>
+            <p:cNvPr id="2082" name="Octagon 2081"/>
             <p:cNvSpPr/>
             <p:nvPr/>
           </p:nvSpPr>
@@ -11649,7 +11649,7 @@
         </p:sp>
         <p:sp>
           <p:nvSpPr>
-            <p:cNvPr id="3444" name="Octagon 3443"/>
+            <p:cNvPr id="2083" name="Octagon 2082"/>
             <p:cNvSpPr/>
             <p:nvPr/>
           </p:nvSpPr>
@@ -11709,7 +11709,7 @@
         </p:sp>
         <p:sp>
           <p:nvSpPr>
-            <p:cNvPr id="3445" name="Octagon 3444"/>
+            <p:cNvPr id="2084" name="Octagon 2083"/>
             <p:cNvSpPr/>
             <p:nvPr/>
           </p:nvSpPr>
@@ -11769,7 +11769,7 @@
         </p:sp>
         <p:sp>
           <p:nvSpPr>
-            <p:cNvPr id="3446" name="Octagon 3445"/>
+            <p:cNvPr id="2085" name="Octagon 2084"/>
             <p:cNvSpPr/>
             <p:nvPr/>
           </p:nvSpPr>
@@ -11829,7 +11829,7 @@
         </p:sp>
         <p:sp>
           <p:nvSpPr>
-            <p:cNvPr id="3447" name="Octagon 3446"/>
+            <p:cNvPr id="2086" name="Octagon 2085"/>
             <p:cNvSpPr/>
             <p:nvPr/>
           </p:nvSpPr>
@@ -11889,7 +11889,7 @@
         </p:sp>
         <p:sp>
           <p:nvSpPr>
-            <p:cNvPr id="3448" name="Frame 3447"/>
+            <p:cNvPr id="2087" name="Frame 2086"/>
             <p:cNvSpPr/>
             <p:nvPr/>
           </p:nvSpPr>
@@ -11904,7 +11904,7 @@
               </a:avLst>
             </a:prstGeom>
             <a:solidFill>
-              <a:schemeClr val="accent2"/>
+              <a:srgbClr val="FC028B"/>
             </a:solidFill>
             <a:ln>
               <a:noFill/>
@@ -11943,13 +11943,13 @@
       </p:grpSp>
       <p:sp>
         <p:nvSpPr>
-          <p:cNvPr id="3449" name="Octagon 3448"/>
+          <p:cNvPr id="2088" name="Octagon 2087"/>
           <p:cNvSpPr/>
           <p:nvPr/>
         </p:nvSpPr>
         <p:spPr>
           <a:xfrm>
-            <a:off x="23521481" y="18697424"/>
+            <a:off x="23521481" y="17927744"/>
             <a:ext cx="738909" cy="738909"/>
           </a:xfrm>
           <a:prstGeom prst="octagon">
@@ -12000,13 +12000,13 @@
       </p:sp>
       <p:sp>
         <p:nvSpPr>
-          <p:cNvPr id="3450" name="Octagon 3449"/>
+          <p:cNvPr id="2089" name="Octagon 2088"/>
           <p:cNvSpPr/>
           <p:nvPr/>
         </p:nvSpPr>
         <p:spPr>
           <a:xfrm>
-            <a:off x="23374402" y="19436333"/>
+            <a:off x="23374402" y="18666653"/>
             <a:ext cx="738909" cy="738909"/>
           </a:xfrm>
           <a:prstGeom prst="octagon">
@@ -12057,13 +12057,13 @@
       </p:sp>
       <p:sp>
         <p:nvSpPr>
-          <p:cNvPr id="3451" name="Octagon 3450"/>
+          <p:cNvPr id="2090" name="Octagon 2089"/>
           <p:cNvSpPr/>
           <p:nvPr/>
         </p:nvSpPr>
         <p:spPr>
           <a:xfrm>
-            <a:off x="22018567" y="21980447"/>
+            <a:off x="22018567" y="21210767"/>
             <a:ext cx="738909" cy="738909"/>
           </a:xfrm>
           <a:prstGeom prst="octagon">
@@ -12114,13 +12114,13 @@
       </p:sp>
       <p:sp>
         <p:nvSpPr>
-          <p:cNvPr id="3452" name="Octagon 3451"/>
+          <p:cNvPr id="2091" name="Octagon 2090"/>
           <p:cNvSpPr/>
           <p:nvPr/>
         </p:nvSpPr>
         <p:spPr>
           <a:xfrm>
-            <a:off x="22757476" y="21980447"/>
+            <a:off x="22757476" y="21210767"/>
             <a:ext cx="738909" cy="738909"/>
           </a:xfrm>
           <a:prstGeom prst="octagon">
@@ -12171,13 +12171,13 @@
       </p:sp>
       <p:sp>
         <p:nvSpPr>
-          <p:cNvPr id="3453" name="Octagon 3452"/>
+          <p:cNvPr id="2092" name="Octagon 2091"/>
           <p:cNvSpPr/>
           <p:nvPr/>
         </p:nvSpPr>
         <p:spPr>
           <a:xfrm>
-            <a:off x="23496385" y="21980447"/>
+            <a:off x="23496385" y="21210767"/>
             <a:ext cx="738909" cy="738909"/>
           </a:xfrm>
           <a:prstGeom prst="octagon">
@@ -12228,13 +12228,13 @@
       </p:sp>
       <p:grpSp>
         <p:nvGrpSpPr>
-          <p:cNvPr id="3454" name="Group 3453"/>
+          <p:cNvPr id="2093" name="Group 2092"/>
           <p:cNvGrpSpPr/>
           <p:nvPr/>
         </p:nvGrpSpPr>
         <p:grpSpPr>
           <a:xfrm>
-            <a:off x="12181799" y="24518474"/>
+            <a:off x="12181799" y="23440922"/>
             <a:ext cx="274320" cy="1092926"/>
             <a:chOff x="13396070" y="13514614"/>
             <a:chExt cx="274320" cy="1092926"/>
@@ -12242,7 +12242,7 @@
         </p:grpSpPr>
         <p:sp>
           <p:nvSpPr>
-            <p:cNvPr id="3455" name="Oval 3454"/>
+            <p:cNvPr id="2094" name="Oval 2093"/>
             <p:cNvSpPr/>
             <p:nvPr/>
           </p:nvSpPr>
@@ -12290,7 +12290,7 @@
         </p:sp>
         <p:sp>
           <p:nvSpPr>
-            <p:cNvPr id="3456" name="Oval 3455"/>
+            <p:cNvPr id="2095" name="Oval 2094"/>
             <p:cNvSpPr/>
             <p:nvPr/>
           </p:nvSpPr>
@@ -12338,7 +12338,7 @@
         </p:sp>
         <p:sp>
           <p:nvSpPr>
-            <p:cNvPr id="3457" name="Oval 3456"/>
+            <p:cNvPr id="2096" name="Oval 2095"/>
             <p:cNvSpPr/>
             <p:nvPr/>
           </p:nvSpPr>
@@ -12387,13 +12387,13 @@
       </p:grpSp>
       <p:grpSp>
         <p:nvGrpSpPr>
-          <p:cNvPr id="3458" name="Group 3457"/>
+          <p:cNvPr id="2097" name="Group 2096"/>
           <p:cNvGrpSpPr/>
           <p:nvPr/>
         </p:nvGrpSpPr>
         <p:grpSpPr>
           <a:xfrm>
-            <a:off x="212230" y="26031095"/>
+            <a:off x="212230" y="24684157"/>
             <a:ext cx="3698875" cy="5957455"/>
             <a:chOff x="1025470" y="323272"/>
             <a:chExt cx="3698875" cy="5957455"/>
@@ -12401,7 +12401,7 @@
         </p:grpSpPr>
         <p:sp>
           <p:nvSpPr>
-            <p:cNvPr id="3459" name="Rectangle 3458"/>
+            <p:cNvPr id="2098" name="Rectangle 2097"/>
             <p:cNvSpPr/>
             <p:nvPr/>
           </p:nvSpPr>
@@ -12451,7 +12451,7 @@
         </p:sp>
         <p:sp>
           <p:nvSpPr>
-            <p:cNvPr id="3460" name="Rectangle 3459"/>
+            <p:cNvPr id="2099" name="Rectangle 2098"/>
             <p:cNvSpPr/>
             <p:nvPr/>
           </p:nvSpPr>
@@ -12501,7 +12501,7 @@
         </p:sp>
         <p:sp>
           <p:nvSpPr>
-            <p:cNvPr id="3461" name="Octagon 3460"/>
+            <p:cNvPr id="2100" name="Octagon 2099"/>
             <p:cNvSpPr/>
             <p:nvPr/>
           </p:nvSpPr>
@@ -12561,7 +12561,7 @@
         </p:sp>
         <p:sp>
           <p:nvSpPr>
-            <p:cNvPr id="3462" name="Octagon 3461"/>
+            <p:cNvPr id="2101" name="Octagon 2100"/>
             <p:cNvSpPr/>
             <p:nvPr/>
           </p:nvSpPr>
@@ -12621,7 +12621,7 @@
         </p:sp>
         <p:sp>
           <p:nvSpPr>
-            <p:cNvPr id="3463" name="Octagon 3462"/>
+            <p:cNvPr id="2102" name="Octagon 2101"/>
             <p:cNvSpPr/>
             <p:nvPr/>
           </p:nvSpPr>
@@ -12681,7 +12681,7 @@
         </p:sp>
         <p:sp>
           <p:nvSpPr>
-            <p:cNvPr id="3464" name="Octagon 3463"/>
+            <p:cNvPr id="2103" name="Octagon 2102"/>
             <p:cNvSpPr/>
             <p:nvPr/>
           </p:nvSpPr>
@@ -12741,7 +12741,7 @@
         </p:sp>
         <p:sp>
           <p:nvSpPr>
-            <p:cNvPr id="3465" name="Octagon 3464"/>
+            <p:cNvPr id="2104" name="Octagon 2103"/>
             <p:cNvSpPr/>
             <p:nvPr/>
           </p:nvSpPr>
@@ -12801,7 +12801,7 @@
         </p:sp>
         <p:sp>
           <p:nvSpPr>
-            <p:cNvPr id="3466" name="Frame 3465"/>
+            <p:cNvPr id="2105" name="Frame 2104"/>
             <p:cNvSpPr/>
             <p:nvPr/>
           </p:nvSpPr>
@@ -12816,7 +12816,7 @@
               </a:avLst>
             </a:prstGeom>
             <a:solidFill>
-              <a:schemeClr val="accent2"/>
+              <a:srgbClr val="FC028B"/>
             </a:solidFill>
             <a:ln>
               <a:noFill/>
@@ -12855,13 +12855,13 @@
       </p:grpSp>
       <p:sp>
         <p:nvSpPr>
-          <p:cNvPr id="3467" name="Octagon 3466"/>
+          <p:cNvPr id="2106" name="Octagon 2105"/>
           <p:cNvSpPr/>
           <p:nvPr/>
         </p:nvSpPr>
         <p:spPr>
           <a:xfrm>
-            <a:off x="2961421" y="26622224"/>
+            <a:off x="2961421" y="25275286"/>
             <a:ext cx="738909" cy="738909"/>
           </a:xfrm>
           <a:prstGeom prst="octagon">
@@ -12912,13 +12912,13 @@
       </p:sp>
       <p:sp>
         <p:nvSpPr>
-          <p:cNvPr id="3468" name="Octagon 3467"/>
+          <p:cNvPr id="2107" name="Octagon 2106"/>
           <p:cNvSpPr/>
           <p:nvPr/>
         </p:nvSpPr>
         <p:spPr>
           <a:xfrm>
-            <a:off x="2814342" y="27361133"/>
+            <a:off x="2814342" y="26014195"/>
             <a:ext cx="738909" cy="738909"/>
           </a:xfrm>
           <a:prstGeom prst="octagon">
@@ -12969,13 +12969,13 @@
       </p:sp>
       <p:sp>
         <p:nvSpPr>
-          <p:cNvPr id="3469" name="Octagon 3468"/>
+          <p:cNvPr id="2108" name="Octagon 2107"/>
           <p:cNvSpPr/>
           <p:nvPr/>
         </p:nvSpPr>
         <p:spPr>
           <a:xfrm>
-            <a:off x="2182210" y="26835221"/>
+            <a:off x="2182210" y="25488283"/>
             <a:ext cx="738909" cy="738909"/>
           </a:xfrm>
           <a:prstGeom prst="octagon">
@@ -13026,13 +13026,13 @@
       </p:sp>
       <p:sp>
         <p:nvSpPr>
-          <p:cNvPr id="3470" name="Octagon 3469"/>
+          <p:cNvPr id="2109" name="Octagon 2108"/>
           <p:cNvSpPr/>
           <p:nvPr/>
         </p:nvSpPr>
         <p:spPr>
           <a:xfrm>
-            <a:off x="1954780" y="29137690"/>
+            <a:off x="1954780" y="27790752"/>
             <a:ext cx="738909" cy="738909"/>
           </a:xfrm>
           <a:prstGeom prst="octagon">
@@ -13083,13 +13083,13 @@
       </p:sp>
       <p:sp>
         <p:nvSpPr>
-          <p:cNvPr id="3471" name="Octagon 3470"/>
+          <p:cNvPr id="2110" name="Octagon 2109"/>
           <p:cNvSpPr/>
           <p:nvPr/>
         </p:nvSpPr>
         <p:spPr>
           <a:xfrm>
-            <a:off x="2936325" y="29905247"/>
+            <a:off x="2936325" y="28558309"/>
             <a:ext cx="738909" cy="738909"/>
           </a:xfrm>
           <a:prstGeom prst="octagon">
@@ -13140,13 +13140,13 @@
       </p:sp>
       <p:grpSp>
         <p:nvGrpSpPr>
-          <p:cNvPr id="3472" name="Group 3471"/>
+          <p:cNvPr id="2111" name="Group 2110"/>
           <p:cNvGrpSpPr/>
           <p:nvPr/>
         </p:nvGrpSpPr>
         <p:grpSpPr>
           <a:xfrm>
-            <a:off x="4320349" y="26031095"/>
+            <a:off x="4320349" y="24684157"/>
             <a:ext cx="3698875" cy="5957455"/>
             <a:chOff x="1025470" y="323272"/>
             <a:chExt cx="3698875" cy="5957455"/>
@@ -13154,7 +13154,7 @@
         </p:grpSpPr>
         <p:sp>
           <p:nvSpPr>
-            <p:cNvPr id="3473" name="Rectangle 3472"/>
+            <p:cNvPr id="2112" name="Rectangle 2111"/>
             <p:cNvSpPr/>
             <p:nvPr/>
           </p:nvSpPr>
@@ -13204,7 +13204,7 @@
         </p:sp>
         <p:sp>
           <p:nvSpPr>
-            <p:cNvPr id="3474" name="Rectangle 3473"/>
+            <p:cNvPr id="2113" name="Rectangle 2112"/>
             <p:cNvSpPr/>
             <p:nvPr/>
           </p:nvSpPr>
@@ -13254,7 +13254,7 @@
         </p:sp>
         <p:sp>
           <p:nvSpPr>
-            <p:cNvPr id="3475" name="Octagon 3474"/>
+            <p:cNvPr id="2114" name="Octagon 2113"/>
             <p:cNvSpPr/>
             <p:nvPr/>
           </p:nvSpPr>
@@ -13314,7 +13314,7 @@
         </p:sp>
         <p:sp>
           <p:nvSpPr>
-            <p:cNvPr id="3476" name="Octagon 3475"/>
+            <p:cNvPr id="2115" name="Octagon 2114"/>
             <p:cNvSpPr/>
             <p:nvPr/>
           </p:nvSpPr>
@@ -13374,7 +13374,7 @@
         </p:sp>
         <p:sp>
           <p:nvSpPr>
-            <p:cNvPr id="3477" name="Octagon 3476"/>
+            <p:cNvPr id="2116" name="Octagon 2115"/>
             <p:cNvSpPr/>
             <p:nvPr/>
           </p:nvSpPr>
@@ -13434,7 +13434,7 @@
         </p:sp>
         <p:sp>
           <p:nvSpPr>
-            <p:cNvPr id="3478" name="Octagon 3477"/>
+            <p:cNvPr id="2117" name="Octagon 2116"/>
             <p:cNvSpPr/>
             <p:nvPr/>
           </p:nvSpPr>
@@ -13494,7 +13494,7 @@
         </p:sp>
         <p:sp>
           <p:nvSpPr>
-            <p:cNvPr id="3479" name="Octagon 3478"/>
+            <p:cNvPr id="2118" name="Octagon 2117"/>
             <p:cNvSpPr/>
             <p:nvPr/>
           </p:nvSpPr>
@@ -13554,7 +13554,7 @@
         </p:sp>
         <p:sp>
           <p:nvSpPr>
-            <p:cNvPr id="3480" name="Frame 3479"/>
+            <p:cNvPr id="2119" name="Frame 2118"/>
             <p:cNvSpPr/>
             <p:nvPr/>
           </p:nvSpPr>
@@ -13569,7 +13569,7 @@
               </a:avLst>
             </a:prstGeom>
             <a:solidFill>
-              <a:schemeClr val="accent2"/>
+              <a:srgbClr val="FC028B"/>
             </a:solidFill>
             <a:ln>
               <a:noFill/>
@@ -13608,13 +13608,13 @@
       </p:grpSp>
       <p:sp>
         <p:nvSpPr>
-          <p:cNvPr id="3481" name="Octagon 3480"/>
+          <p:cNvPr id="2120" name="Octagon 2119"/>
           <p:cNvSpPr/>
           <p:nvPr/>
         </p:nvSpPr>
         <p:spPr>
           <a:xfrm>
-            <a:off x="6775352" y="27732556"/>
+            <a:off x="6775352" y="26385618"/>
             <a:ext cx="738909" cy="738909"/>
           </a:xfrm>
           <a:prstGeom prst="octagon">
@@ -13665,13 +13665,13 @@
       </p:sp>
       <p:sp>
         <p:nvSpPr>
-          <p:cNvPr id="3482" name="Octagon 3481"/>
+          <p:cNvPr id="2121" name="Octagon 2120"/>
           <p:cNvSpPr/>
           <p:nvPr/>
         </p:nvSpPr>
         <p:spPr>
           <a:xfrm>
-            <a:off x="6628273" y="28471465"/>
+            <a:off x="6628273" y="27124527"/>
             <a:ext cx="738909" cy="738909"/>
           </a:xfrm>
           <a:prstGeom prst="octagon">
@@ -13722,13 +13722,13 @@
       </p:sp>
       <p:sp>
         <p:nvSpPr>
-          <p:cNvPr id="3483" name="Octagon 3482"/>
+          <p:cNvPr id="2122" name="Octagon 2121"/>
           <p:cNvSpPr/>
           <p:nvPr/>
         </p:nvSpPr>
         <p:spPr>
           <a:xfrm>
-            <a:off x="5996141" y="27945553"/>
+            <a:off x="5996141" y="26598615"/>
             <a:ext cx="738909" cy="738909"/>
           </a:xfrm>
           <a:prstGeom prst="octagon">
@@ -13779,13 +13779,13 @@
       </p:sp>
       <p:sp>
         <p:nvSpPr>
-          <p:cNvPr id="3484" name="Octagon 3483"/>
+          <p:cNvPr id="2123" name="Octagon 2122"/>
           <p:cNvSpPr/>
           <p:nvPr/>
         </p:nvSpPr>
         <p:spPr>
           <a:xfrm>
-            <a:off x="5768711" y="30248022"/>
+            <a:off x="5768711" y="28901084"/>
             <a:ext cx="738909" cy="738909"/>
           </a:xfrm>
           <a:prstGeom prst="octagon">
@@ -13836,13 +13836,13 @@
       </p:sp>
       <p:sp>
         <p:nvSpPr>
-          <p:cNvPr id="3485" name="Octagon 3484"/>
+          <p:cNvPr id="2124" name="Octagon 2123"/>
           <p:cNvSpPr/>
           <p:nvPr/>
         </p:nvSpPr>
         <p:spPr>
           <a:xfrm>
-            <a:off x="6750256" y="31015579"/>
+            <a:off x="6750256" y="29668641"/>
             <a:ext cx="738909" cy="738909"/>
           </a:xfrm>
           <a:prstGeom prst="octagon">
@@ -13893,13 +13893,13 @@
       </p:sp>
       <p:grpSp>
         <p:nvGrpSpPr>
-          <p:cNvPr id="3486" name="Group 3485"/>
+          <p:cNvPr id="2125" name="Group 2124"/>
           <p:cNvGrpSpPr/>
           <p:nvPr/>
         </p:nvGrpSpPr>
         <p:grpSpPr>
           <a:xfrm>
-            <a:off x="8428468" y="26031095"/>
+            <a:off x="8428468" y="24684157"/>
             <a:ext cx="3698875" cy="5957455"/>
             <a:chOff x="1025470" y="323272"/>
             <a:chExt cx="3698875" cy="5957455"/>
@@ -13907,7 +13907,7 @@
         </p:grpSpPr>
         <p:sp>
           <p:nvSpPr>
-            <p:cNvPr id="3487" name="Rectangle 3486"/>
+            <p:cNvPr id="2126" name="Rectangle 2125"/>
             <p:cNvSpPr/>
             <p:nvPr/>
           </p:nvSpPr>
@@ -13957,7 +13957,7 @@
         </p:sp>
         <p:sp>
           <p:nvSpPr>
-            <p:cNvPr id="3488" name="Rectangle 3487"/>
+            <p:cNvPr id="2127" name="Rectangle 2126"/>
             <p:cNvSpPr/>
             <p:nvPr/>
           </p:nvSpPr>
@@ -14007,7 +14007,7 @@
         </p:sp>
         <p:sp>
           <p:nvSpPr>
-            <p:cNvPr id="3489" name="Octagon 3488"/>
+            <p:cNvPr id="2128" name="Octagon 2127"/>
             <p:cNvSpPr/>
             <p:nvPr/>
           </p:nvSpPr>
@@ -14067,7 +14067,7 @@
         </p:sp>
         <p:sp>
           <p:nvSpPr>
-            <p:cNvPr id="3490" name="Octagon 3489"/>
+            <p:cNvPr id="2129" name="Octagon 2128"/>
             <p:cNvSpPr/>
             <p:nvPr/>
           </p:nvSpPr>
@@ -14127,7 +14127,7 @@
         </p:sp>
         <p:sp>
           <p:nvSpPr>
-            <p:cNvPr id="3491" name="Octagon 3490"/>
+            <p:cNvPr id="2130" name="Octagon 2129"/>
             <p:cNvSpPr/>
             <p:nvPr/>
           </p:nvSpPr>
@@ -14187,7 +14187,7 @@
         </p:sp>
         <p:sp>
           <p:nvSpPr>
-            <p:cNvPr id="3492" name="Octagon 3491"/>
+            <p:cNvPr id="2131" name="Octagon 2130"/>
             <p:cNvSpPr/>
             <p:nvPr/>
           </p:nvSpPr>
@@ -14247,7 +14247,7 @@
         </p:sp>
         <p:sp>
           <p:nvSpPr>
-            <p:cNvPr id="3493" name="Octagon 3492"/>
+            <p:cNvPr id="2132" name="Octagon 2131"/>
             <p:cNvSpPr/>
             <p:nvPr/>
           </p:nvSpPr>
@@ -14307,7 +14307,7 @@
         </p:sp>
         <p:sp>
           <p:nvSpPr>
-            <p:cNvPr id="3494" name="Frame 3493"/>
+            <p:cNvPr id="2133" name="Frame 2132"/>
             <p:cNvSpPr/>
             <p:nvPr/>
           </p:nvSpPr>
@@ -14322,7 +14322,7 @@
               </a:avLst>
             </a:prstGeom>
             <a:solidFill>
-              <a:schemeClr val="accent2"/>
+              <a:srgbClr val="FC028B"/>
             </a:solidFill>
             <a:ln>
               <a:noFill/>
@@ -14361,13 +14361,13 @@
       </p:grpSp>
       <p:sp>
         <p:nvSpPr>
-          <p:cNvPr id="3495" name="Octagon 3494"/>
+          <p:cNvPr id="2134" name="Octagon 2133"/>
           <p:cNvSpPr/>
           <p:nvPr/>
         </p:nvSpPr>
         <p:spPr>
           <a:xfrm>
-            <a:off x="10883471" y="27732556"/>
+            <a:off x="10883471" y="26385618"/>
             <a:ext cx="738909" cy="738909"/>
           </a:xfrm>
           <a:prstGeom prst="octagon">
@@ -14418,13 +14418,13 @@
       </p:sp>
       <p:sp>
         <p:nvSpPr>
-          <p:cNvPr id="3496" name="Octagon 3495"/>
+          <p:cNvPr id="2135" name="Octagon 2134"/>
           <p:cNvSpPr/>
           <p:nvPr/>
         </p:nvSpPr>
         <p:spPr>
           <a:xfrm>
-            <a:off x="10736392" y="28471465"/>
+            <a:off x="10736392" y="27124527"/>
             <a:ext cx="738909" cy="738909"/>
           </a:xfrm>
           <a:prstGeom prst="octagon">
@@ -14475,13 +14475,13 @@
       </p:sp>
       <p:sp>
         <p:nvSpPr>
-          <p:cNvPr id="3497" name="Octagon 3496"/>
+          <p:cNvPr id="2136" name="Octagon 2135"/>
           <p:cNvSpPr/>
           <p:nvPr/>
         </p:nvSpPr>
         <p:spPr>
           <a:xfrm>
-            <a:off x="10104260" y="27945553"/>
+            <a:off x="10104260" y="26598615"/>
             <a:ext cx="738909" cy="738909"/>
           </a:xfrm>
           <a:prstGeom prst="octagon">
@@ -14532,13 +14532,13 @@
       </p:sp>
       <p:sp>
         <p:nvSpPr>
-          <p:cNvPr id="3498" name="Octagon 3497"/>
+          <p:cNvPr id="2137" name="Octagon 2136"/>
           <p:cNvSpPr/>
           <p:nvPr/>
         </p:nvSpPr>
         <p:spPr>
           <a:xfrm>
-            <a:off x="9876830" y="30248022"/>
+            <a:off x="9876830" y="28901084"/>
             <a:ext cx="738909" cy="738909"/>
           </a:xfrm>
           <a:prstGeom prst="octagon">
@@ -14589,13 +14589,13 @@
       </p:sp>
       <p:sp>
         <p:nvSpPr>
-          <p:cNvPr id="3499" name="Octagon 3498"/>
+          <p:cNvPr id="2138" name="Octagon 2137"/>
           <p:cNvSpPr/>
           <p:nvPr/>
         </p:nvSpPr>
         <p:spPr>
           <a:xfrm>
-            <a:off x="8654329" y="31026441"/>
+            <a:off x="8654329" y="29679503"/>
             <a:ext cx="738909" cy="738909"/>
           </a:xfrm>
           <a:prstGeom prst="octagon">
@@ -14646,13 +14646,13 @@
       </p:sp>
       <p:grpSp>
         <p:nvGrpSpPr>
-          <p:cNvPr id="3500" name="Group 3499"/>
+          <p:cNvPr id="2139" name="Group 2138"/>
           <p:cNvGrpSpPr/>
           <p:nvPr/>
         </p:nvGrpSpPr>
         <p:grpSpPr>
           <a:xfrm>
-            <a:off x="12536587" y="26031095"/>
+            <a:off x="12536587" y="24684157"/>
             <a:ext cx="3698875" cy="5957455"/>
             <a:chOff x="1025470" y="323272"/>
             <a:chExt cx="3698875" cy="5957455"/>
@@ -14660,7 +14660,7 @@
         </p:grpSpPr>
         <p:sp>
           <p:nvSpPr>
-            <p:cNvPr id="3501" name="Rectangle 3500"/>
+            <p:cNvPr id="2140" name="Rectangle 2139"/>
             <p:cNvSpPr/>
             <p:nvPr/>
           </p:nvSpPr>
@@ -14710,7 +14710,7 @@
         </p:sp>
         <p:sp>
           <p:nvSpPr>
-            <p:cNvPr id="3502" name="Rectangle 3501"/>
+            <p:cNvPr id="2141" name="Rectangle 2140"/>
             <p:cNvSpPr/>
             <p:nvPr/>
           </p:nvSpPr>
@@ -14760,7 +14760,7 @@
         </p:sp>
         <p:sp>
           <p:nvSpPr>
-            <p:cNvPr id="3503" name="Octagon 3502"/>
+            <p:cNvPr id="2142" name="Octagon 2141"/>
             <p:cNvSpPr/>
             <p:nvPr/>
           </p:nvSpPr>
@@ -14820,7 +14820,7 @@
         </p:sp>
         <p:sp>
           <p:nvSpPr>
-            <p:cNvPr id="3504" name="Octagon 3503"/>
+            <p:cNvPr id="2143" name="Octagon 2142"/>
             <p:cNvSpPr/>
             <p:nvPr/>
           </p:nvSpPr>
@@ -14880,7 +14880,7 @@
         </p:sp>
         <p:sp>
           <p:nvSpPr>
-            <p:cNvPr id="3505" name="Octagon 3504"/>
+            <p:cNvPr id="2144" name="Octagon 2143"/>
             <p:cNvSpPr/>
             <p:nvPr/>
           </p:nvSpPr>
@@ -14940,7 +14940,7 @@
         </p:sp>
         <p:sp>
           <p:nvSpPr>
-            <p:cNvPr id="3506" name="Octagon 3505"/>
+            <p:cNvPr id="2145" name="Octagon 2144"/>
             <p:cNvSpPr/>
             <p:nvPr/>
           </p:nvSpPr>
@@ -15000,7 +15000,7 @@
         </p:sp>
         <p:sp>
           <p:nvSpPr>
-            <p:cNvPr id="3507" name="Octagon 3506"/>
+            <p:cNvPr id="2146" name="Octagon 2145"/>
             <p:cNvSpPr/>
             <p:nvPr/>
           </p:nvSpPr>
@@ -15060,7 +15060,7 @@
         </p:sp>
         <p:sp>
           <p:nvSpPr>
-            <p:cNvPr id="3508" name="Frame 3507"/>
+            <p:cNvPr id="2147" name="Frame 2146"/>
             <p:cNvSpPr/>
             <p:nvPr/>
           </p:nvSpPr>
@@ -15075,7 +15075,7 @@
               </a:avLst>
             </a:prstGeom>
             <a:solidFill>
-              <a:schemeClr val="accent2"/>
+              <a:srgbClr val="FC028B"/>
             </a:solidFill>
             <a:ln>
               <a:noFill/>
@@ -15114,13 +15114,13 @@
       </p:grpSp>
       <p:sp>
         <p:nvSpPr>
-          <p:cNvPr id="3509" name="Octagon 3508"/>
+          <p:cNvPr id="2148" name="Octagon 2147"/>
           <p:cNvSpPr/>
           <p:nvPr/>
         </p:nvSpPr>
         <p:spPr>
           <a:xfrm>
-            <a:off x="14993372" y="26622224"/>
+            <a:off x="14993372" y="25275286"/>
             <a:ext cx="738909" cy="738909"/>
           </a:xfrm>
           <a:prstGeom prst="octagon">
@@ -15171,13 +15171,13 @@
       </p:sp>
       <p:sp>
         <p:nvSpPr>
-          <p:cNvPr id="3510" name="Octagon 3509"/>
+          <p:cNvPr id="2149" name="Octagon 2148"/>
           <p:cNvSpPr/>
           <p:nvPr/>
         </p:nvSpPr>
         <p:spPr>
           <a:xfrm>
-            <a:off x="14846293" y="27361133"/>
+            <a:off x="14846293" y="26014195"/>
             <a:ext cx="738909" cy="738909"/>
           </a:xfrm>
           <a:prstGeom prst="octagon">
@@ -15228,13 +15228,13 @@
       </p:sp>
       <p:sp>
         <p:nvSpPr>
-          <p:cNvPr id="3511" name="Octagon 3510"/>
+          <p:cNvPr id="2150" name="Octagon 2149"/>
           <p:cNvSpPr/>
           <p:nvPr/>
         </p:nvSpPr>
         <p:spPr>
           <a:xfrm>
-            <a:off x="14214161" y="26835221"/>
+            <a:off x="14214161" y="25488283"/>
             <a:ext cx="738909" cy="738909"/>
           </a:xfrm>
           <a:prstGeom prst="octagon">
@@ -15285,13 +15285,13 @@
       </p:sp>
       <p:sp>
         <p:nvSpPr>
-          <p:cNvPr id="3512" name="Octagon 3511"/>
+          <p:cNvPr id="2151" name="Octagon 2150"/>
           <p:cNvSpPr/>
           <p:nvPr/>
         </p:nvSpPr>
         <p:spPr>
           <a:xfrm>
-            <a:off x="13986731" y="29137690"/>
+            <a:off x="13986731" y="27790752"/>
             <a:ext cx="738909" cy="738909"/>
           </a:xfrm>
           <a:prstGeom prst="octagon">
@@ -15342,13 +15342,13 @@
       </p:sp>
       <p:sp>
         <p:nvSpPr>
-          <p:cNvPr id="3513" name="Octagon 3512"/>
+          <p:cNvPr id="2152" name="Octagon 2151"/>
           <p:cNvSpPr/>
           <p:nvPr/>
         </p:nvSpPr>
         <p:spPr>
           <a:xfrm>
-            <a:off x="12756759" y="28398781"/>
+            <a:off x="12756759" y="27051843"/>
             <a:ext cx="738909" cy="738909"/>
           </a:xfrm>
           <a:prstGeom prst="octagon">
@@ -15399,13 +15399,13 @@
       </p:sp>
       <p:grpSp>
         <p:nvGrpSpPr>
-          <p:cNvPr id="3514" name="Group 3513"/>
+          <p:cNvPr id="2153" name="Group 2152"/>
           <p:cNvGrpSpPr/>
           <p:nvPr/>
         </p:nvGrpSpPr>
         <p:grpSpPr>
           <a:xfrm>
-            <a:off x="16644706" y="26031095"/>
+            <a:off x="16644706" y="24684157"/>
             <a:ext cx="3698875" cy="5957455"/>
             <a:chOff x="1025470" y="323272"/>
             <a:chExt cx="3698875" cy="5957455"/>
@@ -15413,7 +15413,7 @@
         </p:grpSpPr>
         <p:sp>
           <p:nvSpPr>
-            <p:cNvPr id="3515" name="Rectangle 3514"/>
+            <p:cNvPr id="2154" name="Rectangle 2153"/>
             <p:cNvSpPr/>
             <p:nvPr/>
           </p:nvSpPr>
@@ -15463,7 +15463,7 @@
         </p:sp>
         <p:sp>
           <p:nvSpPr>
-            <p:cNvPr id="3516" name="Rectangle 3515"/>
+            <p:cNvPr id="2155" name="Rectangle 2154"/>
             <p:cNvSpPr/>
             <p:nvPr/>
           </p:nvSpPr>
@@ -15513,7 +15513,7 @@
         </p:sp>
         <p:sp>
           <p:nvSpPr>
-            <p:cNvPr id="3517" name="Octagon 3516"/>
+            <p:cNvPr id="2156" name="Octagon 2155"/>
             <p:cNvSpPr/>
             <p:nvPr/>
           </p:nvSpPr>
@@ -15573,7 +15573,7 @@
         </p:sp>
         <p:sp>
           <p:nvSpPr>
-            <p:cNvPr id="3518" name="Octagon 3517"/>
+            <p:cNvPr id="2157" name="Octagon 2156"/>
             <p:cNvSpPr/>
             <p:nvPr/>
           </p:nvSpPr>
@@ -15633,7 +15633,7 @@
         </p:sp>
         <p:sp>
           <p:nvSpPr>
-            <p:cNvPr id="3519" name="Octagon 3518"/>
+            <p:cNvPr id="2158" name="Octagon 2157"/>
             <p:cNvSpPr/>
             <p:nvPr/>
           </p:nvSpPr>
@@ -15693,7 +15693,7 @@
         </p:sp>
         <p:sp>
           <p:nvSpPr>
-            <p:cNvPr id="3520" name="Octagon 3519"/>
+            <p:cNvPr id="2159" name="Octagon 2158"/>
             <p:cNvSpPr/>
             <p:nvPr/>
           </p:nvSpPr>
@@ -15753,7 +15753,7 @@
         </p:sp>
         <p:sp>
           <p:nvSpPr>
-            <p:cNvPr id="3521" name="Octagon 3520"/>
+            <p:cNvPr id="2160" name="Octagon 2159"/>
             <p:cNvSpPr/>
             <p:nvPr/>
           </p:nvSpPr>
@@ -15813,7 +15813,7 @@
         </p:sp>
         <p:sp>
           <p:nvSpPr>
-            <p:cNvPr id="3522" name="Frame 3521"/>
+            <p:cNvPr id="2161" name="Frame 2160"/>
             <p:cNvSpPr/>
             <p:nvPr/>
           </p:nvSpPr>
@@ -15828,7 +15828,7 @@
               </a:avLst>
             </a:prstGeom>
             <a:solidFill>
-              <a:schemeClr val="accent2"/>
+              <a:srgbClr val="FC028B"/>
             </a:solidFill>
             <a:ln>
               <a:noFill/>
@@ -15867,13 +15867,13 @@
       </p:grpSp>
       <p:sp>
         <p:nvSpPr>
-          <p:cNvPr id="3523" name="Octagon 3522"/>
+          <p:cNvPr id="2162" name="Octagon 2161"/>
           <p:cNvSpPr/>
           <p:nvPr/>
         </p:nvSpPr>
         <p:spPr>
           <a:xfrm>
-            <a:off x="18374127" y="26622224"/>
+            <a:off x="18374127" y="25275286"/>
             <a:ext cx="738909" cy="738909"/>
           </a:xfrm>
           <a:prstGeom prst="octagon">
@@ -15924,13 +15924,13 @@
       </p:sp>
       <p:sp>
         <p:nvSpPr>
-          <p:cNvPr id="3524" name="Octagon 3523"/>
+          <p:cNvPr id="2163" name="Octagon 2162"/>
           <p:cNvSpPr/>
           <p:nvPr/>
         </p:nvSpPr>
         <p:spPr>
           <a:xfrm>
-            <a:off x="18203958" y="27361133"/>
+            <a:off x="18203958" y="26014195"/>
             <a:ext cx="738909" cy="738909"/>
           </a:xfrm>
           <a:prstGeom prst="octagon">
@@ -15981,13 +15981,13 @@
       </p:sp>
       <p:sp>
         <p:nvSpPr>
-          <p:cNvPr id="3525" name="Octagon 3524"/>
+          <p:cNvPr id="2164" name="Octagon 2163"/>
           <p:cNvSpPr/>
           <p:nvPr/>
         </p:nvSpPr>
         <p:spPr>
           <a:xfrm>
-            <a:off x="17571826" y="26835221"/>
+            <a:off x="17571826" y="25488283"/>
             <a:ext cx="738909" cy="738909"/>
           </a:xfrm>
           <a:prstGeom prst="octagon">
@@ -16038,13 +16038,13 @@
       </p:sp>
       <p:sp>
         <p:nvSpPr>
-          <p:cNvPr id="3526" name="Octagon 3525"/>
+          <p:cNvPr id="2165" name="Octagon 2164"/>
           <p:cNvSpPr/>
           <p:nvPr/>
         </p:nvSpPr>
         <p:spPr>
           <a:xfrm>
-            <a:off x="17367486" y="29137690"/>
+            <a:off x="17367486" y="27790752"/>
             <a:ext cx="738909" cy="738909"/>
           </a:xfrm>
           <a:prstGeom prst="octagon">
@@ -16095,13 +16095,13 @@
       </p:sp>
       <p:sp>
         <p:nvSpPr>
-          <p:cNvPr id="3527" name="Octagon 3526"/>
+          <p:cNvPr id="2166" name="Octagon 2165"/>
           <p:cNvSpPr/>
           <p:nvPr/>
         </p:nvSpPr>
         <p:spPr>
           <a:xfrm>
-            <a:off x="16864878" y="28398781"/>
+            <a:off x="16864878" y="27051843"/>
             <a:ext cx="738909" cy="738909"/>
           </a:xfrm>
           <a:prstGeom prst="octagon">
@@ -16152,13 +16152,13 @@
       </p:sp>
       <p:grpSp>
         <p:nvGrpSpPr>
-          <p:cNvPr id="3528" name="Group 3527"/>
+          <p:cNvPr id="2167" name="Group 2166"/>
           <p:cNvGrpSpPr/>
           <p:nvPr/>
         </p:nvGrpSpPr>
         <p:grpSpPr>
           <a:xfrm>
-            <a:off x="20752826" y="26031095"/>
+            <a:off x="20752826" y="24684157"/>
             <a:ext cx="3698875" cy="5957455"/>
             <a:chOff x="1025470" y="323272"/>
             <a:chExt cx="3698875" cy="5957455"/>
@@ -16166,7 +16166,7 @@
         </p:grpSpPr>
         <p:sp>
           <p:nvSpPr>
-            <p:cNvPr id="3529" name="Rectangle 3528"/>
+            <p:cNvPr id="2168" name="Rectangle 2167"/>
             <p:cNvSpPr/>
             <p:nvPr/>
           </p:nvSpPr>
@@ -16216,7 +16216,7 @@
         </p:sp>
         <p:sp>
           <p:nvSpPr>
-            <p:cNvPr id="3530" name="Rectangle 3529"/>
+            <p:cNvPr id="2169" name="Rectangle 2168"/>
             <p:cNvSpPr/>
             <p:nvPr/>
           </p:nvSpPr>
@@ -16266,7 +16266,7 @@
         </p:sp>
         <p:sp>
           <p:nvSpPr>
-            <p:cNvPr id="3531" name="Octagon 3530"/>
+            <p:cNvPr id="2170" name="Octagon 2169"/>
             <p:cNvSpPr/>
             <p:nvPr/>
           </p:nvSpPr>
@@ -16326,7 +16326,7 @@
         </p:sp>
         <p:sp>
           <p:nvSpPr>
-            <p:cNvPr id="3532" name="Octagon 3531"/>
+            <p:cNvPr id="2171" name="Octagon 2170"/>
             <p:cNvSpPr/>
             <p:nvPr/>
           </p:nvSpPr>
@@ -16386,7 +16386,7 @@
         </p:sp>
         <p:sp>
           <p:nvSpPr>
-            <p:cNvPr id="3533" name="Octagon 3532"/>
+            <p:cNvPr id="2172" name="Octagon 2171"/>
             <p:cNvSpPr/>
             <p:nvPr/>
           </p:nvSpPr>
@@ -16446,7 +16446,7 @@
         </p:sp>
         <p:sp>
           <p:nvSpPr>
-            <p:cNvPr id="3534" name="Octagon 3533"/>
+            <p:cNvPr id="2173" name="Octagon 2172"/>
             <p:cNvSpPr/>
             <p:nvPr/>
           </p:nvSpPr>
@@ -16506,7 +16506,7 @@
         </p:sp>
         <p:sp>
           <p:nvSpPr>
-            <p:cNvPr id="3535" name="Octagon 3534"/>
+            <p:cNvPr id="2174" name="Octagon 2173"/>
             <p:cNvSpPr/>
             <p:nvPr/>
           </p:nvSpPr>
@@ -16566,7 +16566,7 @@
         </p:sp>
         <p:sp>
           <p:nvSpPr>
-            <p:cNvPr id="3536" name="Frame 3535"/>
+            <p:cNvPr id="2175" name="Frame 2174"/>
             <p:cNvSpPr/>
             <p:nvPr/>
           </p:nvSpPr>
@@ -16581,7 +16581,7 @@
               </a:avLst>
             </a:prstGeom>
             <a:solidFill>
-              <a:schemeClr val="accent2"/>
+              <a:srgbClr val="FC028B"/>
             </a:solidFill>
             <a:ln>
               <a:noFill/>
@@ -16620,13 +16620,13 @@
       </p:grpSp>
       <p:sp>
         <p:nvSpPr>
-          <p:cNvPr id="3537" name="Octagon 3536"/>
+          <p:cNvPr id="2176" name="Octagon 2175"/>
           <p:cNvSpPr/>
           <p:nvPr/>
         </p:nvSpPr>
         <p:spPr>
           <a:xfrm>
-            <a:off x="23496385" y="26622224"/>
+            <a:off x="23496385" y="25275286"/>
             <a:ext cx="738909" cy="738909"/>
           </a:xfrm>
           <a:prstGeom prst="octagon">
@@ -16677,13 +16677,13 @@
       </p:sp>
       <p:sp>
         <p:nvSpPr>
-          <p:cNvPr id="3538" name="Octagon 3537"/>
+          <p:cNvPr id="2177" name="Octagon 2176"/>
           <p:cNvSpPr/>
           <p:nvPr/>
         </p:nvSpPr>
         <p:spPr>
           <a:xfrm>
-            <a:off x="23326216" y="27361133"/>
+            <a:off x="23326216" y="26014195"/>
             <a:ext cx="738909" cy="738909"/>
           </a:xfrm>
           <a:prstGeom prst="octagon">
@@ -16734,13 +16734,13 @@
       </p:sp>
       <p:sp>
         <p:nvSpPr>
-          <p:cNvPr id="3539" name="Octagon 3538"/>
+          <p:cNvPr id="2178" name="Octagon 2177"/>
           <p:cNvSpPr/>
           <p:nvPr/>
         </p:nvSpPr>
         <p:spPr>
           <a:xfrm>
-            <a:off x="22714404" y="26835221"/>
+            <a:off x="22714404" y="25488283"/>
             <a:ext cx="738909" cy="738909"/>
           </a:xfrm>
           <a:prstGeom prst="octagon">
@@ -16791,13 +16791,13 @@
       </p:sp>
       <p:sp>
         <p:nvSpPr>
-          <p:cNvPr id="3540" name="Octagon 3539"/>
+          <p:cNvPr id="2179" name="Octagon 2178"/>
           <p:cNvSpPr/>
           <p:nvPr/>
         </p:nvSpPr>
         <p:spPr>
           <a:xfrm>
-            <a:off x="22489744" y="29137690"/>
+            <a:off x="22489744" y="27790752"/>
             <a:ext cx="738909" cy="738909"/>
           </a:xfrm>
           <a:prstGeom prst="octagon">
@@ -16848,13 +16848,13 @@
       </p:sp>
       <p:sp>
         <p:nvSpPr>
-          <p:cNvPr id="3541" name="Octagon 3540"/>
+          <p:cNvPr id="2180" name="Octagon 2179"/>
           <p:cNvSpPr/>
           <p:nvPr/>
         </p:nvSpPr>
         <p:spPr>
           <a:xfrm>
-            <a:off x="21987136" y="28398781"/>
+            <a:off x="21987136" y="27051843"/>
             <a:ext cx="738909" cy="738909"/>
           </a:xfrm>
           <a:prstGeom prst="octagon">
@@ -16905,13 +16905,13 @@
       </p:sp>
       <p:sp>
         <p:nvSpPr>
-          <p:cNvPr id="3542" name="TextBox 3541"/>
+          <p:cNvPr id="2181" name="TextBox 2180"/>
           <p:cNvSpPr txBox="1"/>
           <p:nvPr/>
         </p:nvSpPr>
         <p:spPr>
           <a:xfrm>
-            <a:off x="152209" y="24710771"/>
+            <a:off x="152209" y="23710188"/>
             <a:ext cx="1586192" cy="1154162"/>
           </a:xfrm>
           <a:prstGeom prst="rect">
@@ -16948,13 +16948,13 @@
       </p:sp>
       <p:sp>
         <p:nvSpPr>
-          <p:cNvPr id="3543" name="TextBox 3542"/>
+          <p:cNvPr id="2182" name="TextBox 2181"/>
           <p:cNvSpPr txBox="1"/>
           <p:nvPr/>
         </p:nvSpPr>
         <p:spPr>
           <a:xfrm>
-            <a:off x="152209" y="16819042"/>
+            <a:off x="152209" y="16318750"/>
             <a:ext cx="1586192" cy="1154162"/>
           </a:xfrm>
           <a:prstGeom prst="rect">
@@ -16991,7 +16991,7 @@
       </p:sp>
       <p:sp>
         <p:nvSpPr>
-          <p:cNvPr id="3544" name="TextBox 3543"/>
+          <p:cNvPr id="2183" name="TextBox 2182"/>
           <p:cNvSpPr txBox="1"/>
           <p:nvPr/>
         </p:nvSpPr>
@@ -17034,13 +17034,13 @@
       </p:sp>
       <p:cxnSp>
         <p:nvCxnSpPr>
-          <p:cNvPr id="3545" name="Straight Arrow Connector 3544"/>
+          <p:cNvPr id="2184" name="Straight Arrow Connector 2183"/>
           <p:cNvCxnSpPr/>
           <p:nvPr/>
         </p:nvCxnSpPr>
         <p:spPr>
           <a:xfrm flipH="1">
-            <a:off x="1451437" y="15649421"/>
+            <a:off x="1036215" y="14697862"/>
             <a:ext cx="503343" cy="396099"/>
           </a:xfrm>
           <a:prstGeom prst="straightConnector1">
@@ -17071,13 +17071,13 @@
       </p:cxnSp>
       <p:grpSp>
         <p:nvGrpSpPr>
-          <p:cNvPr id="3546" name="Group 3545"/>
+          <p:cNvPr id="2185" name="Group 2184"/>
           <p:cNvGrpSpPr/>
           <p:nvPr/>
         </p:nvGrpSpPr>
         <p:grpSpPr>
           <a:xfrm>
-            <a:off x="4552118" y="16026573"/>
+            <a:off x="4552118" y="15564765"/>
             <a:ext cx="1498180" cy="340973"/>
             <a:chOff x="7126101" y="5664970"/>
             <a:chExt cx="1498180" cy="340973"/>
@@ -17085,7 +17085,7 @@
         </p:grpSpPr>
         <p:grpSp>
           <p:nvGrpSpPr>
-            <p:cNvPr id="3547" name="Group 3546"/>
+            <p:cNvPr id="2186" name="Group 2185"/>
             <p:cNvGrpSpPr/>
             <p:nvPr/>
           </p:nvGrpSpPr>
@@ -17099,7 +17099,7 @@
           </p:grpSpPr>
           <p:cxnSp>
             <p:nvCxnSpPr>
-              <p:cNvPr id="3560" name="Straight Arrow Connector 3559"/>
+              <p:cNvPr id="2199" name="Straight Arrow Connector 2198"/>
               <p:cNvCxnSpPr/>
               <p:nvPr/>
             </p:nvCxnSpPr>
@@ -17136,7 +17136,7 @@
           </p:cxnSp>
           <p:cxnSp>
             <p:nvCxnSpPr>
-              <p:cNvPr id="3561" name="Straight Arrow Connector 3560"/>
+              <p:cNvPr id="2200" name="Straight Arrow Connector 2199"/>
               <p:cNvCxnSpPr/>
               <p:nvPr/>
             </p:nvCxnSpPr>
@@ -17173,7 +17173,7 @@
           </p:cxnSp>
           <p:cxnSp>
             <p:nvCxnSpPr>
-              <p:cNvPr id="3562" name="Straight Arrow Connector 3561"/>
+              <p:cNvPr id="2201" name="Straight Arrow Connector 2200"/>
               <p:cNvCxnSpPr/>
               <p:nvPr/>
             </p:nvCxnSpPr>
@@ -17211,7 +17211,7 @@
         </p:grpSp>
         <p:grpSp>
           <p:nvGrpSpPr>
-            <p:cNvPr id="3548" name="Group 3547"/>
+            <p:cNvPr id="2187" name="Group 2186"/>
             <p:cNvGrpSpPr/>
             <p:nvPr/>
           </p:nvGrpSpPr>
@@ -17225,7 +17225,7 @@
           </p:grpSpPr>
           <p:cxnSp>
             <p:nvCxnSpPr>
-              <p:cNvPr id="3557" name="Straight Arrow Connector 3556"/>
+              <p:cNvPr id="2196" name="Straight Arrow Connector 2195"/>
               <p:cNvCxnSpPr/>
               <p:nvPr/>
             </p:nvCxnSpPr>
@@ -17262,7 +17262,7 @@
           </p:cxnSp>
           <p:cxnSp>
             <p:nvCxnSpPr>
-              <p:cNvPr id="3558" name="Straight Arrow Connector 3557"/>
+              <p:cNvPr id="2197" name="Straight Arrow Connector 2196"/>
               <p:cNvCxnSpPr/>
               <p:nvPr/>
             </p:nvCxnSpPr>
@@ -17299,7 +17299,7 @@
           </p:cxnSp>
           <p:cxnSp>
             <p:nvCxnSpPr>
-              <p:cNvPr id="3559" name="Straight Arrow Connector 3558"/>
+              <p:cNvPr id="2198" name="Straight Arrow Connector 2197"/>
               <p:cNvCxnSpPr/>
               <p:nvPr/>
             </p:nvCxnSpPr>
@@ -17337,7 +17337,7 @@
         </p:grpSp>
         <p:grpSp>
           <p:nvGrpSpPr>
-            <p:cNvPr id="3549" name="Group 3548"/>
+            <p:cNvPr id="2188" name="Group 2187"/>
             <p:cNvGrpSpPr/>
             <p:nvPr/>
           </p:nvGrpSpPr>
@@ -17351,7 +17351,7 @@
           </p:grpSpPr>
           <p:cxnSp>
             <p:nvCxnSpPr>
-              <p:cNvPr id="3554" name="Straight Arrow Connector 3553"/>
+              <p:cNvPr id="2193" name="Straight Arrow Connector 2192"/>
               <p:cNvCxnSpPr/>
               <p:nvPr/>
             </p:nvCxnSpPr>
@@ -17388,7 +17388,7 @@
           </p:cxnSp>
           <p:cxnSp>
             <p:nvCxnSpPr>
-              <p:cNvPr id="3555" name="Straight Arrow Connector 3554"/>
+              <p:cNvPr id="2194" name="Straight Arrow Connector 2193"/>
               <p:cNvCxnSpPr/>
               <p:nvPr/>
             </p:nvCxnSpPr>
@@ -17425,7 +17425,7 @@
           </p:cxnSp>
           <p:cxnSp>
             <p:nvCxnSpPr>
-              <p:cNvPr id="3556" name="Straight Arrow Connector 3555"/>
+              <p:cNvPr id="2195" name="Straight Arrow Connector 2194"/>
               <p:cNvCxnSpPr/>
               <p:nvPr/>
             </p:nvCxnSpPr>
@@ -17463,7 +17463,7 @@
         </p:grpSp>
         <p:grpSp>
           <p:nvGrpSpPr>
-            <p:cNvPr id="3550" name="Group 3549"/>
+            <p:cNvPr id="2189" name="Group 2188"/>
             <p:cNvGrpSpPr/>
             <p:nvPr/>
           </p:nvGrpSpPr>
@@ -17477,7 +17477,7 @@
           </p:grpSpPr>
           <p:cxnSp>
             <p:nvCxnSpPr>
-              <p:cNvPr id="3551" name="Straight Arrow Connector 3550"/>
+              <p:cNvPr id="2190" name="Straight Arrow Connector 2189"/>
               <p:cNvCxnSpPr/>
               <p:nvPr/>
             </p:nvCxnSpPr>
@@ -17514,7 +17514,7 @@
           </p:cxnSp>
           <p:cxnSp>
             <p:nvCxnSpPr>
-              <p:cNvPr id="3552" name="Straight Arrow Connector 3551"/>
+              <p:cNvPr id="2191" name="Straight Arrow Connector 2190"/>
               <p:cNvCxnSpPr/>
               <p:nvPr/>
             </p:nvCxnSpPr>
@@ -17551,7 +17551,7 @@
           </p:cxnSp>
           <p:cxnSp>
             <p:nvCxnSpPr>
-              <p:cNvPr id="3553" name="Straight Arrow Connector 3552"/>
+              <p:cNvPr id="2192" name="Straight Arrow Connector 2191"/>
               <p:cNvCxnSpPr/>
               <p:nvPr/>
             </p:nvCxnSpPr>
@@ -17590,13 +17590,13 @@
       </p:grpSp>
       <p:grpSp>
         <p:nvGrpSpPr>
-          <p:cNvPr id="3563" name="Group 3562"/>
+          <p:cNvPr id="2202" name="Group 2201"/>
           <p:cNvGrpSpPr/>
           <p:nvPr/>
         </p:nvGrpSpPr>
         <p:grpSpPr>
           <a:xfrm>
-            <a:off x="8734661" y="13715969"/>
+            <a:off x="8734661" y="13254161"/>
             <a:ext cx="361516" cy="1897145"/>
             <a:chOff x="11308644" y="3365911"/>
             <a:chExt cx="361516" cy="1897145"/>
@@ -17604,7 +17604,7 @@
         </p:grpSpPr>
         <p:grpSp>
           <p:nvGrpSpPr>
-            <p:cNvPr id="3564" name="Group 3563"/>
+            <p:cNvPr id="2203" name="Group 2202"/>
             <p:cNvGrpSpPr/>
             <p:nvPr/>
           </p:nvGrpSpPr>
@@ -17618,7 +17618,7 @@
           </p:grpSpPr>
           <p:cxnSp>
             <p:nvCxnSpPr>
-              <p:cNvPr id="3577" name="Straight Arrow Connector 3576"/>
+              <p:cNvPr id="2216" name="Straight Arrow Connector 2215"/>
               <p:cNvCxnSpPr/>
               <p:nvPr/>
             </p:nvCxnSpPr>
@@ -17655,7 +17655,7 @@
           </p:cxnSp>
           <p:cxnSp>
             <p:nvCxnSpPr>
-              <p:cNvPr id="3578" name="Straight Arrow Connector 3577"/>
+              <p:cNvPr id="2217" name="Straight Arrow Connector 2216"/>
               <p:cNvCxnSpPr/>
               <p:nvPr/>
             </p:nvCxnSpPr>
@@ -17692,7 +17692,7 @@
           </p:cxnSp>
           <p:cxnSp>
             <p:nvCxnSpPr>
-              <p:cNvPr id="3579" name="Straight Arrow Connector 3578"/>
+              <p:cNvPr id="2218" name="Straight Arrow Connector 2217"/>
               <p:cNvCxnSpPr/>
               <p:nvPr/>
             </p:nvCxnSpPr>
@@ -17730,7 +17730,7 @@
         </p:grpSp>
         <p:grpSp>
           <p:nvGrpSpPr>
-            <p:cNvPr id="3565" name="Group 3564"/>
+            <p:cNvPr id="2204" name="Group 2203"/>
             <p:cNvGrpSpPr/>
             <p:nvPr/>
           </p:nvGrpSpPr>
@@ -17744,7 +17744,7 @@
           </p:grpSpPr>
           <p:cxnSp>
             <p:nvCxnSpPr>
-              <p:cNvPr id="3574" name="Straight Arrow Connector 3573"/>
+              <p:cNvPr id="2213" name="Straight Arrow Connector 2212"/>
               <p:cNvCxnSpPr/>
               <p:nvPr/>
             </p:nvCxnSpPr>
@@ -17781,7 +17781,7 @@
           </p:cxnSp>
           <p:cxnSp>
             <p:nvCxnSpPr>
-              <p:cNvPr id="3575" name="Straight Arrow Connector 3574"/>
+              <p:cNvPr id="2214" name="Straight Arrow Connector 2213"/>
               <p:cNvCxnSpPr/>
               <p:nvPr/>
             </p:nvCxnSpPr>
@@ -17818,7 +17818,7 @@
           </p:cxnSp>
           <p:cxnSp>
             <p:nvCxnSpPr>
-              <p:cNvPr id="3576" name="Straight Arrow Connector 3575"/>
+              <p:cNvPr id="2215" name="Straight Arrow Connector 2214"/>
               <p:cNvCxnSpPr/>
               <p:nvPr/>
             </p:nvCxnSpPr>
@@ -17856,7 +17856,7 @@
         </p:grpSp>
         <p:grpSp>
           <p:nvGrpSpPr>
-            <p:cNvPr id="3566" name="Group 3565"/>
+            <p:cNvPr id="2205" name="Group 2204"/>
             <p:cNvGrpSpPr/>
             <p:nvPr/>
           </p:nvGrpSpPr>
@@ -17870,7 +17870,7 @@
           </p:grpSpPr>
           <p:cxnSp>
             <p:nvCxnSpPr>
-              <p:cNvPr id="3571" name="Straight Arrow Connector 3570"/>
+              <p:cNvPr id="2210" name="Straight Arrow Connector 2209"/>
               <p:cNvCxnSpPr/>
               <p:nvPr/>
             </p:nvCxnSpPr>
@@ -17907,7 +17907,7 @@
           </p:cxnSp>
           <p:cxnSp>
             <p:nvCxnSpPr>
-              <p:cNvPr id="3572" name="Straight Arrow Connector 3571"/>
+              <p:cNvPr id="2211" name="Straight Arrow Connector 2210"/>
               <p:cNvCxnSpPr/>
               <p:nvPr/>
             </p:nvCxnSpPr>
@@ -17944,7 +17944,7 @@
           </p:cxnSp>
           <p:cxnSp>
             <p:nvCxnSpPr>
-              <p:cNvPr id="3573" name="Straight Arrow Connector 3572"/>
+              <p:cNvPr id="2212" name="Straight Arrow Connector 2211"/>
               <p:cNvCxnSpPr/>
               <p:nvPr/>
             </p:nvCxnSpPr>
@@ -17982,7 +17982,7 @@
         </p:grpSp>
         <p:grpSp>
           <p:nvGrpSpPr>
-            <p:cNvPr id="3567" name="Group 3566"/>
+            <p:cNvPr id="2206" name="Group 2205"/>
             <p:cNvGrpSpPr/>
             <p:nvPr/>
           </p:nvGrpSpPr>
@@ -17996,7 +17996,7 @@
           </p:grpSpPr>
           <p:cxnSp>
             <p:nvCxnSpPr>
-              <p:cNvPr id="3568" name="Straight Arrow Connector 3567"/>
+              <p:cNvPr id="2207" name="Straight Arrow Connector 2206"/>
               <p:cNvCxnSpPr/>
               <p:nvPr/>
             </p:nvCxnSpPr>
@@ -18033,7 +18033,7 @@
           </p:cxnSp>
           <p:cxnSp>
             <p:nvCxnSpPr>
-              <p:cNvPr id="3569" name="Straight Arrow Connector 3568"/>
+              <p:cNvPr id="2208" name="Straight Arrow Connector 2207"/>
               <p:cNvCxnSpPr/>
               <p:nvPr/>
             </p:nvCxnSpPr>
@@ -18070,7 +18070,7 @@
           </p:cxnSp>
           <p:cxnSp>
             <p:nvCxnSpPr>
-              <p:cNvPr id="3570" name="Straight Arrow Connector 3569"/>
+              <p:cNvPr id="2209" name="Straight Arrow Connector 2208"/>
               <p:cNvCxnSpPr/>
               <p:nvPr/>
             </p:nvCxnSpPr>
@@ -18109,13 +18109,13 @@
       </p:grpSp>
       <p:grpSp>
         <p:nvGrpSpPr>
-          <p:cNvPr id="3580" name="Group 3579"/>
+          <p:cNvPr id="2219" name="Group 2218"/>
           <p:cNvGrpSpPr/>
           <p:nvPr/>
         </p:nvGrpSpPr>
         <p:grpSpPr>
           <a:xfrm>
-            <a:off x="8772906" y="11782159"/>
+            <a:off x="8772906" y="11320351"/>
             <a:ext cx="361516" cy="1897145"/>
             <a:chOff x="11308644" y="3365911"/>
             <a:chExt cx="361516" cy="1897145"/>
@@ -18123,7 +18123,7 @@
         </p:grpSpPr>
         <p:grpSp>
           <p:nvGrpSpPr>
-            <p:cNvPr id="3581" name="Group 3580"/>
+            <p:cNvPr id="2220" name="Group 2219"/>
             <p:cNvGrpSpPr/>
             <p:nvPr/>
           </p:nvGrpSpPr>
@@ -18137,7 +18137,7 @@
           </p:grpSpPr>
           <p:cxnSp>
             <p:nvCxnSpPr>
-              <p:cNvPr id="3594" name="Straight Arrow Connector 3593"/>
+              <p:cNvPr id="2233" name="Straight Arrow Connector 2232"/>
               <p:cNvCxnSpPr/>
               <p:nvPr/>
             </p:nvCxnSpPr>
@@ -18174,7 +18174,7 @@
           </p:cxnSp>
           <p:cxnSp>
             <p:nvCxnSpPr>
-              <p:cNvPr id="3595" name="Straight Arrow Connector 3594"/>
+              <p:cNvPr id="2234" name="Straight Arrow Connector 2233"/>
               <p:cNvCxnSpPr/>
               <p:nvPr/>
             </p:nvCxnSpPr>
@@ -18211,7 +18211,7 @@
           </p:cxnSp>
           <p:cxnSp>
             <p:nvCxnSpPr>
-              <p:cNvPr id="3596" name="Straight Arrow Connector 3595"/>
+              <p:cNvPr id="2235" name="Straight Arrow Connector 2234"/>
               <p:cNvCxnSpPr/>
               <p:nvPr/>
             </p:nvCxnSpPr>
@@ -18249,7 +18249,7 @@
         </p:grpSp>
         <p:grpSp>
           <p:nvGrpSpPr>
-            <p:cNvPr id="3582" name="Group 3581"/>
+            <p:cNvPr id="2221" name="Group 2220"/>
             <p:cNvGrpSpPr/>
             <p:nvPr/>
           </p:nvGrpSpPr>
@@ -18263,7 +18263,7 @@
           </p:grpSpPr>
           <p:cxnSp>
             <p:nvCxnSpPr>
-              <p:cNvPr id="3591" name="Straight Arrow Connector 3590"/>
+              <p:cNvPr id="2230" name="Straight Arrow Connector 2229"/>
               <p:cNvCxnSpPr/>
               <p:nvPr/>
             </p:nvCxnSpPr>
@@ -18300,7 +18300,7 @@
           </p:cxnSp>
           <p:cxnSp>
             <p:nvCxnSpPr>
-              <p:cNvPr id="3592" name="Straight Arrow Connector 3591"/>
+              <p:cNvPr id="2231" name="Straight Arrow Connector 2230"/>
               <p:cNvCxnSpPr/>
               <p:nvPr/>
             </p:nvCxnSpPr>
@@ -18337,7 +18337,7 @@
           </p:cxnSp>
           <p:cxnSp>
             <p:nvCxnSpPr>
-              <p:cNvPr id="3593" name="Straight Arrow Connector 3592"/>
+              <p:cNvPr id="2232" name="Straight Arrow Connector 2231"/>
               <p:cNvCxnSpPr/>
               <p:nvPr/>
             </p:nvCxnSpPr>
@@ -18375,7 +18375,7 @@
         </p:grpSp>
         <p:grpSp>
           <p:nvGrpSpPr>
-            <p:cNvPr id="3583" name="Group 3582"/>
+            <p:cNvPr id="2222" name="Group 2221"/>
             <p:cNvGrpSpPr/>
             <p:nvPr/>
           </p:nvGrpSpPr>
@@ -18389,7 +18389,7 @@
           </p:grpSpPr>
           <p:cxnSp>
             <p:nvCxnSpPr>
-              <p:cNvPr id="3588" name="Straight Arrow Connector 3587"/>
+              <p:cNvPr id="2227" name="Straight Arrow Connector 2226"/>
               <p:cNvCxnSpPr/>
               <p:nvPr/>
             </p:nvCxnSpPr>
@@ -18426,7 +18426,7 @@
           </p:cxnSp>
           <p:cxnSp>
             <p:nvCxnSpPr>
-              <p:cNvPr id="3589" name="Straight Arrow Connector 3588"/>
+              <p:cNvPr id="2228" name="Straight Arrow Connector 2227"/>
               <p:cNvCxnSpPr/>
               <p:nvPr/>
             </p:nvCxnSpPr>
@@ -18463,7 +18463,7 @@
           </p:cxnSp>
           <p:cxnSp>
             <p:nvCxnSpPr>
-              <p:cNvPr id="3590" name="Straight Arrow Connector 3589"/>
+              <p:cNvPr id="2229" name="Straight Arrow Connector 2228"/>
               <p:cNvCxnSpPr/>
               <p:nvPr/>
             </p:nvCxnSpPr>
@@ -18501,7 +18501,7 @@
         </p:grpSp>
         <p:grpSp>
           <p:nvGrpSpPr>
-            <p:cNvPr id="3584" name="Group 3583"/>
+            <p:cNvPr id="2223" name="Group 2222"/>
             <p:cNvGrpSpPr/>
             <p:nvPr/>
           </p:nvGrpSpPr>
@@ -18515,7 +18515,7 @@
           </p:grpSpPr>
           <p:cxnSp>
             <p:nvCxnSpPr>
-              <p:cNvPr id="3585" name="Straight Arrow Connector 3584"/>
+              <p:cNvPr id="2224" name="Straight Arrow Connector 2223"/>
               <p:cNvCxnSpPr/>
               <p:nvPr/>
             </p:nvCxnSpPr>
@@ -18552,7 +18552,7 @@
           </p:cxnSp>
           <p:cxnSp>
             <p:nvCxnSpPr>
-              <p:cNvPr id="3586" name="Straight Arrow Connector 3585"/>
+              <p:cNvPr id="2225" name="Straight Arrow Connector 2224"/>
               <p:cNvCxnSpPr/>
               <p:nvPr/>
             </p:nvCxnSpPr>
@@ -18589,7 +18589,7 @@
           </p:cxnSp>
           <p:cxnSp>
             <p:nvCxnSpPr>
-              <p:cNvPr id="3587" name="Straight Arrow Connector 3586"/>
+              <p:cNvPr id="2226" name="Straight Arrow Connector 2225"/>
               <p:cNvCxnSpPr/>
               <p:nvPr/>
             </p:nvCxnSpPr>
@@ -18628,13 +18628,13 @@
       </p:grpSp>
       <p:grpSp>
         <p:nvGrpSpPr>
-          <p:cNvPr id="3597" name="Group 3596"/>
+          <p:cNvPr id="2236" name="Group 2235"/>
           <p:cNvGrpSpPr/>
           <p:nvPr/>
         </p:nvGrpSpPr>
         <p:grpSpPr>
           <a:xfrm rot="5400000">
-            <a:off x="8722711" y="11374057"/>
+            <a:off x="8722711" y="10912249"/>
             <a:ext cx="458297" cy="334817"/>
             <a:chOff x="6330339" y="5786642"/>
             <a:chExt cx="631500" cy="334817"/>
@@ -18642,7 +18642,7 @@
         </p:grpSpPr>
         <p:cxnSp>
           <p:nvCxnSpPr>
-            <p:cNvPr id="3598" name="Straight Arrow Connector 3597"/>
+            <p:cNvPr id="2237" name="Straight Arrow Connector 2236"/>
             <p:cNvCxnSpPr/>
             <p:nvPr/>
           </p:nvCxnSpPr>
@@ -18679,7 +18679,7 @@
         </p:cxnSp>
         <p:cxnSp>
           <p:nvCxnSpPr>
-            <p:cNvPr id="3599" name="Straight Arrow Connector 3598"/>
+            <p:cNvPr id="2238" name="Straight Arrow Connector 2237"/>
             <p:cNvCxnSpPr/>
             <p:nvPr/>
           </p:nvCxnSpPr>
@@ -18716,7 +18716,7 @@
         </p:cxnSp>
         <p:cxnSp>
           <p:nvCxnSpPr>
-            <p:cNvPr id="3600" name="Straight Arrow Connector 3599"/>
+            <p:cNvPr id="2239" name="Straight Arrow Connector 2238"/>
             <p:cNvCxnSpPr/>
             <p:nvPr/>
           </p:nvCxnSpPr>
@@ -18754,13 +18754,13 @@
       </p:grpSp>
       <p:cxnSp>
         <p:nvCxnSpPr>
-          <p:cNvPr id="3601" name="Straight Arrow Connector 3600"/>
+          <p:cNvPr id="2240" name="Straight Arrow Connector 2239"/>
           <p:cNvCxnSpPr/>
           <p:nvPr/>
         </p:nvCxnSpPr>
         <p:spPr>
           <a:xfrm flipH="1">
-            <a:off x="12794249" y="14978639"/>
+            <a:off x="12794249" y="14516831"/>
             <a:ext cx="764856" cy="0"/>
           </a:xfrm>
           <a:prstGeom prst="straightConnector1">
@@ -18791,13 +18791,13 @@
       </p:cxnSp>
       <p:cxnSp>
         <p:nvCxnSpPr>
-          <p:cNvPr id="3602" name="Straight Arrow Connector 3601"/>
+          <p:cNvPr id="2241" name="Straight Arrow Connector 2240"/>
           <p:cNvCxnSpPr/>
           <p:nvPr/>
         </p:nvCxnSpPr>
         <p:spPr>
           <a:xfrm>
-            <a:off x="19126165" y="14910512"/>
+            <a:off x="19126165" y="14448704"/>
             <a:ext cx="1026104" cy="0"/>
           </a:xfrm>
           <a:prstGeom prst="straightConnector1">
@@ -18828,13 +18828,13 @@
       </p:cxnSp>
       <p:cxnSp>
         <p:nvCxnSpPr>
-          <p:cNvPr id="3603" name="Straight Arrow Connector 3602"/>
+          <p:cNvPr id="2242" name="Straight Arrow Connector 2241"/>
           <p:cNvCxnSpPr/>
           <p:nvPr/>
         </p:nvCxnSpPr>
         <p:spPr>
           <a:xfrm>
-            <a:off x="19113036" y="22318076"/>
+            <a:off x="19113036" y="21548396"/>
             <a:ext cx="1026104" cy="0"/>
           </a:xfrm>
           <a:prstGeom prst="straightConnector1">
@@ -18865,13 +18865,13 @@
       </p:cxnSp>
       <p:cxnSp>
         <p:nvCxnSpPr>
-          <p:cNvPr id="3604" name="Straight Arrow Connector 3603"/>
+          <p:cNvPr id="2243" name="Straight Arrow Connector 2242"/>
           <p:cNvCxnSpPr/>
           <p:nvPr/>
         </p:nvCxnSpPr>
         <p:spPr>
           <a:xfrm>
-            <a:off x="19126165" y="27077112"/>
+            <a:off x="19126165" y="25730174"/>
             <a:ext cx="1026104" cy="0"/>
           </a:xfrm>
           <a:prstGeom prst="straightConnector1">
@@ -18902,13 +18902,13 @@
       </p:cxnSp>
       <p:cxnSp>
         <p:nvCxnSpPr>
-          <p:cNvPr id="3605" name="Straight Arrow Connector 3604"/>
+          <p:cNvPr id="2244" name="Straight Arrow Connector 2243"/>
           <p:cNvCxnSpPr/>
           <p:nvPr/>
         </p:nvCxnSpPr>
         <p:spPr>
           <a:xfrm flipH="1">
-            <a:off x="12946649" y="19050713"/>
+            <a:off x="12946649" y="18281033"/>
             <a:ext cx="2168426" cy="0"/>
           </a:xfrm>
           <a:prstGeom prst="straightConnector1">
@@ -18939,13 +18939,13 @@
       </p:cxnSp>
       <p:cxnSp>
         <p:nvCxnSpPr>
-          <p:cNvPr id="3606" name="Straight Arrow Connector 3605"/>
+          <p:cNvPr id="2245" name="Straight Arrow Connector 2244"/>
           <p:cNvCxnSpPr/>
           <p:nvPr/>
         </p:nvCxnSpPr>
         <p:spPr>
           <a:xfrm flipH="1">
-            <a:off x="2648402" y="30585885"/>
+            <a:off x="2648402" y="29238947"/>
             <a:ext cx="503344" cy="1168603"/>
           </a:xfrm>
           <a:prstGeom prst="straightConnector1">
@@ -18976,13 +18976,13 @@
       </p:cxnSp>
       <p:grpSp>
         <p:nvGrpSpPr>
-          <p:cNvPr id="3607" name="Group 3606"/>
+          <p:cNvPr id="2246" name="Group 2245"/>
           <p:cNvGrpSpPr/>
           <p:nvPr/>
         </p:nvGrpSpPr>
         <p:grpSpPr>
           <a:xfrm>
-            <a:off x="4922374" y="23413829"/>
+            <a:off x="4922374" y="22644149"/>
             <a:ext cx="374545" cy="337125"/>
             <a:chOff x="6330339" y="5786642"/>
             <a:chExt cx="631500" cy="337125"/>
@@ -18990,7 +18990,7 @@
         </p:grpSpPr>
         <p:cxnSp>
           <p:nvCxnSpPr>
-            <p:cNvPr id="3608" name="Straight Arrow Connector 3607"/>
+            <p:cNvPr id="2247" name="Straight Arrow Connector 2246"/>
             <p:cNvCxnSpPr/>
             <p:nvPr/>
           </p:nvCxnSpPr>
@@ -19027,7 +19027,7 @@
         </p:cxnSp>
         <p:cxnSp>
           <p:nvCxnSpPr>
-            <p:cNvPr id="3609" name="Straight Arrow Connector 3608"/>
+            <p:cNvPr id="2248" name="Straight Arrow Connector 2247"/>
             <p:cNvCxnSpPr/>
             <p:nvPr/>
           </p:nvCxnSpPr>
@@ -19064,7 +19064,7 @@
         </p:cxnSp>
         <p:cxnSp>
           <p:nvCxnSpPr>
-            <p:cNvPr id="3610" name="Straight Arrow Connector 3609"/>
+            <p:cNvPr id="2249" name="Straight Arrow Connector 2248"/>
             <p:cNvCxnSpPr/>
             <p:nvPr/>
           </p:nvCxnSpPr>
@@ -19102,13 +19102,13 @@
       </p:grpSp>
       <p:grpSp>
         <p:nvGrpSpPr>
-          <p:cNvPr id="3611" name="Group 3610"/>
+          <p:cNvPr id="2250" name="Group 2249"/>
           <p:cNvGrpSpPr/>
           <p:nvPr/>
         </p:nvGrpSpPr>
         <p:grpSpPr>
           <a:xfrm>
-            <a:off x="4547829" y="23410276"/>
+            <a:off x="4547829" y="22640596"/>
             <a:ext cx="374545" cy="337125"/>
             <a:chOff x="6330339" y="5786642"/>
             <a:chExt cx="631500" cy="337125"/>
@@ -19116,7 +19116,7 @@
         </p:grpSpPr>
         <p:cxnSp>
           <p:nvCxnSpPr>
-            <p:cNvPr id="3612" name="Straight Arrow Connector 3611"/>
+            <p:cNvPr id="2251" name="Straight Arrow Connector 2250"/>
             <p:cNvCxnSpPr/>
             <p:nvPr/>
           </p:nvCxnSpPr>
@@ -19153,7 +19153,7 @@
         </p:cxnSp>
         <p:cxnSp>
           <p:nvCxnSpPr>
-            <p:cNvPr id="3613" name="Straight Arrow Connector 3612"/>
+            <p:cNvPr id="2252" name="Straight Arrow Connector 2251"/>
             <p:cNvCxnSpPr/>
             <p:nvPr/>
           </p:nvCxnSpPr>
@@ -19190,7 +19190,7 @@
         </p:cxnSp>
         <p:cxnSp>
           <p:nvCxnSpPr>
-            <p:cNvPr id="3614" name="Straight Arrow Connector 3613"/>
+            <p:cNvPr id="2253" name="Straight Arrow Connector 2252"/>
             <p:cNvCxnSpPr/>
             <p:nvPr/>
           </p:nvCxnSpPr>
@@ -19228,13 +19228,13 @@
       </p:grpSp>
       <p:grpSp>
         <p:nvGrpSpPr>
-          <p:cNvPr id="3615" name="Group 3614"/>
+          <p:cNvPr id="2254" name="Group 2253"/>
           <p:cNvGrpSpPr/>
           <p:nvPr/>
         </p:nvGrpSpPr>
         <p:grpSpPr>
           <a:xfrm>
-            <a:off x="4583488" y="31322811"/>
+            <a:off x="4583488" y="29975873"/>
             <a:ext cx="2135687" cy="389405"/>
             <a:chOff x="7435565" y="19910283"/>
             <a:chExt cx="1873468" cy="354203"/>
@@ -19242,7 +19242,7 @@
         </p:grpSpPr>
         <p:grpSp>
           <p:nvGrpSpPr>
-            <p:cNvPr id="3616" name="Group 3615"/>
+            <p:cNvPr id="2255" name="Group 2254"/>
             <p:cNvGrpSpPr/>
             <p:nvPr/>
           </p:nvGrpSpPr>
@@ -19256,7 +19256,7 @@
           </p:grpSpPr>
           <p:grpSp>
             <p:nvGrpSpPr>
-              <p:cNvPr id="3621" name="Group 3620"/>
+              <p:cNvPr id="2260" name="Group 2259"/>
               <p:cNvGrpSpPr/>
               <p:nvPr/>
             </p:nvGrpSpPr>
@@ -19270,7 +19270,7 @@
             </p:grpSpPr>
             <p:cxnSp>
               <p:nvCxnSpPr>
-                <p:cNvPr id="3634" name="Straight Arrow Connector 3633"/>
+                <p:cNvPr id="2273" name="Straight Arrow Connector 2272"/>
                 <p:cNvCxnSpPr/>
                 <p:nvPr/>
               </p:nvCxnSpPr>
@@ -19307,7 +19307,7 @@
             </p:cxnSp>
             <p:cxnSp>
               <p:nvCxnSpPr>
-                <p:cNvPr id="3635" name="Straight Arrow Connector 3634"/>
+                <p:cNvPr id="2274" name="Straight Arrow Connector 2273"/>
                 <p:cNvCxnSpPr/>
                 <p:nvPr/>
               </p:nvCxnSpPr>
@@ -19344,7 +19344,7 @@
             </p:cxnSp>
             <p:cxnSp>
               <p:nvCxnSpPr>
-                <p:cNvPr id="3636" name="Straight Arrow Connector 3635"/>
+                <p:cNvPr id="2275" name="Straight Arrow Connector 2274"/>
                 <p:cNvCxnSpPr/>
                 <p:nvPr/>
               </p:nvCxnSpPr>
@@ -19382,7 +19382,7 @@
           </p:grpSp>
           <p:grpSp>
             <p:nvGrpSpPr>
-              <p:cNvPr id="3622" name="Group 3621"/>
+              <p:cNvPr id="2261" name="Group 2260"/>
               <p:cNvGrpSpPr/>
               <p:nvPr/>
             </p:nvGrpSpPr>
@@ -19396,7 +19396,7 @@
             </p:grpSpPr>
             <p:cxnSp>
               <p:nvCxnSpPr>
-                <p:cNvPr id="3631" name="Straight Arrow Connector 3630"/>
+                <p:cNvPr id="2270" name="Straight Arrow Connector 2269"/>
                 <p:cNvCxnSpPr/>
                 <p:nvPr/>
               </p:nvCxnSpPr>
@@ -19433,7 +19433,7 @@
             </p:cxnSp>
             <p:cxnSp>
               <p:nvCxnSpPr>
-                <p:cNvPr id="3632" name="Straight Arrow Connector 3631"/>
+                <p:cNvPr id="2271" name="Straight Arrow Connector 2270"/>
                 <p:cNvCxnSpPr/>
                 <p:nvPr/>
               </p:nvCxnSpPr>
@@ -19470,7 +19470,7 @@
             </p:cxnSp>
             <p:cxnSp>
               <p:nvCxnSpPr>
-                <p:cNvPr id="3633" name="Straight Arrow Connector 3632"/>
+                <p:cNvPr id="2272" name="Straight Arrow Connector 2271"/>
                 <p:cNvCxnSpPr/>
                 <p:nvPr/>
               </p:nvCxnSpPr>
@@ -19508,7 +19508,7 @@
           </p:grpSp>
           <p:grpSp>
             <p:nvGrpSpPr>
-              <p:cNvPr id="3623" name="Group 3622"/>
+              <p:cNvPr id="2262" name="Group 2261"/>
               <p:cNvGrpSpPr/>
               <p:nvPr/>
             </p:nvGrpSpPr>
@@ -19522,7 +19522,7 @@
             </p:grpSpPr>
             <p:cxnSp>
               <p:nvCxnSpPr>
-                <p:cNvPr id="3628" name="Straight Arrow Connector 3627"/>
+                <p:cNvPr id="2267" name="Straight Arrow Connector 2266"/>
                 <p:cNvCxnSpPr/>
                 <p:nvPr/>
               </p:nvCxnSpPr>
@@ -19559,7 +19559,7 @@
             </p:cxnSp>
             <p:cxnSp>
               <p:nvCxnSpPr>
-                <p:cNvPr id="3629" name="Straight Arrow Connector 3628"/>
+                <p:cNvPr id="2268" name="Straight Arrow Connector 2267"/>
                 <p:cNvCxnSpPr/>
                 <p:nvPr/>
               </p:nvCxnSpPr>
@@ -19596,7 +19596,7 @@
             </p:cxnSp>
             <p:cxnSp>
               <p:nvCxnSpPr>
-                <p:cNvPr id="3630" name="Straight Arrow Connector 3629"/>
+                <p:cNvPr id="2269" name="Straight Arrow Connector 2268"/>
                 <p:cNvCxnSpPr/>
                 <p:nvPr/>
               </p:nvCxnSpPr>
@@ -19634,7 +19634,7 @@
           </p:grpSp>
           <p:grpSp>
             <p:nvGrpSpPr>
-              <p:cNvPr id="3624" name="Group 3623"/>
+              <p:cNvPr id="2263" name="Group 2262"/>
               <p:cNvGrpSpPr/>
               <p:nvPr/>
             </p:nvGrpSpPr>
@@ -19648,7 +19648,7 @@
             </p:grpSpPr>
             <p:cxnSp>
               <p:nvCxnSpPr>
-                <p:cNvPr id="3625" name="Straight Arrow Connector 3624"/>
+                <p:cNvPr id="2264" name="Straight Arrow Connector 2263"/>
                 <p:cNvCxnSpPr/>
                 <p:nvPr/>
               </p:nvCxnSpPr>
@@ -19685,7 +19685,7 @@
             </p:cxnSp>
             <p:cxnSp>
               <p:nvCxnSpPr>
-                <p:cNvPr id="3626" name="Straight Arrow Connector 3625"/>
+                <p:cNvPr id="2265" name="Straight Arrow Connector 2264"/>
                 <p:cNvCxnSpPr/>
                 <p:nvPr/>
               </p:nvCxnSpPr>
@@ -19722,7 +19722,7 @@
             </p:cxnSp>
             <p:cxnSp>
               <p:nvCxnSpPr>
-                <p:cNvPr id="3627" name="Straight Arrow Connector 3626"/>
+                <p:cNvPr id="2266" name="Straight Arrow Connector 2265"/>
                 <p:cNvCxnSpPr/>
                 <p:nvPr/>
               </p:nvCxnSpPr>
@@ -19761,7 +19761,7 @@
         </p:grpSp>
         <p:grpSp>
           <p:nvGrpSpPr>
-            <p:cNvPr id="3617" name="Group 3616"/>
+            <p:cNvPr id="2256" name="Group 2255"/>
             <p:cNvGrpSpPr/>
             <p:nvPr/>
           </p:nvGrpSpPr>
@@ -19775,7 +19775,7 @@
           </p:grpSpPr>
           <p:cxnSp>
             <p:nvCxnSpPr>
-              <p:cNvPr id="3618" name="Straight Arrow Connector 3617"/>
+              <p:cNvPr id="2257" name="Straight Arrow Connector 2256"/>
               <p:cNvCxnSpPr/>
               <p:nvPr/>
             </p:nvCxnSpPr>
@@ -19812,7 +19812,7 @@
           </p:cxnSp>
           <p:cxnSp>
             <p:nvCxnSpPr>
-              <p:cNvPr id="3619" name="Straight Arrow Connector 3618"/>
+              <p:cNvPr id="2258" name="Straight Arrow Connector 2257"/>
               <p:cNvCxnSpPr/>
               <p:nvPr/>
             </p:nvCxnSpPr>
@@ -19849,7 +19849,7 @@
           </p:cxnSp>
           <p:cxnSp>
             <p:nvCxnSpPr>
-              <p:cNvPr id="3620" name="Straight Arrow Connector 3619"/>
+              <p:cNvPr id="2259" name="Straight Arrow Connector 2258"/>
               <p:cNvCxnSpPr/>
               <p:nvPr/>
             </p:nvCxnSpPr>
@@ -19888,13 +19888,13 @@
       </p:grpSp>
       <p:grpSp>
         <p:nvGrpSpPr>
-          <p:cNvPr id="3637" name="Group 3636"/>
+          <p:cNvPr id="2276" name="Group 2275"/>
           <p:cNvGrpSpPr/>
           <p:nvPr/>
         </p:nvGrpSpPr>
         <p:grpSpPr>
           <a:xfrm>
-            <a:off x="8761360" y="21143676"/>
+            <a:off x="8761360" y="20373996"/>
             <a:ext cx="361516" cy="1897145"/>
             <a:chOff x="11308644" y="3365911"/>
             <a:chExt cx="361516" cy="1897145"/>
@@ -19902,7 +19902,7 @@
         </p:grpSpPr>
         <p:grpSp>
           <p:nvGrpSpPr>
-            <p:cNvPr id="3638" name="Group 3637"/>
+            <p:cNvPr id="2277" name="Group 2276"/>
             <p:cNvGrpSpPr/>
             <p:nvPr/>
           </p:nvGrpSpPr>
@@ -19916,7 +19916,7 @@
           </p:grpSpPr>
           <p:cxnSp>
             <p:nvCxnSpPr>
-              <p:cNvPr id="3651" name="Straight Arrow Connector 3650"/>
+              <p:cNvPr id="2290" name="Straight Arrow Connector 2289"/>
               <p:cNvCxnSpPr/>
               <p:nvPr/>
             </p:nvCxnSpPr>
@@ -19953,7 +19953,7 @@
           </p:cxnSp>
           <p:cxnSp>
             <p:nvCxnSpPr>
-              <p:cNvPr id="3652" name="Straight Arrow Connector 3651"/>
+              <p:cNvPr id="2291" name="Straight Arrow Connector 2290"/>
               <p:cNvCxnSpPr/>
               <p:nvPr/>
             </p:nvCxnSpPr>
@@ -19990,7 +19990,7 @@
           </p:cxnSp>
           <p:cxnSp>
             <p:nvCxnSpPr>
-              <p:cNvPr id="3653" name="Straight Arrow Connector 3652"/>
+              <p:cNvPr id="2292" name="Straight Arrow Connector 2291"/>
               <p:cNvCxnSpPr/>
               <p:nvPr/>
             </p:nvCxnSpPr>
@@ -20028,7 +20028,7 @@
         </p:grpSp>
         <p:grpSp>
           <p:nvGrpSpPr>
-            <p:cNvPr id="3639" name="Group 3638"/>
+            <p:cNvPr id="2278" name="Group 2277"/>
             <p:cNvGrpSpPr/>
             <p:nvPr/>
           </p:nvGrpSpPr>
@@ -20042,7 +20042,7 @@
           </p:grpSpPr>
           <p:cxnSp>
             <p:nvCxnSpPr>
-              <p:cNvPr id="3648" name="Straight Arrow Connector 3647"/>
+              <p:cNvPr id="2287" name="Straight Arrow Connector 2286"/>
               <p:cNvCxnSpPr/>
               <p:nvPr/>
             </p:nvCxnSpPr>
@@ -20079,7 +20079,7 @@
           </p:cxnSp>
           <p:cxnSp>
             <p:nvCxnSpPr>
-              <p:cNvPr id="3649" name="Straight Arrow Connector 3648"/>
+              <p:cNvPr id="2288" name="Straight Arrow Connector 2287"/>
               <p:cNvCxnSpPr/>
               <p:nvPr/>
             </p:nvCxnSpPr>
@@ -20116,7 +20116,7 @@
           </p:cxnSp>
           <p:cxnSp>
             <p:nvCxnSpPr>
-              <p:cNvPr id="3650" name="Straight Arrow Connector 3649"/>
+              <p:cNvPr id="2289" name="Straight Arrow Connector 2288"/>
               <p:cNvCxnSpPr/>
               <p:nvPr/>
             </p:nvCxnSpPr>
@@ -20154,7 +20154,7 @@
         </p:grpSp>
         <p:grpSp>
           <p:nvGrpSpPr>
-            <p:cNvPr id="3640" name="Group 3639"/>
+            <p:cNvPr id="2279" name="Group 2278"/>
             <p:cNvGrpSpPr/>
             <p:nvPr/>
           </p:nvGrpSpPr>
@@ -20168,7 +20168,7 @@
           </p:grpSpPr>
           <p:cxnSp>
             <p:nvCxnSpPr>
-              <p:cNvPr id="3645" name="Straight Arrow Connector 3644"/>
+              <p:cNvPr id="2284" name="Straight Arrow Connector 2283"/>
               <p:cNvCxnSpPr/>
               <p:nvPr/>
             </p:nvCxnSpPr>
@@ -20205,7 +20205,7 @@
           </p:cxnSp>
           <p:cxnSp>
             <p:nvCxnSpPr>
-              <p:cNvPr id="3646" name="Straight Arrow Connector 3645"/>
+              <p:cNvPr id="2285" name="Straight Arrow Connector 2284"/>
               <p:cNvCxnSpPr/>
               <p:nvPr/>
             </p:nvCxnSpPr>
@@ -20242,7 +20242,7 @@
           </p:cxnSp>
           <p:cxnSp>
             <p:nvCxnSpPr>
-              <p:cNvPr id="3647" name="Straight Arrow Connector 3646"/>
+              <p:cNvPr id="2286" name="Straight Arrow Connector 2285"/>
               <p:cNvCxnSpPr/>
               <p:nvPr/>
             </p:nvCxnSpPr>
@@ -20280,7 +20280,7 @@
         </p:grpSp>
         <p:grpSp>
           <p:nvGrpSpPr>
-            <p:cNvPr id="3641" name="Group 3640"/>
+            <p:cNvPr id="2280" name="Group 2279"/>
             <p:cNvGrpSpPr/>
             <p:nvPr/>
           </p:nvGrpSpPr>
@@ -20294,7 +20294,7 @@
           </p:grpSpPr>
           <p:cxnSp>
             <p:nvCxnSpPr>
-              <p:cNvPr id="3642" name="Straight Arrow Connector 3641"/>
+              <p:cNvPr id="2281" name="Straight Arrow Connector 2280"/>
               <p:cNvCxnSpPr/>
               <p:nvPr/>
             </p:nvCxnSpPr>
@@ -20331,7 +20331,7 @@
           </p:cxnSp>
           <p:cxnSp>
             <p:nvCxnSpPr>
-              <p:cNvPr id="3643" name="Straight Arrow Connector 3642"/>
+              <p:cNvPr id="2282" name="Straight Arrow Connector 2281"/>
               <p:cNvCxnSpPr/>
               <p:nvPr/>
             </p:nvCxnSpPr>
@@ -20368,7 +20368,7 @@
           </p:cxnSp>
           <p:cxnSp>
             <p:nvCxnSpPr>
-              <p:cNvPr id="3644" name="Straight Arrow Connector 3643"/>
+              <p:cNvPr id="2283" name="Straight Arrow Connector 2282"/>
               <p:cNvCxnSpPr/>
               <p:nvPr/>
             </p:nvCxnSpPr>
@@ -20407,13 +20407,13 @@
       </p:grpSp>
       <p:grpSp>
         <p:nvGrpSpPr>
-          <p:cNvPr id="3654" name="Group 3653"/>
+          <p:cNvPr id="2293" name="Group 2292"/>
           <p:cNvGrpSpPr/>
           <p:nvPr/>
         </p:nvGrpSpPr>
         <p:grpSpPr>
           <a:xfrm rot="5400000">
-            <a:off x="8690240" y="20710454"/>
+            <a:off x="8690240" y="19940774"/>
             <a:ext cx="458297" cy="334817"/>
             <a:chOff x="6330339" y="5786642"/>
             <a:chExt cx="631500" cy="334817"/>
@@ -20421,7 +20421,7 @@
         </p:grpSpPr>
         <p:cxnSp>
           <p:nvCxnSpPr>
-            <p:cNvPr id="3655" name="Straight Arrow Connector 3654"/>
+            <p:cNvPr id="2294" name="Straight Arrow Connector 2293"/>
             <p:cNvCxnSpPr/>
             <p:nvPr/>
           </p:nvCxnSpPr>
@@ -20458,7 +20458,7 @@
         </p:cxnSp>
         <p:cxnSp>
           <p:nvCxnSpPr>
-            <p:cNvPr id="3656" name="Straight Arrow Connector 3655"/>
+            <p:cNvPr id="2295" name="Straight Arrow Connector 2294"/>
             <p:cNvCxnSpPr/>
             <p:nvPr/>
           </p:nvCxnSpPr>
@@ -20495,7 +20495,7 @@
         </p:cxnSp>
         <p:cxnSp>
           <p:nvCxnSpPr>
-            <p:cNvPr id="3657" name="Straight Arrow Connector 3656"/>
+            <p:cNvPr id="2296" name="Straight Arrow Connector 2295"/>
             <p:cNvCxnSpPr/>
             <p:nvPr/>
           </p:nvCxnSpPr>
@@ -20533,13 +20533,13 @@
       </p:grpSp>
       <p:grpSp>
         <p:nvGrpSpPr>
-          <p:cNvPr id="3658" name="Group 3657"/>
+          <p:cNvPr id="2297" name="Group 2296"/>
           <p:cNvGrpSpPr/>
           <p:nvPr/>
         </p:nvGrpSpPr>
         <p:grpSpPr>
           <a:xfrm rot="5400000">
-            <a:off x="8701996" y="20235069"/>
+            <a:off x="8701996" y="19465389"/>
             <a:ext cx="458297" cy="334817"/>
             <a:chOff x="6330339" y="5786642"/>
             <a:chExt cx="631500" cy="334817"/>
@@ -20547,7 +20547,7 @@
         </p:grpSpPr>
         <p:cxnSp>
           <p:nvCxnSpPr>
-            <p:cNvPr id="3659" name="Straight Arrow Connector 3658"/>
+            <p:cNvPr id="2298" name="Straight Arrow Connector 2297"/>
             <p:cNvCxnSpPr/>
             <p:nvPr/>
           </p:nvCxnSpPr>
@@ -20584,7 +20584,7 @@
         </p:cxnSp>
         <p:cxnSp>
           <p:nvCxnSpPr>
-            <p:cNvPr id="3660" name="Straight Arrow Connector 3659"/>
+            <p:cNvPr id="2299" name="Straight Arrow Connector 2298"/>
             <p:cNvCxnSpPr/>
             <p:nvPr/>
           </p:nvCxnSpPr>
@@ -20621,7 +20621,7 @@
         </p:cxnSp>
         <p:cxnSp>
           <p:nvCxnSpPr>
-            <p:cNvPr id="3661" name="Straight Arrow Connector 3660"/>
+            <p:cNvPr id="2300" name="Straight Arrow Connector 2299"/>
             <p:cNvCxnSpPr/>
             <p:nvPr/>
           </p:nvCxnSpPr>
@@ -20659,13 +20659,13 @@
       </p:grpSp>
       <p:grpSp>
         <p:nvGrpSpPr>
-          <p:cNvPr id="3662" name="Group 3661"/>
+          <p:cNvPr id="2301" name="Group 2300"/>
           <p:cNvGrpSpPr/>
           <p:nvPr/>
         </p:nvGrpSpPr>
         <p:grpSpPr>
           <a:xfrm rot="5400000">
-            <a:off x="8713542" y="19753487"/>
+            <a:off x="8713542" y="18983807"/>
             <a:ext cx="458297" cy="334817"/>
             <a:chOff x="6330339" y="5786642"/>
             <a:chExt cx="631500" cy="334817"/>
@@ -20673,7 +20673,7 @@
         </p:grpSpPr>
         <p:cxnSp>
           <p:nvCxnSpPr>
-            <p:cNvPr id="3663" name="Straight Arrow Connector 3662"/>
+            <p:cNvPr id="2302" name="Straight Arrow Connector 2301"/>
             <p:cNvCxnSpPr/>
             <p:nvPr/>
           </p:nvCxnSpPr>
@@ -20710,7 +20710,7 @@
         </p:cxnSp>
         <p:cxnSp>
           <p:nvCxnSpPr>
-            <p:cNvPr id="3664" name="Straight Arrow Connector 3663"/>
+            <p:cNvPr id="2303" name="Straight Arrow Connector 2302"/>
             <p:cNvCxnSpPr/>
             <p:nvPr/>
           </p:nvCxnSpPr>
@@ -20747,7 +20747,7 @@
         </p:cxnSp>
         <p:cxnSp>
           <p:nvCxnSpPr>
-            <p:cNvPr id="3665" name="Straight Arrow Connector 3664"/>
+            <p:cNvPr id="2304" name="Straight Arrow Connector 2303"/>
             <p:cNvCxnSpPr/>
             <p:nvPr/>
           </p:nvCxnSpPr>
@@ -20785,13 +20785,13 @@
       </p:grpSp>
       <p:grpSp>
         <p:nvGrpSpPr>
-          <p:cNvPr id="3666" name="Group 3665"/>
+          <p:cNvPr id="2305" name="Group 2304"/>
           <p:cNvGrpSpPr/>
           <p:nvPr/>
         </p:nvGrpSpPr>
         <p:grpSpPr>
           <a:xfrm rot="5400000">
-            <a:off x="8834245" y="19388914"/>
+            <a:off x="8834245" y="18619234"/>
             <a:ext cx="231831" cy="326667"/>
             <a:chOff x="6330339" y="5786642"/>
             <a:chExt cx="631500" cy="334817"/>
@@ -20799,7 +20799,7 @@
         </p:grpSpPr>
         <p:cxnSp>
           <p:nvCxnSpPr>
-            <p:cNvPr id="3667" name="Straight Arrow Connector 3666"/>
+            <p:cNvPr id="2306" name="Straight Arrow Connector 2305"/>
             <p:cNvCxnSpPr/>
             <p:nvPr/>
           </p:nvCxnSpPr>
@@ -20836,7 +20836,7 @@
         </p:cxnSp>
         <p:cxnSp>
           <p:nvCxnSpPr>
-            <p:cNvPr id="3668" name="Straight Arrow Connector 3667"/>
+            <p:cNvPr id="2307" name="Straight Arrow Connector 2306"/>
             <p:cNvCxnSpPr/>
             <p:nvPr/>
           </p:nvCxnSpPr>
@@ -20873,7 +20873,7 @@
         </p:cxnSp>
         <p:cxnSp>
           <p:nvCxnSpPr>
-            <p:cNvPr id="3669" name="Straight Arrow Connector 3668"/>
+            <p:cNvPr id="2308" name="Straight Arrow Connector 2307"/>
             <p:cNvCxnSpPr/>
             <p:nvPr/>
           </p:nvCxnSpPr>
@@ -20911,13 +20911,13 @@
       </p:grpSp>
       <p:grpSp>
         <p:nvGrpSpPr>
-          <p:cNvPr id="3670" name="Group 3669"/>
+          <p:cNvPr id="2309" name="Group 2308"/>
           <p:cNvGrpSpPr/>
           <p:nvPr/>
         </p:nvGrpSpPr>
         <p:grpSpPr>
           <a:xfrm>
-            <a:off x="8767849" y="29078553"/>
+            <a:off x="8767849" y="27731615"/>
             <a:ext cx="361516" cy="1897145"/>
             <a:chOff x="11308644" y="3365911"/>
             <a:chExt cx="361516" cy="1897145"/>
@@ -20925,7 +20925,7 @@
         </p:grpSpPr>
         <p:grpSp>
           <p:nvGrpSpPr>
-            <p:cNvPr id="3671" name="Group 3670"/>
+            <p:cNvPr id="2310" name="Group 2309"/>
             <p:cNvGrpSpPr/>
             <p:nvPr/>
           </p:nvGrpSpPr>
@@ -20939,7 +20939,7 @@
           </p:grpSpPr>
           <p:cxnSp>
             <p:nvCxnSpPr>
-              <p:cNvPr id="3684" name="Straight Arrow Connector 3683"/>
+              <p:cNvPr id="2323" name="Straight Arrow Connector 2322"/>
               <p:cNvCxnSpPr/>
               <p:nvPr/>
             </p:nvCxnSpPr>
@@ -20976,7 +20976,7 @@
           </p:cxnSp>
           <p:cxnSp>
             <p:nvCxnSpPr>
-              <p:cNvPr id="3685" name="Straight Arrow Connector 3684"/>
+              <p:cNvPr id="2324" name="Straight Arrow Connector 2323"/>
               <p:cNvCxnSpPr/>
               <p:nvPr/>
             </p:nvCxnSpPr>
@@ -21013,7 +21013,7 @@
           </p:cxnSp>
           <p:cxnSp>
             <p:nvCxnSpPr>
-              <p:cNvPr id="3686" name="Straight Arrow Connector 3685"/>
+              <p:cNvPr id="2325" name="Straight Arrow Connector 2324"/>
               <p:cNvCxnSpPr/>
               <p:nvPr/>
             </p:nvCxnSpPr>
@@ -21051,7 +21051,7 @@
         </p:grpSp>
         <p:grpSp>
           <p:nvGrpSpPr>
-            <p:cNvPr id="3672" name="Group 3671"/>
+            <p:cNvPr id="2311" name="Group 2310"/>
             <p:cNvGrpSpPr/>
             <p:nvPr/>
           </p:nvGrpSpPr>
@@ -21065,7 +21065,7 @@
           </p:grpSpPr>
           <p:cxnSp>
             <p:nvCxnSpPr>
-              <p:cNvPr id="3681" name="Straight Arrow Connector 3680"/>
+              <p:cNvPr id="2320" name="Straight Arrow Connector 2319"/>
               <p:cNvCxnSpPr/>
               <p:nvPr/>
             </p:nvCxnSpPr>
@@ -21102,7 +21102,7 @@
           </p:cxnSp>
           <p:cxnSp>
             <p:nvCxnSpPr>
-              <p:cNvPr id="3682" name="Straight Arrow Connector 3681"/>
+              <p:cNvPr id="2321" name="Straight Arrow Connector 2320"/>
               <p:cNvCxnSpPr/>
               <p:nvPr/>
             </p:nvCxnSpPr>
@@ -21139,7 +21139,7 @@
           </p:cxnSp>
           <p:cxnSp>
             <p:nvCxnSpPr>
-              <p:cNvPr id="3683" name="Straight Arrow Connector 3682"/>
+              <p:cNvPr id="2322" name="Straight Arrow Connector 2321"/>
               <p:cNvCxnSpPr/>
               <p:nvPr/>
             </p:nvCxnSpPr>
@@ -21177,7 +21177,7 @@
         </p:grpSp>
         <p:grpSp>
           <p:nvGrpSpPr>
-            <p:cNvPr id="3673" name="Group 3672"/>
+            <p:cNvPr id="2312" name="Group 2311"/>
             <p:cNvGrpSpPr/>
             <p:nvPr/>
           </p:nvGrpSpPr>
@@ -21191,7 +21191,7 @@
           </p:grpSpPr>
           <p:cxnSp>
             <p:nvCxnSpPr>
-              <p:cNvPr id="3678" name="Straight Arrow Connector 3677"/>
+              <p:cNvPr id="2317" name="Straight Arrow Connector 2316"/>
               <p:cNvCxnSpPr/>
               <p:nvPr/>
             </p:nvCxnSpPr>
@@ -21228,7 +21228,7 @@
           </p:cxnSp>
           <p:cxnSp>
             <p:nvCxnSpPr>
-              <p:cNvPr id="3679" name="Straight Arrow Connector 3678"/>
+              <p:cNvPr id="2318" name="Straight Arrow Connector 2317"/>
               <p:cNvCxnSpPr/>
               <p:nvPr/>
             </p:nvCxnSpPr>
@@ -21265,7 +21265,7 @@
           </p:cxnSp>
           <p:cxnSp>
             <p:nvCxnSpPr>
-              <p:cNvPr id="3680" name="Straight Arrow Connector 3679"/>
+              <p:cNvPr id="2319" name="Straight Arrow Connector 2318"/>
               <p:cNvCxnSpPr/>
               <p:nvPr/>
             </p:nvCxnSpPr>
@@ -21303,7 +21303,7 @@
         </p:grpSp>
         <p:grpSp>
           <p:nvGrpSpPr>
-            <p:cNvPr id="3674" name="Group 3673"/>
+            <p:cNvPr id="2313" name="Group 2312"/>
             <p:cNvGrpSpPr/>
             <p:nvPr/>
           </p:nvGrpSpPr>
@@ -21317,7 +21317,7 @@
           </p:grpSpPr>
           <p:cxnSp>
             <p:nvCxnSpPr>
-              <p:cNvPr id="3675" name="Straight Arrow Connector 3674"/>
+              <p:cNvPr id="2314" name="Straight Arrow Connector 2313"/>
               <p:cNvCxnSpPr/>
               <p:nvPr/>
             </p:nvCxnSpPr>
@@ -21354,7 +21354,7 @@
           </p:cxnSp>
           <p:cxnSp>
             <p:nvCxnSpPr>
-              <p:cNvPr id="3676" name="Straight Arrow Connector 3675"/>
+              <p:cNvPr id="2315" name="Straight Arrow Connector 2314"/>
               <p:cNvCxnSpPr/>
               <p:nvPr/>
             </p:nvCxnSpPr>
@@ -21391,7 +21391,7 @@
           </p:cxnSp>
           <p:cxnSp>
             <p:nvCxnSpPr>
-              <p:cNvPr id="3677" name="Straight Arrow Connector 3676"/>
+              <p:cNvPr id="2316" name="Straight Arrow Connector 2315"/>
               <p:cNvCxnSpPr/>
               <p:nvPr/>
             </p:nvCxnSpPr>
@@ -21430,13 +21430,13 @@
       </p:grpSp>
       <p:grpSp>
         <p:nvGrpSpPr>
-          <p:cNvPr id="3687" name="Group 3686"/>
+          <p:cNvPr id="2326" name="Group 2325"/>
           <p:cNvGrpSpPr/>
           <p:nvPr/>
         </p:nvGrpSpPr>
         <p:grpSpPr>
           <a:xfrm rot="5400000">
-            <a:off x="8749493" y="28681996"/>
+            <a:off x="8749493" y="27335058"/>
             <a:ext cx="458297" cy="334817"/>
             <a:chOff x="6330339" y="5786642"/>
             <a:chExt cx="631500" cy="334817"/>
@@ -21444,7 +21444,7 @@
         </p:grpSpPr>
         <p:cxnSp>
           <p:nvCxnSpPr>
-            <p:cNvPr id="3688" name="Straight Arrow Connector 3687"/>
+            <p:cNvPr id="2327" name="Straight Arrow Connector 2326"/>
             <p:cNvCxnSpPr/>
             <p:nvPr/>
           </p:nvCxnSpPr>
@@ -21481,7 +21481,7 @@
         </p:cxnSp>
         <p:cxnSp>
           <p:nvCxnSpPr>
-            <p:cNvPr id="3689" name="Straight Arrow Connector 3688"/>
+            <p:cNvPr id="2328" name="Straight Arrow Connector 2327"/>
             <p:cNvCxnSpPr/>
             <p:nvPr/>
           </p:nvCxnSpPr>
@@ -21518,7 +21518,7 @@
         </p:cxnSp>
         <p:cxnSp>
           <p:nvCxnSpPr>
-            <p:cNvPr id="3690" name="Straight Arrow Connector 3689"/>
+            <p:cNvPr id="2329" name="Straight Arrow Connector 2328"/>
             <p:cNvCxnSpPr/>
             <p:nvPr/>
           </p:nvCxnSpPr>
@@ -21556,13 +21556,13 @@
       </p:grpSp>
       <p:grpSp>
         <p:nvGrpSpPr>
-          <p:cNvPr id="3691" name="Group 3690"/>
+          <p:cNvPr id="2330" name="Group 2329"/>
           <p:cNvGrpSpPr/>
           <p:nvPr/>
         </p:nvGrpSpPr>
         <p:grpSpPr>
           <a:xfrm rot="5400000">
-            <a:off x="8875595" y="28320958"/>
+            <a:off x="8875595" y="26974020"/>
             <a:ext cx="229603" cy="334817"/>
             <a:chOff x="6330339" y="5786642"/>
             <a:chExt cx="631500" cy="334817"/>
@@ -21570,7 +21570,7 @@
         </p:grpSpPr>
         <p:cxnSp>
           <p:nvCxnSpPr>
-            <p:cNvPr id="3692" name="Straight Arrow Connector 3691"/>
+            <p:cNvPr id="2331" name="Straight Arrow Connector 2330"/>
             <p:cNvCxnSpPr/>
             <p:nvPr/>
           </p:nvCxnSpPr>
@@ -21607,7 +21607,7 @@
         </p:cxnSp>
         <p:cxnSp>
           <p:nvCxnSpPr>
-            <p:cNvPr id="3693" name="Straight Arrow Connector 3692"/>
+            <p:cNvPr id="2332" name="Straight Arrow Connector 2331"/>
             <p:cNvCxnSpPr/>
             <p:nvPr/>
           </p:nvCxnSpPr>
@@ -21644,7 +21644,7 @@
         </p:cxnSp>
         <p:cxnSp>
           <p:nvCxnSpPr>
-            <p:cNvPr id="3694" name="Straight Arrow Connector 3693"/>
+            <p:cNvPr id="2333" name="Straight Arrow Connector 2332"/>
             <p:cNvCxnSpPr/>
             <p:nvPr/>
           </p:nvCxnSpPr>
@@ -21682,14 +21682,14 @@
       </p:grpSp>
       <p:cxnSp>
         <p:nvCxnSpPr>
-          <p:cNvPr id="3695" name="Straight Arrow Connector 3694"/>
+          <p:cNvPr id="2334" name="Straight Arrow Connector 2333"/>
           <p:cNvCxnSpPr/>
           <p:nvPr/>
         </p:nvCxnSpPr>
         <p:spPr>
           <a:xfrm flipH="1">
-            <a:off x="13129948" y="27357280"/>
-            <a:ext cx="1084213" cy="0"/>
+            <a:off x="13258800" y="25883342"/>
+            <a:ext cx="955362" cy="0"/>
           </a:xfrm>
           <a:prstGeom prst="straightConnector1">
             <a:avLst/>
@@ -21719,7 +21719,7 @@
       </p:cxnSp>
       <p:sp>
         <p:nvSpPr>
-          <p:cNvPr id="3696" name="Rectangle 3695"/>
+          <p:cNvPr id="2335" name="Rectangle 2334"/>
           <p:cNvSpPr/>
           <p:nvPr/>
         </p:nvSpPr>
@@ -21769,7 +21769,7 @@
       </p:sp>
       <p:sp>
         <p:nvSpPr>
-          <p:cNvPr id="3697" name="Rectangle 3696"/>
+          <p:cNvPr id="2336" name="Rectangle 2335"/>
           <p:cNvSpPr/>
           <p:nvPr/>
         </p:nvSpPr>
@@ -21819,7 +21819,7 @@
       </p:sp>
       <p:sp>
         <p:nvSpPr>
-          <p:cNvPr id="3698" name="Frame 3697"/>
+          <p:cNvPr id="2337" name="Frame 2336"/>
           <p:cNvSpPr/>
           <p:nvPr/>
         </p:nvSpPr>
@@ -21834,7 +21834,7 @@
             </a:avLst>
           </a:prstGeom>
           <a:solidFill>
-            <a:schemeClr val="accent2"/>
+            <a:srgbClr val="FC028B"/>
           </a:solidFill>
           <a:ln>
             <a:noFill/>
@@ -21872,7 +21872,7 @@
       </p:sp>
       <p:sp>
         <p:nvSpPr>
-          <p:cNvPr id="3699" name="TextBox 3698"/>
+          <p:cNvPr id="2338" name="TextBox 2337"/>
           <p:cNvSpPr txBox="1"/>
           <p:nvPr/>
         </p:nvSpPr>
@@ -21919,7 +21919,7 @@
       </p:sp>
       <p:sp>
         <p:nvSpPr>
-          <p:cNvPr id="3701" name="TextBox 3700"/>
+          <p:cNvPr id="2339" name="TextBox 2338"/>
           <p:cNvSpPr txBox="1"/>
           <p:nvPr/>
         </p:nvSpPr>
@@ -21956,7 +21956,7 @@
       </p:sp>
       <p:sp>
         <p:nvSpPr>
-          <p:cNvPr id="3702" name="TextBox 3701"/>
+          <p:cNvPr id="2340" name="TextBox 2339"/>
           <p:cNvSpPr txBox="1"/>
           <p:nvPr/>
         </p:nvSpPr>
@@ -21993,7 +21993,7 @@
       </p:sp>
       <p:sp>
         <p:nvSpPr>
-          <p:cNvPr id="3703" name="TextBox 3702"/>
+          <p:cNvPr id="2341" name="TextBox 2340"/>
           <p:cNvSpPr txBox="1"/>
           <p:nvPr/>
         </p:nvSpPr>
@@ -22044,7 +22044,7 @@
       </p:sp>
       <p:cxnSp>
         <p:nvCxnSpPr>
-          <p:cNvPr id="3704" name="Straight Arrow Connector 3703"/>
+          <p:cNvPr id="2342" name="Straight Arrow Connector 2341"/>
           <p:cNvCxnSpPr/>
           <p:nvPr/>
         </p:nvCxnSpPr>
@@ -22082,7 +22082,7 @@
       </p:cxnSp>
       <p:cxnSp>
         <p:nvCxnSpPr>
-          <p:cNvPr id="3705" name="Straight Arrow Connector 3704"/>
+          <p:cNvPr id="2343" name="Straight Arrow Connector 2342"/>
           <p:cNvCxnSpPr/>
           <p:nvPr/>
         </p:nvCxnSpPr>
@@ -22120,7 +22120,7 @@
       </p:cxnSp>
       <p:cxnSp>
         <p:nvCxnSpPr>
-          <p:cNvPr id="3706" name="Straight Arrow Connector 3705"/>
+          <p:cNvPr id="2344" name="Straight Arrow Connector 2343"/>
           <p:cNvCxnSpPr/>
           <p:nvPr/>
         </p:nvCxnSpPr>
@@ -22158,7 +22158,7 @@
       </p:cxnSp>
       <p:sp>
         <p:nvSpPr>
-          <p:cNvPr id="3707" name="TextBox 3706"/>
+          <p:cNvPr id="2345" name="TextBox 2344"/>
           <p:cNvSpPr txBox="1"/>
           <p:nvPr/>
         </p:nvSpPr>
@@ -22195,7 +22195,7 @@
       </p:sp>
       <p:sp>
         <p:nvSpPr>
-          <p:cNvPr id="3708" name="TextBox 3707"/>
+          <p:cNvPr id="2346" name="TextBox 2345"/>
           <p:cNvSpPr txBox="1"/>
           <p:nvPr/>
         </p:nvSpPr>
@@ -22232,7 +22232,7 @@
       </p:sp>
       <p:sp>
         <p:nvSpPr>
-          <p:cNvPr id="3709" name="Octagon 3708"/>
+          <p:cNvPr id="2347" name="Octagon 2346"/>
           <p:cNvSpPr/>
           <p:nvPr/>
         </p:nvSpPr>
@@ -22289,7 +22289,7 @@
       </p:sp>
       <p:sp>
         <p:nvSpPr>
-          <p:cNvPr id="3710" name="Octagon 3709"/>
+          <p:cNvPr id="2348" name="Octagon 2347"/>
           <p:cNvSpPr/>
           <p:nvPr/>
         </p:nvSpPr>
@@ -22349,7 +22349,7 @@
       </p:sp>
       <p:sp>
         <p:nvSpPr>
-          <p:cNvPr id="3711" name="TextBox 3710"/>
+          <p:cNvPr id="2349" name="TextBox 2348"/>
           <p:cNvSpPr txBox="1"/>
           <p:nvPr/>
         </p:nvSpPr>
@@ -22386,7 +22386,7 @@
       </p:sp>
       <p:sp>
         <p:nvSpPr>
-          <p:cNvPr id="3712" name="TextBox 3711"/>
+          <p:cNvPr id="2350" name="TextBox 2349"/>
           <p:cNvSpPr txBox="1"/>
           <p:nvPr/>
         </p:nvSpPr>
@@ -22423,7 +22423,7 @@
       </p:sp>
       <p:grpSp>
         <p:nvGrpSpPr>
-          <p:cNvPr id="3713" name="Group 3712"/>
+          <p:cNvPr id="2351" name="Group 2350"/>
           <p:cNvGrpSpPr/>
           <p:nvPr/>
         </p:nvGrpSpPr>
@@ -22437,7 +22437,7 @@
         </p:grpSpPr>
         <p:cxnSp>
           <p:nvCxnSpPr>
-            <p:cNvPr id="3714" name="Straight Arrow Connector 3713"/>
+            <p:cNvPr id="2352" name="Straight Arrow Connector 2351"/>
             <p:cNvCxnSpPr/>
             <p:nvPr/>
           </p:nvCxnSpPr>
@@ -22474,7 +22474,7 @@
         </p:cxnSp>
         <p:cxnSp>
           <p:nvCxnSpPr>
-            <p:cNvPr id="3715" name="Straight Arrow Connector 3714"/>
+            <p:cNvPr id="2353" name="Straight Arrow Connector 2352"/>
             <p:cNvCxnSpPr/>
             <p:nvPr/>
           </p:nvCxnSpPr>
@@ -22511,7 +22511,7 @@
         </p:cxnSp>
         <p:cxnSp>
           <p:nvCxnSpPr>
-            <p:cNvPr id="3716" name="Straight Arrow Connector 3715"/>
+            <p:cNvPr id="2354" name="Straight Arrow Connector 2353"/>
             <p:cNvCxnSpPr/>
             <p:nvPr/>
           </p:nvCxnSpPr>
@@ -22549,7 +22549,7 @@
       </p:grpSp>
       <p:cxnSp>
         <p:nvCxnSpPr>
-          <p:cNvPr id="3717" name="Straight Arrow Connector 3716"/>
+          <p:cNvPr id="2355" name="Straight Arrow Connector 2354"/>
           <p:cNvCxnSpPr/>
           <p:nvPr/>
         </p:nvCxnSpPr>
@@ -22586,7 +22586,7 @@
       </p:cxnSp>
       <p:cxnSp>
         <p:nvCxnSpPr>
-          <p:cNvPr id="440" name="Straight Arrow Connector 439"/>
+          <p:cNvPr id="2356" name="Straight Arrow Connector 2355"/>
           <p:cNvCxnSpPr/>
           <p:nvPr/>
         </p:nvCxnSpPr>
@@ -22624,7 +22624,7 @@
       </p:cxnSp>
       <p:sp>
         <p:nvSpPr>
-          <p:cNvPr id="442" name="TextBox 441"/>
+          <p:cNvPr id="2357" name="TextBox 2356"/>
           <p:cNvSpPr txBox="1"/>
           <p:nvPr/>
         </p:nvSpPr>
@@ -22670,7 +22670,7 @@
       </p:sp>
       <p:cxnSp>
         <p:nvCxnSpPr>
-          <p:cNvPr id="443" name="Straight Arrow Connector 442"/>
+          <p:cNvPr id="2358" name="Straight Arrow Connector 2357"/>
           <p:cNvCxnSpPr/>
           <p:nvPr/>
         </p:nvCxnSpPr>
@@ -22708,7 +22708,7 @@
       </p:cxnSp>
       <p:sp>
         <p:nvSpPr>
-          <p:cNvPr id="447" name="TextBox 446"/>
+          <p:cNvPr id="2359" name="TextBox 2358"/>
           <p:cNvSpPr txBox="1"/>
           <p:nvPr/>
         </p:nvSpPr>
@@ -22754,7 +22754,7 @@
       </p:sp>
       <p:cxnSp>
         <p:nvCxnSpPr>
-          <p:cNvPr id="448" name="Straight Arrow Connector 447"/>
+          <p:cNvPr id="2360" name="Straight Arrow Connector 2359"/>
           <p:cNvCxnSpPr/>
           <p:nvPr/>
         </p:nvCxnSpPr>
@@ -22792,7 +22792,7 @@
       </p:cxnSp>
       <p:cxnSp>
         <p:nvCxnSpPr>
-          <p:cNvPr id="449" name="Straight Arrow Connector 448"/>
+          <p:cNvPr id="2361" name="Straight Arrow Connector 2360"/>
           <p:cNvCxnSpPr/>
           <p:nvPr/>
         </p:nvCxnSpPr>
@@ -22830,7 +22830,7 @@
       </p:cxnSp>
       <p:sp>
         <p:nvSpPr>
-          <p:cNvPr id="452" name="TextBox 451"/>
+          <p:cNvPr id="2362" name="TextBox 2361"/>
           <p:cNvSpPr txBox="1"/>
           <p:nvPr/>
         </p:nvSpPr>
@@ -22876,7 +22876,7 @@
       </p:sp>
       <p:sp>
         <p:nvSpPr>
-          <p:cNvPr id="453" name="TextBox 452"/>
+          <p:cNvPr id="2363" name="TextBox 2362"/>
           <p:cNvSpPr txBox="1"/>
           <p:nvPr/>
         </p:nvSpPr>
@@ -22922,7 +22922,7 @@
       </p:sp>
       <p:sp>
         <p:nvSpPr>
-          <p:cNvPr id="3700" name="TextBox 3699"/>
+          <p:cNvPr id="2364" name="TextBox 2363"/>
           <p:cNvSpPr txBox="1"/>
           <p:nvPr/>
         </p:nvSpPr>
@@ -22967,6 +22967,1028 @@
           </a:p>
         </p:txBody>
       </p:sp>
+      <p:grpSp>
+        <p:nvGrpSpPr>
+          <p:cNvPr id="2365" name="Group 2364"/>
+          <p:cNvGrpSpPr/>
+          <p:nvPr/>
+        </p:nvGrpSpPr>
+        <p:grpSpPr>
+          <a:xfrm>
+            <a:off x="5710298" y="22630296"/>
+            <a:ext cx="374545" cy="337125"/>
+            <a:chOff x="6330339" y="5786642"/>
+            <a:chExt cx="631500" cy="337125"/>
+          </a:xfrm>
+        </p:grpSpPr>
+        <p:cxnSp>
+          <p:nvCxnSpPr>
+            <p:cNvPr id="2366" name="Straight Arrow Connector 2365"/>
+            <p:cNvCxnSpPr/>
+            <p:nvPr/>
+          </p:nvCxnSpPr>
+          <p:spPr>
+            <a:xfrm flipH="1" flipV="1">
+              <a:off x="6646715" y="5786642"/>
+              <a:ext cx="315124" cy="323272"/>
+            </a:xfrm>
+            <a:prstGeom prst="straightConnector1">
+              <a:avLst/>
+            </a:prstGeom>
+            <a:ln w="76200" cmpd="sng">
+              <a:solidFill>
+                <a:srgbClr val="FA7E88"/>
+              </a:solidFill>
+              <a:headEnd type="none"/>
+              <a:tailEnd type="triangle"/>
+            </a:ln>
+          </p:spPr>
+          <p:style>
+            <a:lnRef idx="2">
+              <a:schemeClr val="accent1"/>
+            </a:lnRef>
+            <a:fillRef idx="0">
+              <a:schemeClr val="accent1"/>
+            </a:fillRef>
+            <a:effectRef idx="1">
+              <a:schemeClr val="accent1"/>
+            </a:effectRef>
+            <a:fontRef idx="minor">
+              <a:schemeClr val="tx1"/>
+            </a:fontRef>
+          </p:style>
+        </p:cxnSp>
+        <p:cxnSp>
+          <p:nvCxnSpPr>
+            <p:cNvPr id="2367" name="Straight Arrow Connector 2366"/>
+            <p:cNvCxnSpPr/>
+            <p:nvPr/>
+          </p:nvCxnSpPr>
+          <p:spPr>
+            <a:xfrm flipH="1">
+              <a:off x="6330339" y="5798187"/>
+              <a:ext cx="315124" cy="323272"/>
+            </a:xfrm>
+            <a:prstGeom prst="straightConnector1">
+              <a:avLst/>
+            </a:prstGeom>
+            <a:ln w="76200" cmpd="sng">
+              <a:solidFill>
+                <a:srgbClr val="FC3743"/>
+              </a:solidFill>
+              <a:headEnd type="none"/>
+              <a:tailEnd type="triangle"/>
+            </a:ln>
+          </p:spPr>
+          <p:style>
+            <a:lnRef idx="2">
+              <a:schemeClr val="accent1"/>
+            </a:lnRef>
+            <a:fillRef idx="0">
+              <a:schemeClr val="accent1"/>
+            </a:fillRef>
+            <a:effectRef idx="1">
+              <a:schemeClr val="accent1"/>
+            </a:effectRef>
+            <a:fontRef idx="minor">
+              <a:schemeClr val="tx1"/>
+            </a:fontRef>
+          </p:style>
+        </p:cxnSp>
+        <p:cxnSp>
+          <p:nvCxnSpPr>
+            <p:cNvPr id="2368" name="Straight Arrow Connector 2367"/>
+            <p:cNvCxnSpPr/>
+            <p:nvPr/>
+          </p:nvCxnSpPr>
+          <p:spPr>
+            <a:xfrm>
+              <a:off x="6409997" y="6123767"/>
+              <a:ext cx="551842" cy="0"/>
+            </a:xfrm>
+            <a:prstGeom prst="straightConnector1">
+              <a:avLst/>
+            </a:prstGeom>
+            <a:ln w="76200" cmpd="sng">
+              <a:solidFill>
+                <a:srgbClr val="FF0000"/>
+              </a:solidFill>
+              <a:headEnd type="none"/>
+              <a:tailEnd type="triangle"/>
+            </a:ln>
+          </p:spPr>
+          <p:style>
+            <a:lnRef idx="2">
+              <a:schemeClr val="accent1"/>
+            </a:lnRef>
+            <a:fillRef idx="0">
+              <a:schemeClr val="accent1"/>
+            </a:fillRef>
+            <a:effectRef idx="1">
+              <a:schemeClr val="accent1"/>
+            </a:effectRef>
+            <a:fontRef idx="minor">
+              <a:schemeClr val="tx1"/>
+            </a:fontRef>
+          </p:style>
+        </p:cxnSp>
+      </p:grpSp>
+      <p:grpSp>
+        <p:nvGrpSpPr>
+          <p:cNvPr id="2369" name="Group 2368"/>
+          <p:cNvGrpSpPr/>
+          <p:nvPr/>
+        </p:nvGrpSpPr>
+        <p:grpSpPr>
+          <a:xfrm>
+            <a:off x="5335753" y="22626743"/>
+            <a:ext cx="374545" cy="337125"/>
+            <a:chOff x="6330339" y="5786642"/>
+            <a:chExt cx="631500" cy="337125"/>
+          </a:xfrm>
+        </p:grpSpPr>
+        <p:cxnSp>
+          <p:nvCxnSpPr>
+            <p:cNvPr id="2370" name="Straight Arrow Connector 2369"/>
+            <p:cNvCxnSpPr/>
+            <p:nvPr/>
+          </p:nvCxnSpPr>
+          <p:spPr>
+            <a:xfrm flipH="1" flipV="1">
+              <a:off x="6646715" y="5786642"/>
+              <a:ext cx="315124" cy="323272"/>
+            </a:xfrm>
+            <a:prstGeom prst="straightConnector1">
+              <a:avLst/>
+            </a:prstGeom>
+            <a:ln w="76200" cmpd="sng">
+              <a:solidFill>
+                <a:srgbClr val="FA7E88"/>
+              </a:solidFill>
+              <a:headEnd type="none"/>
+              <a:tailEnd type="triangle"/>
+            </a:ln>
+          </p:spPr>
+          <p:style>
+            <a:lnRef idx="2">
+              <a:schemeClr val="accent1"/>
+            </a:lnRef>
+            <a:fillRef idx="0">
+              <a:schemeClr val="accent1"/>
+            </a:fillRef>
+            <a:effectRef idx="1">
+              <a:schemeClr val="accent1"/>
+            </a:effectRef>
+            <a:fontRef idx="minor">
+              <a:schemeClr val="tx1"/>
+            </a:fontRef>
+          </p:style>
+        </p:cxnSp>
+        <p:cxnSp>
+          <p:nvCxnSpPr>
+            <p:cNvPr id="2371" name="Straight Arrow Connector 2370"/>
+            <p:cNvCxnSpPr/>
+            <p:nvPr/>
+          </p:nvCxnSpPr>
+          <p:spPr>
+            <a:xfrm flipH="1">
+              <a:off x="6330339" y="5798187"/>
+              <a:ext cx="315124" cy="323272"/>
+            </a:xfrm>
+            <a:prstGeom prst="straightConnector1">
+              <a:avLst/>
+            </a:prstGeom>
+            <a:ln w="76200" cmpd="sng">
+              <a:solidFill>
+                <a:srgbClr val="FC3743"/>
+              </a:solidFill>
+              <a:headEnd type="none"/>
+              <a:tailEnd type="triangle"/>
+            </a:ln>
+          </p:spPr>
+          <p:style>
+            <a:lnRef idx="2">
+              <a:schemeClr val="accent1"/>
+            </a:lnRef>
+            <a:fillRef idx="0">
+              <a:schemeClr val="accent1"/>
+            </a:fillRef>
+            <a:effectRef idx="1">
+              <a:schemeClr val="accent1"/>
+            </a:effectRef>
+            <a:fontRef idx="minor">
+              <a:schemeClr val="tx1"/>
+            </a:fontRef>
+          </p:style>
+        </p:cxnSp>
+        <p:cxnSp>
+          <p:nvCxnSpPr>
+            <p:cNvPr id="2372" name="Straight Arrow Connector 2371"/>
+            <p:cNvCxnSpPr/>
+            <p:nvPr/>
+          </p:nvCxnSpPr>
+          <p:spPr>
+            <a:xfrm>
+              <a:off x="6409997" y="6123767"/>
+              <a:ext cx="551842" cy="0"/>
+            </a:xfrm>
+            <a:prstGeom prst="straightConnector1">
+              <a:avLst/>
+            </a:prstGeom>
+            <a:ln w="76200" cmpd="sng">
+              <a:solidFill>
+                <a:srgbClr val="FF0000"/>
+              </a:solidFill>
+              <a:headEnd type="none"/>
+              <a:tailEnd type="triangle"/>
+            </a:ln>
+          </p:spPr>
+          <p:style>
+            <a:lnRef idx="2">
+              <a:schemeClr val="accent1"/>
+            </a:lnRef>
+            <a:fillRef idx="0">
+              <a:schemeClr val="accent1"/>
+            </a:fillRef>
+            <a:effectRef idx="1">
+              <a:schemeClr val="accent1"/>
+            </a:effectRef>
+            <a:fontRef idx="minor">
+              <a:schemeClr val="tx1"/>
+            </a:fontRef>
+          </p:style>
+        </p:cxnSp>
+      </p:grpSp>
+      <p:grpSp>
+        <p:nvGrpSpPr>
+          <p:cNvPr id="2373" name="Group 2372"/>
+          <p:cNvGrpSpPr/>
+          <p:nvPr/>
+        </p:nvGrpSpPr>
+        <p:grpSpPr>
+          <a:xfrm>
+            <a:off x="6420966" y="22619375"/>
+            <a:ext cx="374545" cy="337125"/>
+            <a:chOff x="6330339" y="5786642"/>
+            <a:chExt cx="631500" cy="337125"/>
+          </a:xfrm>
+        </p:grpSpPr>
+        <p:cxnSp>
+          <p:nvCxnSpPr>
+            <p:cNvPr id="2374" name="Straight Arrow Connector 2373"/>
+            <p:cNvCxnSpPr/>
+            <p:nvPr/>
+          </p:nvCxnSpPr>
+          <p:spPr>
+            <a:xfrm flipH="1" flipV="1">
+              <a:off x="6646715" y="5786642"/>
+              <a:ext cx="315124" cy="323272"/>
+            </a:xfrm>
+            <a:prstGeom prst="straightConnector1">
+              <a:avLst/>
+            </a:prstGeom>
+            <a:ln w="76200" cmpd="sng">
+              <a:solidFill>
+                <a:srgbClr val="FA7E88"/>
+              </a:solidFill>
+              <a:headEnd type="none"/>
+              <a:tailEnd type="triangle"/>
+            </a:ln>
+          </p:spPr>
+          <p:style>
+            <a:lnRef idx="2">
+              <a:schemeClr val="accent1"/>
+            </a:lnRef>
+            <a:fillRef idx="0">
+              <a:schemeClr val="accent1"/>
+            </a:fillRef>
+            <a:effectRef idx="1">
+              <a:schemeClr val="accent1"/>
+            </a:effectRef>
+            <a:fontRef idx="minor">
+              <a:schemeClr val="tx1"/>
+            </a:fontRef>
+          </p:style>
+        </p:cxnSp>
+        <p:cxnSp>
+          <p:nvCxnSpPr>
+            <p:cNvPr id="2375" name="Straight Arrow Connector 2374"/>
+            <p:cNvCxnSpPr/>
+            <p:nvPr/>
+          </p:nvCxnSpPr>
+          <p:spPr>
+            <a:xfrm flipH="1">
+              <a:off x="6330339" y="5798187"/>
+              <a:ext cx="315124" cy="323272"/>
+            </a:xfrm>
+            <a:prstGeom prst="straightConnector1">
+              <a:avLst/>
+            </a:prstGeom>
+            <a:ln w="76200" cmpd="sng">
+              <a:solidFill>
+                <a:srgbClr val="FC3743"/>
+              </a:solidFill>
+              <a:headEnd type="none"/>
+              <a:tailEnd type="triangle"/>
+            </a:ln>
+          </p:spPr>
+          <p:style>
+            <a:lnRef idx="2">
+              <a:schemeClr val="accent1"/>
+            </a:lnRef>
+            <a:fillRef idx="0">
+              <a:schemeClr val="accent1"/>
+            </a:fillRef>
+            <a:effectRef idx="1">
+              <a:schemeClr val="accent1"/>
+            </a:effectRef>
+            <a:fontRef idx="minor">
+              <a:schemeClr val="tx1"/>
+            </a:fontRef>
+          </p:style>
+        </p:cxnSp>
+        <p:cxnSp>
+          <p:nvCxnSpPr>
+            <p:cNvPr id="2376" name="Straight Arrow Connector 2375"/>
+            <p:cNvCxnSpPr/>
+            <p:nvPr/>
+          </p:nvCxnSpPr>
+          <p:spPr>
+            <a:xfrm>
+              <a:off x="6409997" y="6123767"/>
+              <a:ext cx="551842" cy="0"/>
+            </a:xfrm>
+            <a:prstGeom prst="straightConnector1">
+              <a:avLst/>
+            </a:prstGeom>
+            <a:ln w="76200" cmpd="sng">
+              <a:solidFill>
+                <a:srgbClr val="FF0000"/>
+              </a:solidFill>
+              <a:headEnd type="none"/>
+              <a:tailEnd type="triangle"/>
+            </a:ln>
+          </p:spPr>
+          <p:style>
+            <a:lnRef idx="2">
+              <a:schemeClr val="accent1"/>
+            </a:lnRef>
+            <a:fillRef idx="0">
+              <a:schemeClr val="accent1"/>
+            </a:fillRef>
+            <a:effectRef idx="1">
+              <a:schemeClr val="accent1"/>
+            </a:effectRef>
+            <a:fontRef idx="minor">
+              <a:schemeClr val="tx1"/>
+            </a:fontRef>
+          </p:style>
+        </p:cxnSp>
+      </p:grpSp>
+      <p:grpSp>
+        <p:nvGrpSpPr>
+          <p:cNvPr id="2377" name="Group 2376"/>
+          <p:cNvGrpSpPr/>
+          <p:nvPr/>
+        </p:nvGrpSpPr>
+        <p:grpSpPr>
+          <a:xfrm>
+            <a:off x="6046421" y="22615822"/>
+            <a:ext cx="374545" cy="337125"/>
+            <a:chOff x="6330339" y="5786642"/>
+            <a:chExt cx="631500" cy="337125"/>
+          </a:xfrm>
+        </p:grpSpPr>
+        <p:cxnSp>
+          <p:nvCxnSpPr>
+            <p:cNvPr id="2378" name="Straight Arrow Connector 2377"/>
+            <p:cNvCxnSpPr/>
+            <p:nvPr/>
+          </p:nvCxnSpPr>
+          <p:spPr>
+            <a:xfrm flipH="1" flipV="1">
+              <a:off x="6646715" y="5786642"/>
+              <a:ext cx="315124" cy="323272"/>
+            </a:xfrm>
+            <a:prstGeom prst="straightConnector1">
+              <a:avLst/>
+            </a:prstGeom>
+            <a:ln w="76200" cmpd="sng">
+              <a:solidFill>
+                <a:srgbClr val="FA7E88"/>
+              </a:solidFill>
+              <a:headEnd type="none"/>
+              <a:tailEnd type="triangle"/>
+            </a:ln>
+          </p:spPr>
+          <p:style>
+            <a:lnRef idx="2">
+              <a:schemeClr val="accent1"/>
+            </a:lnRef>
+            <a:fillRef idx="0">
+              <a:schemeClr val="accent1"/>
+            </a:fillRef>
+            <a:effectRef idx="1">
+              <a:schemeClr val="accent1"/>
+            </a:effectRef>
+            <a:fontRef idx="minor">
+              <a:schemeClr val="tx1"/>
+            </a:fontRef>
+          </p:style>
+        </p:cxnSp>
+        <p:cxnSp>
+          <p:nvCxnSpPr>
+            <p:cNvPr id="2379" name="Straight Arrow Connector 2378"/>
+            <p:cNvCxnSpPr/>
+            <p:nvPr/>
+          </p:nvCxnSpPr>
+          <p:spPr>
+            <a:xfrm flipH="1">
+              <a:off x="6330339" y="5798187"/>
+              <a:ext cx="315124" cy="323272"/>
+            </a:xfrm>
+            <a:prstGeom prst="straightConnector1">
+              <a:avLst/>
+            </a:prstGeom>
+            <a:ln w="76200" cmpd="sng">
+              <a:solidFill>
+                <a:srgbClr val="FC3743"/>
+              </a:solidFill>
+              <a:headEnd type="none"/>
+              <a:tailEnd type="triangle"/>
+            </a:ln>
+          </p:spPr>
+          <p:style>
+            <a:lnRef idx="2">
+              <a:schemeClr val="accent1"/>
+            </a:lnRef>
+            <a:fillRef idx="0">
+              <a:schemeClr val="accent1"/>
+            </a:fillRef>
+            <a:effectRef idx="1">
+              <a:schemeClr val="accent1"/>
+            </a:effectRef>
+            <a:fontRef idx="minor">
+              <a:schemeClr val="tx1"/>
+            </a:fontRef>
+          </p:style>
+        </p:cxnSp>
+        <p:cxnSp>
+          <p:nvCxnSpPr>
+            <p:cNvPr id="2380" name="Straight Arrow Connector 2379"/>
+            <p:cNvCxnSpPr/>
+            <p:nvPr/>
+          </p:nvCxnSpPr>
+          <p:spPr>
+            <a:xfrm>
+              <a:off x="6409997" y="6123767"/>
+              <a:ext cx="551842" cy="0"/>
+            </a:xfrm>
+            <a:prstGeom prst="straightConnector1">
+              <a:avLst/>
+            </a:prstGeom>
+            <a:ln w="76200" cmpd="sng">
+              <a:solidFill>
+                <a:srgbClr val="FF0000"/>
+              </a:solidFill>
+              <a:headEnd type="none"/>
+              <a:tailEnd type="triangle"/>
+            </a:ln>
+          </p:spPr>
+          <p:style>
+            <a:lnRef idx="2">
+              <a:schemeClr val="accent1"/>
+            </a:lnRef>
+            <a:fillRef idx="0">
+              <a:schemeClr val="accent1"/>
+            </a:fillRef>
+            <a:effectRef idx="1">
+              <a:schemeClr val="accent1"/>
+            </a:effectRef>
+            <a:fontRef idx="minor">
+              <a:schemeClr val="tx1"/>
+            </a:fontRef>
+          </p:style>
+        </p:cxnSp>
+      </p:grpSp>
+      <p:cxnSp>
+        <p:nvCxnSpPr>
+          <p:cNvPr id="2381" name="Straight Arrow Connector 2380"/>
+          <p:cNvCxnSpPr/>
+          <p:nvPr/>
+        </p:nvCxnSpPr>
+        <p:spPr>
+          <a:xfrm flipH="1">
+            <a:off x="1795551" y="15452636"/>
+            <a:ext cx="503343" cy="396099"/>
+          </a:xfrm>
+          <a:prstGeom prst="straightConnector1">
+            <a:avLst/>
+          </a:prstGeom>
+          <a:ln w="76200" cmpd="sng">
+            <a:solidFill>
+              <a:srgbClr val="FF0000"/>
+            </a:solidFill>
+            <a:headEnd type="none"/>
+            <a:tailEnd type="triangle"/>
+          </a:ln>
+        </p:spPr>
+        <p:style>
+          <a:lnRef idx="2">
+            <a:schemeClr val="accent1"/>
+          </a:lnRef>
+          <a:fillRef idx="0">
+            <a:schemeClr val="accent1"/>
+          </a:fillRef>
+          <a:effectRef idx="1">
+            <a:schemeClr val="accent1"/>
+          </a:effectRef>
+          <a:fontRef idx="minor">
+            <a:schemeClr val="tx1"/>
+          </a:fontRef>
+        </p:style>
+      </p:cxnSp>
+      <p:cxnSp>
+        <p:nvCxnSpPr>
+          <p:cNvPr id="2382" name="Straight Arrow Connector 2381"/>
+          <p:cNvCxnSpPr/>
+          <p:nvPr/>
+        </p:nvCxnSpPr>
+        <p:spPr>
+          <a:xfrm flipH="1">
+            <a:off x="2562670" y="15452636"/>
+            <a:ext cx="503343" cy="396099"/>
+          </a:xfrm>
+          <a:prstGeom prst="straightConnector1">
+            <a:avLst/>
+          </a:prstGeom>
+          <a:ln w="76200" cmpd="sng">
+            <a:solidFill>
+              <a:srgbClr val="FF0000"/>
+            </a:solidFill>
+            <a:headEnd type="none"/>
+            <a:tailEnd type="triangle"/>
+          </a:ln>
+        </p:spPr>
+        <p:style>
+          <a:lnRef idx="2">
+            <a:schemeClr val="accent1"/>
+          </a:lnRef>
+          <a:fillRef idx="0">
+            <a:schemeClr val="accent1"/>
+          </a:fillRef>
+          <a:effectRef idx="1">
+            <a:schemeClr val="accent1"/>
+          </a:effectRef>
+          <a:fontRef idx="minor">
+            <a:schemeClr val="tx1"/>
+          </a:fontRef>
+        </p:style>
+      </p:cxnSp>
+      <p:cxnSp>
+        <p:nvCxnSpPr>
+          <p:cNvPr id="2383" name="Straight Arrow Connector 2382"/>
+          <p:cNvCxnSpPr/>
+          <p:nvPr/>
+        </p:nvCxnSpPr>
+        <p:spPr>
+          <a:xfrm flipH="1">
+            <a:off x="12794249" y="15192952"/>
+            <a:ext cx="764856" cy="0"/>
+          </a:xfrm>
+          <a:prstGeom prst="straightConnector1">
+            <a:avLst/>
+          </a:prstGeom>
+          <a:ln w="76200" cmpd="sng">
+            <a:solidFill>
+              <a:srgbClr val="FF0000"/>
+            </a:solidFill>
+            <a:headEnd type="none"/>
+            <a:tailEnd type="triangle"/>
+          </a:ln>
+        </p:spPr>
+        <p:style>
+          <a:lnRef idx="2">
+            <a:schemeClr val="accent1"/>
+          </a:lnRef>
+          <a:fillRef idx="0">
+            <a:schemeClr val="accent1"/>
+          </a:fillRef>
+          <a:effectRef idx="1">
+            <a:schemeClr val="accent1"/>
+          </a:effectRef>
+          <a:fontRef idx="minor">
+            <a:schemeClr val="tx1"/>
+          </a:fontRef>
+        </p:style>
+      </p:cxnSp>
+      <p:cxnSp>
+        <p:nvCxnSpPr>
+          <p:cNvPr id="2384" name="Straight Arrow Connector 2383"/>
+          <p:cNvCxnSpPr/>
+          <p:nvPr/>
+        </p:nvCxnSpPr>
+        <p:spPr>
+          <a:xfrm>
+            <a:off x="17678400" y="11171392"/>
+            <a:ext cx="2438400" cy="0"/>
+          </a:xfrm>
+          <a:prstGeom prst="straightConnector1">
+            <a:avLst/>
+          </a:prstGeom>
+          <a:ln w="76200" cmpd="sng">
+            <a:solidFill>
+              <a:srgbClr val="FF0000"/>
+            </a:solidFill>
+            <a:headEnd type="none"/>
+            <a:tailEnd type="triangle"/>
+          </a:ln>
+        </p:spPr>
+        <p:style>
+          <a:lnRef idx="2">
+            <a:schemeClr val="accent1"/>
+          </a:lnRef>
+          <a:fillRef idx="0">
+            <a:schemeClr val="accent1"/>
+          </a:fillRef>
+          <a:effectRef idx="1">
+            <a:schemeClr val="accent1"/>
+          </a:effectRef>
+          <a:fontRef idx="minor">
+            <a:schemeClr val="tx1"/>
+          </a:fontRef>
+        </p:style>
+      </p:cxnSp>
+      <p:cxnSp>
+        <p:nvCxnSpPr>
+          <p:cNvPr id="2385" name="Straight Arrow Connector 2384"/>
+          <p:cNvCxnSpPr/>
+          <p:nvPr/>
+        </p:nvCxnSpPr>
+        <p:spPr>
+          <a:xfrm>
+            <a:off x="17641277" y="15219064"/>
+            <a:ext cx="2497863" cy="0"/>
+          </a:xfrm>
+          <a:prstGeom prst="straightConnector1">
+            <a:avLst/>
+          </a:prstGeom>
+          <a:ln w="76200" cmpd="sng">
+            <a:solidFill>
+              <a:srgbClr val="FF0000"/>
+            </a:solidFill>
+            <a:headEnd type="none"/>
+            <a:tailEnd type="triangle"/>
+          </a:ln>
+        </p:spPr>
+        <p:style>
+          <a:lnRef idx="2">
+            <a:schemeClr val="accent1"/>
+          </a:lnRef>
+          <a:fillRef idx="0">
+            <a:schemeClr val="accent1"/>
+          </a:fillRef>
+          <a:effectRef idx="1">
+            <a:schemeClr val="accent1"/>
+          </a:effectRef>
+          <a:fontRef idx="minor">
+            <a:schemeClr val="tx1"/>
+          </a:fontRef>
+        </p:style>
+      </p:cxnSp>
+      <p:cxnSp>
+        <p:nvCxnSpPr>
+          <p:cNvPr id="2386" name="Straight Arrow Connector 2385"/>
+          <p:cNvCxnSpPr/>
+          <p:nvPr/>
+        </p:nvCxnSpPr>
+        <p:spPr>
+          <a:xfrm flipH="1">
+            <a:off x="13884267" y="26374398"/>
+            <a:ext cx="955362" cy="0"/>
+          </a:xfrm>
+          <a:prstGeom prst="straightConnector1">
+            <a:avLst/>
+          </a:prstGeom>
+          <a:ln w="76200" cmpd="sng">
+            <a:solidFill>
+              <a:srgbClr val="FF0000"/>
+            </a:solidFill>
+            <a:headEnd type="none"/>
+            <a:tailEnd type="triangle"/>
+          </a:ln>
+        </p:spPr>
+        <p:style>
+          <a:lnRef idx="2">
+            <a:schemeClr val="accent1"/>
+          </a:lnRef>
+          <a:fillRef idx="0">
+            <a:schemeClr val="accent1"/>
+          </a:fillRef>
+          <a:effectRef idx="1">
+            <a:schemeClr val="accent1"/>
+          </a:effectRef>
+          <a:fontRef idx="minor">
+            <a:schemeClr val="tx1"/>
+          </a:fontRef>
+        </p:style>
+      </p:cxnSp>
+      <p:cxnSp>
+        <p:nvCxnSpPr>
+          <p:cNvPr id="2387" name="Straight Arrow Connector 2386"/>
+          <p:cNvCxnSpPr/>
+          <p:nvPr/>
+        </p:nvCxnSpPr>
+        <p:spPr>
+          <a:xfrm flipH="1">
+            <a:off x="13031369" y="28189912"/>
+            <a:ext cx="955362" cy="0"/>
+          </a:xfrm>
+          <a:prstGeom prst="straightConnector1">
+            <a:avLst/>
+          </a:prstGeom>
+          <a:ln w="76200" cmpd="sng">
+            <a:solidFill>
+              <a:srgbClr val="FF0000"/>
+            </a:solidFill>
+            <a:headEnd type="none"/>
+            <a:tailEnd type="triangle"/>
+          </a:ln>
+        </p:spPr>
+        <p:style>
+          <a:lnRef idx="2">
+            <a:schemeClr val="accent1"/>
+          </a:lnRef>
+          <a:fillRef idx="0">
+            <a:schemeClr val="accent1"/>
+          </a:fillRef>
+          <a:effectRef idx="1">
+            <a:schemeClr val="accent1"/>
+          </a:effectRef>
+          <a:fontRef idx="minor">
+            <a:schemeClr val="tx1"/>
+          </a:fontRef>
+        </p:style>
+      </p:cxnSp>
+      <p:cxnSp>
+        <p:nvCxnSpPr>
+          <p:cNvPr id="2388" name="Straight Arrow Connector 2387"/>
+          <p:cNvCxnSpPr/>
+          <p:nvPr/>
+        </p:nvCxnSpPr>
+        <p:spPr>
+          <a:xfrm flipH="1">
+            <a:off x="12756759" y="21573412"/>
+            <a:ext cx="787946" cy="9031"/>
+          </a:xfrm>
+          <a:prstGeom prst="straightConnector1">
+            <a:avLst/>
+          </a:prstGeom>
+          <a:ln w="76200" cmpd="sng">
+            <a:solidFill>
+              <a:srgbClr val="FF0000"/>
+            </a:solidFill>
+            <a:headEnd type="none"/>
+            <a:tailEnd type="triangle"/>
+          </a:ln>
+        </p:spPr>
+        <p:style>
+          <a:lnRef idx="2">
+            <a:schemeClr val="accent1"/>
+          </a:lnRef>
+          <a:fillRef idx="0">
+            <a:schemeClr val="accent1"/>
+          </a:fillRef>
+          <a:effectRef idx="1">
+            <a:schemeClr val="accent1"/>
+          </a:effectRef>
+          <a:fontRef idx="minor">
+            <a:schemeClr val="tx1"/>
+          </a:fontRef>
+        </p:style>
+      </p:cxnSp>
+      <p:cxnSp>
+        <p:nvCxnSpPr>
+          <p:cNvPr id="2389" name="Straight Arrow Connector 2388"/>
+          <p:cNvCxnSpPr/>
+          <p:nvPr/>
+        </p:nvCxnSpPr>
+        <p:spPr>
+          <a:xfrm>
+            <a:off x="17603787" y="19019942"/>
+            <a:ext cx="2358316" cy="6848"/>
+          </a:xfrm>
+          <a:prstGeom prst="straightConnector1">
+            <a:avLst/>
+          </a:prstGeom>
+          <a:ln w="76200" cmpd="sng">
+            <a:solidFill>
+              <a:srgbClr val="FF0000"/>
+            </a:solidFill>
+            <a:headEnd type="none"/>
+            <a:tailEnd type="triangle"/>
+          </a:ln>
+        </p:spPr>
+        <p:style>
+          <a:lnRef idx="2">
+            <a:schemeClr val="accent1"/>
+          </a:lnRef>
+          <a:fillRef idx="0">
+            <a:schemeClr val="accent1"/>
+          </a:fillRef>
+          <a:effectRef idx="1">
+            <a:schemeClr val="accent1"/>
+          </a:effectRef>
+          <a:fontRef idx="minor">
+            <a:schemeClr val="tx1"/>
+          </a:fontRef>
+        </p:style>
+      </p:cxnSp>
+      <p:cxnSp>
+        <p:nvCxnSpPr>
+          <p:cNvPr id="2390" name="Straight Arrow Connector 2389"/>
+          <p:cNvCxnSpPr/>
+          <p:nvPr/>
+        </p:nvCxnSpPr>
+        <p:spPr>
+          <a:xfrm>
+            <a:off x="17750866" y="18281033"/>
+            <a:ext cx="2358316" cy="6848"/>
+          </a:xfrm>
+          <a:prstGeom prst="straightConnector1">
+            <a:avLst/>
+          </a:prstGeom>
+          <a:ln w="76200" cmpd="sng">
+            <a:solidFill>
+              <a:srgbClr val="FF0000"/>
+            </a:solidFill>
+            <a:headEnd type="none"/>
+            <a:tailEnd type="triangle"/>
+          </a:ln>
+        </p:spPr>
+        <p:style>
+          <a:lnRef idx="2">
+            <a:schemeClr val="accent1"/>
+          </a:lnRef>
+          <a:fillRef idx="0">
+            <a:schemeClr val="accent1"/>
+          </a:fillRef>
+          <a:effectRef idx="1">
+            <a:schemeClr val="accent1"/>
+          </a:effectRef>
+          <a:fontRef idx="minor">
+            <a:schemeClr val="tx1"/>
+          </a:fontRef>
+        </p:style>
+      </p:cxnSp>
+      <p:cxnSp>
+        <p:nvCxnSpPr>
+          <p:cNvPr id="2391" name="Straight Arrow Connector 2390"/>
+          <p:cNvCxnSpPr/>
+          <p:nvPr/>
+        </p:nvCxnSpPr>
+        <p:spPr>
+          <a:xfrm>
+            <a:off x="18943759" y="26374398"/>
+            <a:ext cx="1026104" cy="0"/>
+          </a:xfrm>
+          <a:prstGeom prst="straightConnector1">
+            <a:avLst/>
+          </a:prstGeom>
+          <a:ln w="76200" cmpd="sng">
+            <a:solidFill>
+              <a:srgbClr val="FF0000"/>
+            </a:solidFill>
+            <a:headEnd type="none"/>
+            <a:tailEnd type="triangle"/>
+          </a:ln>
+        </p:spPr>
+        <p:style>
+          <a:lnRef idx="2">
+            <a:schemeClr val="accent1"/>
+          </a:lnRef>
+          <a:fillRef idx="0">
+            <a:schemeClr val="accent1"/>
+          </a:fillRef>
+          <a:effectRef idx="1">
+            <a:schemeClr val="accent1"/>
+          </a:effectRef>
+          <a:fontRef idx="minor">
+            <a:schemeClr val="tx1"/>
+          </a:fontRef>
+        </p:style>
+      </p:cxnSp>
+      <p:cxnSp>
+        <p:nvCxnSpPr>
+          <p:cNvPr id="2392" name="Straight Arrow Connector 2391"/>
+          <p:cNvCxnSpPr/>
+          <p:nvPr/>
+        </p:nvCxnSpPr>
+        <p:spPr>
+          <a:xfrm>
+            <a:off x="17571826" y="27490024"/>
+            <a:ext cx="1026104" cy="0"/>
+          </a:xfrm>
+          <a:prstGeom prst="straightConnector1">
+            <a:avLst/>
+          </a:prstGeom>
+          <a:ln w="76200" cmpd="sng">
+            <a:solidFill>
+              <a:srgbClr val="FF0000"/>
+            </a:solidFill>
+            <a:headEnd type="none"/>
+            <a:tailEnd type="triangle"/>
+          </a:ln>
+        </p:spPr>
+        <p:style>
+          <a:lnRef idx="2">
+            <a:schemeClr val="accent1"/>
+          </a:lnRef>
+          <a:fillRef idx="0">
+            <a:schemeClr val="accent1"/>
+          </a:fillRef>
+          <a:effectRef idx="1">
+            <a:schemeClr val="accent1"/>
+          </a:effectRef>
+          <a:fontRef idx="minor">
+            <a:schemeClr val="tx1"/>
+          </a:fontRef>
+        </p:style>
+      </p:cxnSp>
+      <p:cxnSp>
+        <p:nvCxnSpPr>
+          <p:cNvPr id="2393" name="Straight Arrow Connector 2392"/>
+          <p:cNvCxnSpPr/>
+          <p:nvPr/>
+        </p:nvCxnSpPr>
+        <p:spPr>
+          <a:xfrm>
+            <a:off x="18106395" y="28214208"/>
+            <a:ext cx="1026104" cy="0"/>
+          </a:xfrm>
+          <a:prstGeom prst="straightConnector1">
+            <a:avLst/>
+          </a:prstGeom>
+          <a:ln w="76200" cmpd="sng">
+            <a:solidFill>
+              <a:srgbClr val="FF0000"/>
+            </a:solidFill>
+            <a:headEnd type="none"/>
+            <a:tailEnd type="triangle"/>
+          </a:ln>
+        </p:spPr>
+        <p:style>
+          <a:lnRef idx="2">
+            <a:schemeClr val="accent1"/>
+          </a:lnRef>
+          <a:fillRef idx="0">
+            <a:schemeClr val="accent1"/>
+          </a:fillRef>
+          <a:effectRef idx="1">
+            <a:schemeClr val="accent1"/>
+          </a:effectRef>
+          <a:fontRef idx="minor">
+            <a:schemeClr val="tx1"/>
+          </a:fontRef>
+        </p:style>
+      </p:cxnSp>
+      <p:cxnSp>
+        <p:nvCxnSpPr>
+          <p:cNvPr id="2394" name="Straight Arrow Connector 2393"/>
+          <p:cNvCxnSpPr/>
+          <p:nvPr/>
+        </p:nvCxnSpPr>
+        <p:spPr>
+          <a:xfrm flipH="1">
+            <a:off x="1795551" y="14693009"/>
+            <a:ext cx="503343" cy="396099"/>
+          </a:xfrm>
+          <a:prstGeom prst="straightConnector1">
+            <a:avLst/>
+          </a:prstGeom>
+          <a:ln w="76200" cmpd="sng">
+            <a:solidFill>
+              <a:srgbClr val="FF0000"/>
+            </a:solidFill>
+            <a:headEnd type="none"/>
+            <a:tailEnd type="triangle"/>
+          </a:ln>
+        </p:spPr>
+        <p:style>
+          <a:lnRef idx="2">
+            <a:schemeClr val="accent1"/>
+          </a:lnRef>
+          <a:fillRef idx="0">
+            <a:schemeClr val="accent1"/>
+          </a:fillRef>
+          <a:effectRef idx="1">
+            <a:schemeClr val="accent1"/>
+          </a:effectRef>
+          <a:fontRef idx="minor">
+            <a:schemeClr val="tx1"/>
+          </a:fontRef>
+        </p:style>
+      </p:cxnSp>
     </p:spTree>
     <p:extLst>
       <p:ext uri="{BB962C8B-B14F-4D97-AF65-F5344CB8AC3E}">

--- a/RA-L/pictures/pdf/PositionNrobots.pptx
+++ b/RA-L/pictures/pdf/PositionNrobots.pptx
@@ -288,7 +288,7 @@
           <a:p>
             <a:fld id="{D9007BAF-787B-5B4F-8632-C84DCD7706EC}" type="datetimeFigureOut">
               <a:rPr lang="en-US" smtClean="0"/>
-              <a:t>8/31/16</a:t>
+              <a:t>9/6/16</a:t>
             </a:fld>
             <a:endParaRPr lang="en-US"/>
           </a:p>
@@ -458,7 +458,7 @@
           <a:p>
             <a:fld id="{D9007BAF-787B-5B4F-8632-C84DCD7706EC}" type="datetimeFigureOut">
               <a:rPr lang="en-US" smtClean="0"/>
-              <a:t>8/31/16</a:t>
+              <a:t>9/6/16</a:t>
             </a:fld>
             <a:endParaRPr lang="en-US"/>
           </a:p>
@@ -638,7 +638,7 @@
           <a:p>
             <a:fld id="{D9007BAF-787B-5B4F-8632-C84DCD7706EC}" type="datetimeFigureOut">
               <a:rPr lang="en-US" smtClean="0"/>
-              <a:t>8/31/16</a:t>
+              <a:t>9/6/16</a:t>
             </a:fld>
             <a:endParaRPr lang="en-US"/>
           </a:p>
@@ -808,7 +808,7 @@
           <a:p>
             <a:fld id="{D9007BAF-787B-5B4F-8632-C84DCD7706EC}" type="datetimeFigureOut">
               <a:rPr lang="en-US" smtClean="0"/>
-              <a:t>8/31/16</a:t>
+              <a:t>9/6/16</a:t>
             </a:fld>
             <a:endParaRPr lang="en-US"/>
           </a:p>
@@ -1054,7 +1054,7 @@
           <a:p>
             <a:fld id="{D9007BAF-787B-5B4F-8632-C84DCD7706EC}" type="datetimeFigureOut">
               <a:rPr lang="en-US" smtClean="0"/>
-              <a:t>8/31/16</a:t>
+              <a:t>9/6/16</a:t>
             </a:fld>
             <a:endParaRPr lang="en-US"/>
           </a:p>
@@ -1342,7 +1342,7 @@
           <a:p>
             <a:fld id="{D9007BAF-787B-5B4F-8632-C84DCD7706EC}" type="datetimeFigureOut">
               <a:rPr lang="en-US" smtClean="0"/>
-              <a:t>8/31/16</a:t>
+              <a:t>9/6/16</a:t>
             </a:fld>
             <a:endParaRPr lang="en-US"/>
           </a:p>
@@ -1764,7 +1764,7 @@
           <a:p>
             <a:fld id="{D9007BAF-787B-5B4F-8632-C84DCD7706EC}" type="datetimeFigureOut">
               <a:rPr lang="en-US" smtClean="0"/>
-              <a:t>8/31/16</a:t>
+              <a:t>9/6/16</a:t>
             </a:fld>
             <a:endParaRPr lang="en-US"/>
           </a:p>
@@ -1882,7 +1882,7 @@
           <a:p>
             <a:fld id="{D9007BAF-787B-5B4F-8632-C84DCD7706EC}" type="datetimeFigureOut">
               <a:rPr lang="en-US" smtClean="0"/>
-              <a:t>8/31/16</a:t>
+              <a:t>9/6/16</a:t>
             </a:fld>
             <a:endParaRPr lang="en-US"/>
           </a:p>
@@ -1977,7 +1977,7 @@
           <a:p>
             <a:fld id="{D9007BAF-787B-5B4F-8632-C84DCD7706EC}" type="datetimeFigureOut">
               <a:rPr lang="en-US" smtClean="0"/>
-              <a:t>8/31/16</a:t>
+              <a:t>9/6/16</a:t>
             </a:fld>
             <a:endParaRPr lang="en-US"/>
           </a:p>
@@ -2254,7 +2254,7 @@
           <a:p>
             <a:fld id="{D9007BAF-787B-5B4F-8632-C84DCD7706EC}" type="datetimeFigureOut">
               <a:rPr lang="en-US" smtClean="0"/>
-              <a:t>8/31/16</a:t>
+              <a:t>9/6/16</a:t>
             </a:fld>
             <a:endParaRPr lang="en-US"/>
           </a:p>
@@ -2507,7 +2507,7 @@
           <a:p>
             <a:fld id="{D9007BAF-787B-5B4F-8632-C84DCD7706EC}" type="datetimeFigureOut">
               <a:rPr lang="en-US" smtClean="0"/>
-              <a:t>8/31/16</a:t>
+              <a:t>9/6/16</a:t>
             </a:fld>
             <a:endParaRPr lang="en-US"/>
           </a:p>
@@ -2720,7 +2720,7 @@
           <a:p>
             <a:fld id="{D9007BAF-787B-5B4F-8632-C84DCD7706EC}" type="datetimeFigureOut">
               <a:rPr lang="en-US" smtClean="0"/>
-              <a:t>8/31/16</a:t>
+              <a:t>9/6/16</a:t>
             </a:fld>
             <a:endParaRPr lang="en-US"/>
           </a:p>
